--- a/Slide/slide week-8.pptx
+++ b/Slide/slide week-8.pptx
@@ -5,25 +5,43 @@
     <p:sldMasterId id="2147483670" r:id="rId1"/>
   </p:sldMasterIdLst>
   <p:notesMasterIdLst>
-    <p:notesMasterId r:id="rId6"/>
+    <p:notesMasterId r:id="rId9"/>
   </p:notesMasterIdLst>
   <p:sldIdLst>
     <p:sldId id="256" r:id="rId2"/>
-    <p:sldId id="257" r:id="rId3"/>
-    <p:sldId id="259" r:id="rId4"/>
-    <p:sldId id="278" r:id="rId5"/>
+    <p:sldId id="278" r:id="rId3"/>
+    <p:sldId id="280" r:id="rId4"/>
+    <p:sldId id="281" r:id="rId5"/>
+    <p:sldId id="257" r:id="rId6"/>
+    <p:sldId id="259" r:id="rId7"/>
+    <p:sldId id="279" r:id="rId8"/>
   </p:sldIdLst>
   <p:sldSz cx="9144000" cy="5143500" type="screen16x9"/>
   <p:notesSz cx="6858000" cy="9144000"/>
   <p:embeddedFontLst>
     <p:embeddedFont>
+      <p:font typeface="Albert Sans" panose="020B0604020202020204" charset="0"/>
+      <p:regular r:id="rId10"/>
+      <p:bold r:id="rId11"/>
+      <p:italic r:id="rId12"/>
+      <p:boldItalic r:id="rId13"/>
+    </p:embeddedFont>
+    <p:embeddedFont>
+      <p:font typeface="Audiowide" panose="020B0604020202020204" charset="0"/>
+      <p:regular r:id="rId14"/>
+    </p:embeddedFont>
+    <p:embeddedFont>
+      <p:font typeface="Bebas Neue" panose="020B0604020202020204" charset="0"/>
+      <p:regular r:id="rId15"/>
+    </p:embeddedFont>
+    <p:embeddedFont>
       <p:font typeface="Maven Pro" panose="020B0604020202020204" charset="0"/>
-      <p:regular r:id="rId7"/>
-      <p:bold r:id="rId8"/>
+      <p:regular r:id="rId16"/>
+      <p:bold r:id="rId17"/>
     </p:embeddedFont>
     <p:embeddedFont>
       <p:font typeface="Share Tech" panose="020B0604020202020204" charset="0"/>
-      <p:regular r:id="rId9"/>
+      <p:regular r:id="rId18"/>
     </p:embeddedFont>
   </p:embeddedFontLst>
   <p:defaultTextStyle>
@@ -813,7 +831,7 @@
   <p:cSld>
     <p:spTree>
       <p:nvGrpSpPr>
-        <p:cNvPr id="1" name="Shape 461"/>
+        <p:cNvPr id="1" name="Shape 1357"/>
         <p:cNvGrpSpPr/>
         <p:nvPr/>
       </p:nvGrpSpPr>
@@ -827,7 +845,7 @@
       </p:grpSpPr>
       <p:sp>
         <p:nvSpPr>
-          <p:cNvPr id="462" name="Google Shape;462;g6c60e245bf_1_31874:notes"/>
+          <p:cNvPr id="1358" name="Google Shape;1358;g6c52a2e8d8_0_18:notes"/>
           <p:cNvSpPr>
             <a:spLocks noGrp="1" noRot="1" noChangeAspect="1"/>
           </p:cNvSpPr>
@@ -868,7 +886,7 @@
       </p:sp>
       <p:sp>
         <p:nvSpPr>
-          <p:cNvPr id="463" name="Google Shape;463;g6c60e245bf_1_31874:notes"/>
+          <p:cNvPr id="1359" name="Google Shape;1359;g6c52a2e8d8_0_18:notes"/>
           <p:cNvSpPr txBox="1">
             <a:spLocks noGrp="1"/>
           </p:cNvSpPr>
@@ -917,7 +935,7 @@
   <p:cSld>
     <p:spTree>
       <p:nvGrpSpPr>
-        <p:cNvPr id="1" name="Shape 502"/>
+        <p:cNvPr id="1" name="Shape 1357"/>
         <p:cNvGrpSpPr/>
         <p:nvPr/>
       </p:nvGrpSpPr>
@@ -931,7 +949,7 @@
       </p:grpSpPr>
       <p:sp>
         <p:nvSpPr>
-          <p:cNvPr id="503" name="Google Shape;503;g6c4305b01e_0_5:notes"/>
+          <p:cNvPr id="1358" name="Google Shape;1358;g6c52a2e8d8_0_18:notes"/>
           <p:cNvSpPr>
             <a:spLocks noGrp="1" noRot="1" noChangeAspect="1"/>
           </p:cNvSpPr>
@@ -972,7 +990,7 @@
       </p:sp>
       <p:sp>
         <p:nvSpPr>
-          <p:cNvPr id="504" name="Google Shape;504;g6c4305b01e_0_5:notes"/>
+          <p:cNvPr id="1359" name="Google Shape;1359;g6c52a2e8d8_0_18:notes"/>
           <p:cNvSpPr txBox="1">
             <a:spLocks noGrp="1"/>
           </p:cNvSpPr>
@@ -1009,6 +1027,11 @@
         </p:txBody>
       </p:sp>
     </p:spTree>
+    <p:extLst>
+      <p:ext uri="{BB962C8B-B14F-4D97-AF65-F5344CB8AC3E}">
+        <p14:creationId xmlns:p14="http://schemas.microsoft.com/office/powerpoint/2010/main" val="484391074"/>
+      </p:ext>
+    </p:extLst>
   </p:cSld>
   <p:clrMapOvr>
     <a:masterClrMapping/>
@@ -1113,6 +1136,328 @@
         </p:txBody>
       </p:sp>
     </p:spTree>
+    <p:extLst>
+      <p:ext uri="{BB962C8B-B14F-4D97-AF65-F5344CB8AC3E}">
+        <p14:creationId xmlns:p14="http://schemas.microsoft.com/office/powerpoint/2010/main" val="3936297611"/>
+      </p:ext>
+    </p:extLst>
+  </p:cSld>
+  <p:clrMapOvr>
+    <a:masterClrMapping/>
+  </p:clrMapOvr>
+</p:notes>
+</file>
+
+<file path=ppt/notesSlides/notesSlide5.xml><?xml version="1.0" encoding="utf-8"?>
+<p:notes xmlns:a="http://schemas.openxmlformats.org/drawingml/2006/main" xmlns:r="http://schemas.openxmlformats.org/officeDocument/2006/relationships" xmlns:p="http://schemas.openxmlformats.org/presentationml/2006/main" showMasterSp="0" showMasterPhAnim="0">
+  <p:cSld>
+    <p:spTree>
+      <p:nvGrpSpPr>
+        <p:cNvPr id="1" name="Shape 461"/>
+        <p:cNvGrpSpPr/>
+        <p:nvPr/>
+      </p:nvGrpSpPr>
+      <p:grpSpPr>
+        <a:xfrm>
+          <a:off x="0" y="0"/>
+          <a:ext cx="0" cy="0"/>
+          <a:chOff x="0" y="0"/>
+          <a:chExt cx="0" cy="0"/>
+        </a:xfrm>
+      </p:grpSpPr>
+      <p:sp>
+        <p:nvSpPr>
+          <p:cNvPr id="462" name="Google Shape;462;g6c60e245bf_1_31874:notes"/>
+          <p:cNvSpPr>
+            <a:spLocks noGrp="1" noRot="1" noChangeAspect="1"/>
+          </p:cNvSpPr>
+          <p:nvPr>
+            <p:ph type="sldImg" idx="2"/>
+          </p:nvPr>
+        </p:nvSpPr>
+        <p:spPr>
+          <a:xfrm>
+            <a:off x="381000" y="685800"/>
+            <a:ext cx="6096000" cy="3429000"/>
+          </a:xfrm>
+          <a:custGeom>
+            <a:avLst/>
+            <a:gdLst/>
+            <a:ahLst/>
+            <a:cxnLst/>
+            <a:rect l="l" t="t" r="r" b="b"/>
+            <a:pathLst>
+              <a:path w="120000" h="120000" extrusionOk="0">
+                <a:moveTo>
+                  <a:pt x="0" y="0"/>
+                </a:moveTo>
+                <a:lnTo>
+                  <a:pt x="120000" y="0"/>
+                </a:lnTo>
+                <a:lnTo>
+                  <a:pt x="120000" y="120000"/>
+                </a:lnTo>
+                <a:lnTo>
+                  <a:pt x="0" y="120000"/>
+                </a:lnTo>
+                <a:close/>
+              </a:path>
+            </a:pathLst>
+          </a:custGeom>
+        </p:spPr>
+      </p:sp>
+      <p:sp>
+        <p:nvSpPr>
+          <p:cNvPr id="463" name="Google Shape;463;g6c60e245bf_1_31874:notes"/>
+          <p:cNvSpPr txBox="1">
+            <a:spLocks noGrp="1"/>
+          </p:cNvSpPr>
+          <p:nvPr>
+            <p:ph type="body" idx="1"/>
+          </p:nvPr>
+        </p:nvSpPr>
+        <p:spPr>
+          <a:xfrm>
+            <a:off x="685800" y="4343400"/>
+            <a:ext cx="5486400" cy="4114800"/>
+          </a:xfrm>
+          <a:prstGeom prst="rect">
+            <a:avLst/>
+          </a:prstGeom>
+        </p:spPr>
+        <p:txBody>
+          <a:bodyPr spcFirstLastPara="1" wrap="square" lIns="91425" tIns="91425" rIns="91425" bIns="91425" anchor="t" anchorCtr="0">
+            <a:noAutofit/>
+          </a:bodyPr>
+          <a:lstStyle/>
+          <a:p>
+            <a:pPr marL="0" lvl="0" indent="0" algn="l" rtl="0">
+              <a:spcBef>
+                <a:spcPts val="0"/>
+              </a:spcBef>
+              <a:spcAft>
+                <a:spcPts val="0"/>
+              </a:spcAft>
+              <a:buNone/>
+            </a:pPr>
+            <a:endParaRPr/>
+          </a:p>
+        </p:txBody>
+      </p:sp>
+    </p:spTree>
+  </p:cSld>
+  <p:clrMapOvr>
+    <a:masterClrMapping/>
+  </p:clrMapOvr>
+</p:notes>
+</file>
+
+<file path=ppt/notesSlides/notesSlide6.xml><?xml version="1.0" encoding="utf-8"?>
+<p:notes xmlns:a="http://schemas.openxmlformats.org/drawingml/2006/main" xmlns:r="http://schemas.openxmlformats.org/officeDocument/2006/relationships" xmlns:p="http://schemas.openxmlformats.org/presentationml/2006/main" showMasterSp="0" showMasterPhAnim="0">
+  <p:cSld>
+    <p:spTree>
+      <p:nvGrpSpPr>
+        <p:cNvPr id="1" name="Shape 502"/>
+        <p:cNvGrpSpPr/>
+        <p:nvPr/>
+      </p:nvGrpSpPr>
+      <p:grpSpPr>
+        <a:xfrm>
+          <a:off x="0" y="0"/>
+          <a:ext cx="0" cy="0"/>
+          <a:chOff x="0" y="0"/>
+          <a:chExt cx="0" cy="0"/>
+        </a:xfrm>
+      </p:grpSpPr>
+      <p:sp>
+        <p:nvSpPr>
+          <p:cNvPr id="503" name="Google Shape;503;g6c4305b01e_0_5:notes"/>
+          <p:cNvSpPr>
+            <a:spLocks noGrp="1" noRot="1" noChangeAspect="1"/>
+          </p:cNvSpPr>
+          <p:nvPr>
+            <p:ph type="sldImg" idx="2"/>
+          </p:nvPr>
+        </p:nvSpPr>
+        <p:spPr>
+          <a:xfrm>
+            <a:off x="381000" y="685800"/>
+            <a:ext cx="6096000" cy="3429000"/>
+          </a:xfrm>
+          <a:custGeom>
+            <a:avLst/>
+            <a:gdLst/>
+            <a:ahLst/>
+            <a:cxnLst/>
+            <a:rect l="l" t="t" r="r" b="b"/>
+            <a:pathLst>
+              <a:path w="120000" h="120000" extrusionOk="0">
+                <a:moveTo>
+                  <a:pt x="0" y="0"/>
+                </a:moveTo>
+                <a:lnTo>
+                  <a:pt x="120000" y="0"/>
+                </a:lnTo>
+                <a:lnTo>
+                  <a:pt x="120000" y="120000"/>
+                </a:lnTo>
+                <a:lnTo>
+                  <a:pt x="0" y="120000"/>
+                </a:lnTo>
+                <a:close/>
+              </a:path>
+            </a:pathLst>
+          </a:custGeom>
+        </p:spPr>
+      </p:sp>
+      <p:sp>
+        <p:nvSpPr>
+          <p:cNvPr id="504" name="Google Shape;504;g6c4305b01e_0_5:notes"/>
+          <p:cNvSpPr txBox="1">
+            <a:spLocks noGrp="1"/>
+          </p:cNvSpPr>
+          <p:nvPr>
+            <p:ph type="body" idx="1"/>
+          </p:nvPr>
+        </p:nvSpPr>
+        <p:spPr>
+          <a:xfrm>
+            <a:off x="685800" y="4343400"/>
+            <a:ext cx="5486400" cy="4114800"/>
+          </a:xfrm>
+          <a:prstGeom prst="rect">
+            <a:avLst/>
+          </a:prstGeom>
+        </p:spPr>
+        <p:txBody>
+          <a:bodyPr spcFirstLastPara="1" wrap="square" lIns="91425" tIns="91425" rIns="91425" bIns="91425" anchor="t" anchorCtr="0">
+            <a:noAutofit/>
+          </a:bodyPr>
+          <a:lstStyle/>
+          <a:p>
+            <a:pPr marL="0" lvl="0" indent="0" algn="l" rtl="0">
+              <a:spcBef>
+                <a:spcPts val="0"/>
+              </a:spcBef>
+              <a:spcAft>
+                <a:spcPts val="0"/>
+              </a:spcAft>
+              <a:buNone/>
+            </a:pPr>
+            <a:endParaRPr/>
+          </a:p>
+        </p:txBody>
+      </p:sp>
+    </p:spTree>
+  </p:cSld>
+  <p:clrMapOvr>
+    <a:masterClrMapping/>
+  </p:clrMapOvr>
+</p:notes>
+</file>
+
+<file path=ppt/notesSlides/notesSlide7.xml><?xml version="1.0" encoding="utf-8"?>
+<p:notes xmlns:a="http://schemas.openxmlformats.org/drawingml/2006/main" xmlns:r="http://schemas.openxmlformats.org/officeDocument/2006/relationships" xmlns:p="http://schemas.openxmlformats.org/presentationml/2006/main" showMasterSp="0" showMasterPhAnim="0">
+  <p:cSld>
+    <p:spTree>
+      <p:nvGrpSpPr>
+        <p:cNvPr id="1" name="Shape 1357"/>
+        <p:cNvGrpSpPr/>
+        <p:nvPr/>
+      </p:nvGrpSpPr>
+      <p:grpSpPr>
+        <a:xfrm>
+          <a:off x="0" y="0"/>
+          <a:ext cx="0" cy="0"/>
+          <a:chOff x="0" y="0"/>
+          <a:chExt cx="0" cy="0"/>
+        </a:xfrm>
+      </p:grpSpPr>
+      <p:sp>
+        <p:nvSpPr>
+          <p:cNvPr id="1358" name="Google Shape;1358;g6c52a2e8d8_0_18:notes"/>
+          <p:cNvSpPr>
+            <a:spLocks noGrp="1" noRot="1" noChangeAspect="1"/>
+          </p:cNvSpPr>
+          <p:nvPr>
+            <p:ph type="sldImg" idx="2"/>
+          </p:nvPr>
+        </p:nvSpPr>
+        <p:spPr>
+          <a:xfrm>
+            <a:off x="381000" y="685800"/>
+            <a:ext cx="6096000" cy="3429000"/>
+          </a:xfrm>
+          <a:custGeom>
+            <a:avLst/>
+            <a:gdLst/>
+            <a:ahLst/>
+            <a:cxnLst/>
+            <a:rect l="l" t="t" r="r" b="b"/>
+            <a:pathLst>
+              <a:path w="120000" h="120000" extrusionOk="0">
+                <a:moveTo>
+                  <a:pt x="0" y="0"/>
+                </a:moveTo>
+                <a:lnTo>
+                  <a:pt x="120000" y="0"/>
+                </a:lnTo>
+                <a:lnTo>
+                  <a:pt x="120000" y="120000"/>
+                </a:lnTo>
+                <a:lnTo>
+                  <a:pt x="0" y="120000"/>
+                </a:lnTo>
+                <a:close/>
+              </a:path>
+            </a:pathLst>
+          </a:custGeom>
+        </p:spPr>
+      </p:sp>
+      <p:sp>
+        <p:nvSpPr>
+          <p:cNvPr id="1359" name="Google Shape;1359;g6c52a2e8d8_0_18:notes"/>
+          <p:cNvSpPr txBox="1">
+            <a:spLocks noGrp="1"/>
+          </p:cNvSpPr>
+          <p:nvPr>
+            <p:ph type="body" idx="1"/>
+          </p:nvPr>
+        </p:nvSpPr>
+        <p:spPr>
+          <a:xfrm>
+            <a:off x="685800" y="4343400"/>
+            <a:ext cx="5486400" cy="4114800"/>
+          </a:xfrm>
+          <a:prstGeom prst="rect">
+            <a:avLst/>
+          </a:prstGeom>
+        </p:spPr>
+        <p:txBody>
+          <a:bodyPr spcFirstLastPara="1" wrap="square" lIns="91425" tIns="91425" rIns="91425" bIns="91425" anchor="t" anchorCtr="0">
+            <a:noAutofit/>
+          </a:bodyPr>
+          <a:lstStyle/>
+          <a:p>
+            <a:pPr marL="0" lvl="0" indent="0" algn="l" rtl="0">
+              <a:spcBef>
+                <a:spcPts val="0"/>
+              </a:spcBef>
+              <a:spcAft>
+                <a:spcPts val="0"/>
+              </a:spcAft>
+              <a:buNone/>
+            </a:pPr>
+            <a:endParaRPr/>
+          </a:p>
+        </p:txBody>
+      </p:sp>
+    </p:spTree>
+    <p:extLst>
+      <p:ext uri="{BB962C8B-B14F-4D97-AF65-F5344CB8AC3E}">
+        <p14:creationId xmlns:p14="http://schemas.microsoft.com/office/powerpoint/2010/main" val="3660415962"/>
+      </p:ext>
+    </p:extLst>
   </p:cSld>
   <p:clrMapOvr>
     <a:masterClrMapping/>
@@ -9368,44 +9713,32 @@
               <a:buNone/>
             </a:pPr>
             <a:r>
-              <a:rPr lang="en-ID" dirty="0">
-                <a:solidFill>
-                  <a:schemeClr val="accent2">
-                    <a:lumMod val="60000"/>
-                    <a:lumOff val="40000"/>
-                  </a:schemeClr>
+              <a:rPr lang="en-ID" b="1" dirty="0">
+                <a:solidFill>
+                  <a:srgbClr val="FF0000"/>
                 </a:solidFill>
               </a:rPr>
               <a:t>FW-15 </a:t>
             </a:r>
             <a:r>
-              <a:rPr lang="en-ID" dirty="0" err="1">
-                <a:solidFill>
-                  <a:schemeClr val="accent2">
-                    <a:lumMod val="60000"/>
-                    <a:lumOff val="40000"/>
-                  </a:schemeClr>
+              <a:rPr lang="en-ID" b="1" dirty="0" err="1">
+                <a:solidFill>
+                  <a:srgbClr val="FF0000"/>
                 </a:solidFill>
               </a:rPr>
               <a:t>FullStack</a:t>
             </a:r>
             <a:r>
-              <a:rPr lang="en-ID" dirty="0">
-                <a:solidFill>
-                  <a:schemeClr val="accent2">
-                    <a:lumMod val="60000"/>
-                    <a:lumOff val="40000"/>
-                  </a:schemeClr>
+              <a:rPr lang="en-ID" b="1" dirty="0">
+                <a:solidFill>
+                  <a:srgbClr val="FF0000"/>
                 </a:solidFill>
               </a:rPr>
               <a:t> Web</a:t>
             </a:r>
-            <a:endParaRPr dirty="0">
+            <a:endParaRPr b="1" dirty="0">
               <a:solidFill>
-                <a:schemeClr val="accent2">
-                  <a:lumMod val="60000"/>
-                  <a:lumOff val="40000"/>
-                </a:schemeClr>
+                <a:srgbClr val="FF0000"/>
               </a:solidFill>
             </a:endParaRPr>
           </a:p>
@@ -10838,8 +11171,8 @@
         </p:nvSpPr>
         <p:spPr>
           <a:xfrm rot="10800000" flipV="1">
-            <a:off x="991610" y="2033073"/>
-            <a:ext cx="1488511" cy="45719"/>
+            <a:off x="6021631" y="2722272"/>
+            <a:ext cx="2052625" cy="45719"/>
           </a:xfrm>
           <a:prstGeom prst="rect">
             <a:avLst/>
@@ -11103,7 +11436,19 @@
           <a:p>
             <a:r>
               <a:rPr lang="en-ID" sz="2800" dirty="0"/>
-              <a:t>Week-8</a:t>
+              <a:t>Week-7</a:t>
+            </a:r>
+            <a:r>
+              <a:rPr lang="en-ID" sz="2800" dirty="0">
+                <a:solidFill>
+                  <a:srgbClr val="FF0000"/>
+                </a:solidFill>
+              </a:rPr>
+              <a:t>&amp;</a:t>
+            </a:r>
+            <a:r>
+              <a:rPr lang="en-ID" sz="2800" dirty="0"/>
+              <a:t>8</a:t>
             </a:r>
             <a:endParaRPr lang="en-ID" sz="2000" dirty="0"/>
           </a:p>
@@ -11118,6 +11463,5282 @@
 </file>
 
 <file path=ppt/slides/slide2.xml><?xml version="1.0" encoding="utf-8"?>
+<p:sld xmlns:a="http://schemas.openxmlformats.org/drawingml/2006/main" xmlns:r="http://schemas.openxmlformats.org/officeDocument/2006/relationships" xmlns:p="http://schemas.openxmlformats.org/presentationml/2006/main">
+  <p:cSld>
+    <p:spTree>
+      <p:nvGrpSpPr>
+        <p:cNvPr id="1" name="Shape 1360"/>
+        <p:cNvGrpSpPr/>
+        <p:nvPr/>
+      </p:nvGrpSpPr>
+      <p:grpSpPr>
+        <a:xfrm>
+          <a:off x="0" y="0"/>
+          <a:ext cx="0" cy="0"/>
+          <a:chOff x="0" y="0"/>
+          <a:chExt cx="0" cy="0"/>
+        </a:xfrm>
+      </p:grpSpPr>
+      <p:sp>
+        <p:nvSpPr>
+          <p:cNvPr id="1364" name="Google Shape;1364;p47"/>
+          <p:cNvSpPr/>
+          <p:nvPr/>
+        </p:nvSpPr>
+        <p:spPr>
+          <a:xfrm>
+            <a:off x="-65247" y="971445"/>
+            <a:ext cx="62397" cy="62143"/>
+          </a:xfrm>
+          <a:custGeom>
+            <a:avLst/>
+            <a:gdLst/>
+            <a:ahLst/>
+            <a:cxnLst/>
+            <a:rect l="l" t="t" r="r" b="b"/>
+            <a:pathLst>
+              <a:path w="2207" h="2198" fill="none" extrusionOk="0">
+                <a:moveTo>
+                  <a:pt x="0" y="0"/>
+                </a:moveTo>
+                <a:lnTo>
+                  <a:pt x="2207" y="0"/>
+                </a:lnTo>
+                <a:lnTo>
+                  <a:pt x="2207" y="2197"/>
+                </a:lnTo>
+                <a:lnTo>
+                  <a:pt x="0" y="2197"/>
+                </a:lnTo>
+                <a:close/>
+              </a:path>
+            </a:pathLst>
+          </a:custGeom>
+          <a:noFill/>
+          <a:ln w="2975" cap="flat" cmpd="sng">
+            <a:solidFill>
+              <a:srgbClr val="00CFCC"/>
+            </a:solidFill>
+            <a:prstDash val="solid"/>
+            <a:miter lim="9192"/>
+            <a:headEnd type="none" w="sm" len="sm"/>
+            <a:tailEnd type="none" w="sm" len="sm"/>
+          </a:ln>
+        </p:spPr>
+        <p:txBody>
+          <a:bodyPr spcFirstLastPara="1" wrap="square" lIns="91425" tIns="91425" rIns="91425" bIns="91425" anchor="ctr" anchorCtr="0">
+            <a:noAutofit/>
+          </a:bodyPr>
+          <a:lstStyle/>
+          <a:p>
+            <a:pPr marL="0" lvl="0" indent="0" algn="l" rtl="0">
+              <a:spcBef>
+                <a:spcPts val="0"/>
+              </a:spcBef>
+              <a:spcAft>
+                <a:spcPts val="0"/>
+              </a:spcAft>
+              <a:buNone/>
+            </a:pPr>
+            <a:endParaRPr/>
+          </a:p>
+        </p:txBody>
+      </p:sp>
+      <p:grpSp>
+        <p:nvGrpSpPr>
+          <p:cNvPr id="1365" name="Google Shape;1365;p47"/>
+          <p:cNvGrpSpPr/>
+          <p:nvPr/>
+        </p:nvGrpSpPr>
+        <p:grpSpPr>
+          <a:xfrm>
+            <a:off x="7981434" y="-1177061"/>
+            <a:ext cx="203789" cy="1274754"/>
+            <a:chOff x="2877432" y="975334"/>
+            <a:chExt cx="188886" cy="1181531"/>
+          </a:xfrm>
+        </p:grpSpPr>
+        <p:sp>
+          <p:nvSpPr>
+            <p:cNvPr id="1366" name="Google Shape;1366;p47"/>
+            <p:cNvSpPr/>
+            <p:nvPr/>
+          </p:nvSpPr>
+          <p:spPr>
+            <a:xfrm>
+              <a:off x="2877432" y="1968242"/>
+              <a:ext cx="188886" cy="188624"/>
+            </a:xfrm>
+            <a:custGeom>
+              <a:avLst/>
+              <a:gdLst/>
+              <a:ahLst/>
+              <a:cxnLst/>
+              <a:rect l="l" t="t" r="r" b="b"/>
+              <a:pathLst>
+                <a:path w="7208" h="7198" fill="none" extrusionOk="0">
+                  <a:moveTo>
+                    <a:pt x="1" y="0"/>
+                  </a:moveTo>
+                  <a:lnTo>
+                    <a:pt x="7208" y="0"/>
+                  </a:lnTo>
+                  <a:lnTo>
+                    <a:pt x="7208" y="7198"/>
+                  </a:lnTo>
+                  <a:lnTo>
+                    <a:pt x="1" y="7198"/>
+                  </a:lnTo>
+                  <a:close/>
+                </a:path>
+              </a:pathLst>
+            </a:custGeom>
+            <a:noFill/>
+            <a:ln w="5750" cap="flat" cmpd="sng">
+              <a:solidFill>
+                <a:srgbClr val="FF9973"/>
+              </a:solidFill>
+              <a:prstDash val="solid"/>
+              <a:miter lim="9192"/>
+              <a:headEnd type="none" w="sm" len="sm"/>
+              <a:tailEnd type="none" w="sm" len="sm"/>
+            </a:ln>
+          </p:spPr>
+          <p:txBody>
+            <a:bodyPr spcFirstLastPara="1" wrap="square" lIns="91425" tIns="91425" rIns="91425" bIns="91425" anchor="ctr" anchorCtr="0">
+              <a:noAutofit/>
+            </a:bodyPr>
+            <a:lstStyle/>
+            <a:p>
+              <a:pPr marL="0" lvl="0" indent="0" algn="l" rtl="0">
+                <a:spcBef>
+                  <a:spcPts val="0"/>
+                </a:spcBef>
+                <a:spcAft>
+                  <a:spcPts val="0"/>
+                </a:spcAft>
+                <a:buNone/>
+              </a:pPr>
+              <a:endParaRPr/>
+            </a:p>
+          </p:txBody>
+        </p:sp>
+        <p:sp>
+          <p:nvSpPr>
+            <p:cNvPr id="1367" name="Google Shape;1367;p47"/>
+            <p:cNvSpPr/>
+            <p:nvPr/>
+          </p:nvSpPr>
+          <p:spPr>
+            <a:xfrm>
+              <a:off x="2905393" y="1452501"/>
+              <a:ext cx="133226" cy="133252"/>
+            </a:xfrm>
+            <a:custGeom>
+              <a:avLst/>
+              <a:gdLst/>
+              <a:ahLst/>
+              <a:cxnLst/>
+              <a:rect l="l" t="t" r="r" b="b"/>
+              <a:pathLst>
+                <a:path w="5084" h="5085" fill="none" extrusionOk="0">
+                  <a:moveTo>
+                    <a:pt x="0" y="1"/>
+                  </a:moveTo>
+                  <a:lnTo>
+                    <a:pt x="5083" y="1"/>
+                  </a:lnTo>
+                  <a:lnTo>
+                    <a:pt x="5083" y="5084"/>
+                  </a:lnTo>
+                  <a:lnTo>
+                    <a:pt x="0" y="5084"/>
+                  </a:lnTo>
+                  <a:close/>
+                </a:path>
+              </a:pathLst>
+            </a:custGeom>
+            <a:noFill/>
+            <a:ln w="4125" cap="flat" cmpd="sng">
+              <a:solidFill>
+                <a:srgbClr val="FF9973"/>
+              </a:solidFill>
+              <a:prstDash val="solid"/>
+              <a:miter lim="9192"/>
+              <a:headEnd type="none" w="sm" len="sm"/>
+              <a:tailEnd type="none" w="sm" len="sm"/>
+            </a:ln>
+          </p:spPr>
+          <p:txBody>
+            <a:bodyPr spcFirstLastPara="1" wrap="square" lIns="91425" tIns="91425" rIns="91425" bIns="91425" anchor="ctr" anchorCtr="0">
+              <a:noAutofit/>
+            </a:bodyPr>
+            <a:lstStyle/>
+            <a:p>
+              <a:pPr marL="0" lvl="0" indent="0" algn="l" rtl="0">
+                <a:spcBef>
+                  <a:spcPts val="0"/>
+                </a:spcBef>
+                <a:spcAft>
+                  <a:spcPts val="0"/>
+                </a:spcAft>
+                <a:buNone/>
+              </a:pPr>
+              <a:endParaRPr/>
+            </a:p>
+          </p:txBody>
+        </p:sp>
+        <p:sp>
+          <p:nvSpPr>
+            <p:cNvPr id="1368" name="Google Shape;1368;p47"/>
+            <p:cNvSpPr/>
+            <p:nvPr/>
+          </p:nvSpPr>
+          <p:spPr>
+            <a:xfrm>
+              <a:off x="2931651" y="975334"/>
+              <a:ext cx="80476" cy="80711"/>
+            </a:xfrm>
+            <a:custGeom>
+              <a:avLst/>
+              <a:gdLst/>
+              <a:ahLst/>
+              <a:cxnLst/>
+              <a:rect l="l" t="t" r="r" b="b"/>
+              <a:pathLst>
+                <a:path w="3071" h="3080" fill="none" extrusionOk="0">
+                  <a:moveTo>
+                    <a:pt x="0" y="0"/>
+                  </a:moveTo>
+                  <a:lnTo>
+                    <a:pt x="3070" y="0"/>
+                  </a:lnTo>
+                  <a:lnTo>
+                    <a:pt x="3070" y="3080"/>
+                  </a:lnTo>
+                  <a:lnTo>
+                    <a:pt x="0" y="3080"/>
+                  </a:lnTo>
+                  <a:close/>
+                </a:path>
+              </a:pathLst>
+            </a:custGeom>
+            <a:noFill/>
+            <a:ln w="2525" cap="flat" cmpd="sng">
+              <a:solidFill>
+                <a:srgbClr val="FF9973"/>
+              </a:solidFill>
+              <a:prstDash val="solid"/>
+              <a:miter lim="9192"/>
+              <a:headEnd type="none" w="sm" len="sm"/>
+              <a:tailEnd type="none" w="sm" len="sm"/>
+            </a:ln>
+          </p:spPr>
+          <p:txBody>
+            <a:bodyPr spcFirstLastPara="1" wrap="square" lIns="91425" tIns="91425" rIns="91425" bIns="91425" anchor="ctr" anchorCtr="0">
+              <a:noAutofit/>
+            </a:bodyPr>
+            <a:lstStyle/>
+            <a:p>
+              <a:pPr marL="0" lvl="0" indent="0" algn="l" rtl="0">
+                <a:spcBef>
+                  <a:spcPts val="0"/>
+                </a:spcBef>
+                <a:spcAft>
+                  <a:spcPts val="0"/>
+                </a:spcAft>
+                <a:buNone/>
+              </a:pPr>
+              <a:endParaRPr/>
+            </a:p>
+          </p:txBody>
+        </p:sp>
+      </p:grpSp>
+      <p:sp>
+        <p:nvSpPr>
+          <p:cNvPr id="1369" name="Google Shape;1369;p47"/>
+          <p:cNvSpPr/>
+          <p:nvPr/>
+        </p:nvSpPr>
+        <p:spPr>
+          <a:xfrm>
+            <a:off x="9277943" y="-708433"/>
+            <a:ext cx="9132" cy="2718429"/>
+          </a:xfrm>
+          <a:custGeom>
+            <a:avLst/>
+            <a:gdLst/>
+            <a:ahLst/>
+            <a:cxnLst/>
+            <a:rect l="l" t="t" r="r" b="b"/>
+            <a:pathLst>
+              <a:path w="323" h="96151" extrusionOk="0">
+                <a:moveTo>
+                  <a:pt x="166" y="0"/>
+                </a:moveTo>
+                <a:lnTo>
+                  <a:pt x="1" y="96150"/>
+                </a:lnTo>
+                <a:lnTo>
+                  <a:pt x="323" y="96150"/>
+                </a:lnTo>
+                <a:lnTo>
+                  <a:pt x="166" y="0"/>
+                </a:lnTo>
+                <a:close/>
+              </a:path>
+            </a:pathLst>
+          </a:custGeom>
+          <a:solidFill>
+            <a:srgbClr val="FFD6E1"/>
+          </a:solidFill>
+          <a:ln>
+            <a:noFill/>
+          </a:ln>
+        </p:spPr>
+        <p:txBody>
+          <a:bodyPr spcFirstLastPara="1" wrap="square" lIns="91425" tIns="91425" rIns="91425" bIns="91425" anchor="ctr" anchorCtr="0">
+            <a:noAutofit/>
+          </a:bodyPr>
+          <a:lstStyle/>
+          <a:p>
+            <a:pPr marL="0" lvl="0" indent="0" algn="l" rtl="0">
+              <a:spcBef>
+                <a:spcPts val="0"/>
+              </a:spcBef>
+              <a:spcAft>
+                <a:spcPts val="0"/>
+              </a:spcAft>
+              <a:buNone/>
+            </a:pPr>
+            <a:endParaRPr/>
+          </a:p>
+        </p:txBody>
+      </p:sp>
+      <p:sp>
+        <p:nvSpPr>
+          <p:cNvPr id="1370" name="Google Shape;1370;p47"/>
+          <p:cNvSpPr/>
+          <p:nvPr/>
+        </p:nvSpPr>
+        <p:spPr>
+          <a:xfrm>
+            <a:off x="335228" y="-685306"/>
+            <a:ext cx="9132" cy="1822332"/>
+          </a:xfrm>
+          <a:custGeom>
+            <a:avLst/>
+            <a:gdLst/>
+            <a:ahLst/>
+            <a:cxnLst/>
+            <a:rect l="l" t="t" r="r" b="b"/>
+            <a:pathLst>
+              <a:path w="323" h="64456" extrusionOk="0">
+                <a:moveTo>
+                  <a:pt x="166" y="0"/>
+                </a:moveTo>
+                <a:lnTo>
+                  <a:pt x="1" y="64456"/>
+                </a:lnTo>
+                <a:lnTo>
+                  <a:pt x="322" y="64456"/>
+                </a:lnTo>
+                <a:lnTo>
+                  <a:pt x="166" y="0"/>
+                </a:lnTo>
+                <a:close/>
+              </a:path>
+            </a:pathLst>
+          </a:custGeom>
+          <a:solidFill>
+            <a:srgbClr val="FFD6E1"/>
+          </a:solidFill>
+          <a:ln>
+            <a:noFill/>
+          </a:ln>
+        </p:spPr>
+        <p:txBody>
+          <a:bodyPr spcFirstLastPara="1" wrap="square" lIns="91425" tIns="91425" rIns="91425" bIns="91425" anchor="ctr" anchorCtr="0">
+            <a:noAutofit/>
+          </a:bodyPr>
+          <a:lstStyle/>
+          <a:p>
+            <a:pPr marL="0" lvl="0" indent="0" algn="l" rtl="0">
+              <a:spcBef>
+                <a:spcPts val="0"/>
+              </a:spcBef>
+              <a:spcAft>
+                <a:spcPts val="0"/>
+              </a:spcAft>
+              <a:buNone/>
+            </a:pPr>
+            <a:endParaRPr/>
+          </a:p>
+        </p:txBody>
+      </p:sp>
+      <p:sp>
+        <p:nvSpPr>
+          <p:cNvPr id="3" name="Rectangle 2">
+            <a:extLst>
+              <a:ext uri="{FF2B5EF4-FFF2-40B4-BE49-F238E27FC236}">
+                <a16:creationId xmlns:a16="http://schemas.microsoft.com/office/drawing/2014/main" id="{45E372ED-6E6D-4C44-A49C-EA2C29C33E24}"/>
+              </a:ext>
+            </a:extLst>
+          </p:cNvPr>
+          <p:cNvSpPr/>
+          <p:nvPr/>
+        </p:nvSpPr>
+        <p:spPr>
+          <a:xfrm>
+            <a:off x="2133840" y="3896190"/>
+            <a:ext cx="4572000" cy="766119"/>
+          </a:xfrm>
+          <a:prstGeom prst="rect">
+            <a:avLst/>
+          </a:prstGeom>
+          <a:solidFill>
+            <a:srgbClr val="002845"/>
+          </a:solidFill>
+          <a:ln>
+            <a:noFill/>
+          </a:ln>
+        </p:spPr>
+        <p:style>
+          <a:lnRef idx="2">
+            <a:schemeClr val="dk1">
+              <a:shade val="50000"/>
+            </a:schemeClr>
+          </a:lnRef>
+          <a:fillRef idx="1">
+            <a:schemeClr val="dk1"/>
+          </a:fillRef>
+          <a:effectRef idx="0">
+            <a:schemeClr val="dk1"/>
+          </a:effectRef>
+          <a:fontRef idx="minor">
+            <a:schemeClr val="lt1"/>
+          </a:fontRef>
+        </p:style>
+        <p:txBody>
+          <a:bodyPr rtlCol="0" anchor="ctr"/>
+          <a:lstStyle/>
+          <a:p>
+            <a:pPr algn="ctr"/>
+            <a:endParaRPr lang="en-ID"/>
+          </a:p>
+        </p:txBody>
+      </p:sp>
+      <p:sp>
+        <p:nvSpPr>
+          <p:cNvPr id="22" name="Google Shape;9293;p35">
+            <a:extLst>
+              <a:ext uri="{FF2B5EF4-FFF2-40B4-BE49-F238E27FC236}">
+                <a16:creationId xmlns:a16="http://schemas.microsoft.com/office/drawing/2014/main" id="{1EAC7C90-9712-4691-BB2B-8B403818EF24}"/>
+              </a:ext>
+            </a:extLst>
+          </p:cNvPr>
+          <p:cNvSpPr txBox="1">
+            <a:spLocks noGrp="1"/>
+          </p:cNvSpPr>
+          <p:nvPr>
+            <p:ph type="title"/>
+          </p:nvPr>
+        </p:nvSpPr>
+        <p:spPr>
+          <a:xfrm>
+            <a:off x="720000" y="445025"/>
+            <a:ext cx="7704000" cy="572700"/>
+          </a:xfrm>
+          <a:prstGeom prst="rect">
+            <a:avLst/>
+          </a:prstGeom>
+        </p:spPr>
+        <p:txBody>
+          <a:bodyPr spcFirstLastPara="1" wrap="square" lIns="91425" tIns="91425" rIns="91425" bIns="91425" anchor="t" anchorCtr="0">
+            <a:noAutofit/>
+          </a:bodyPr>
+          <a:lstStyle/>
+          <a:p>
+            <a:pPr marL="0" lvl="0" indent="0" algn="l" rtl="0">
+              <a:spcBef>
+                <a:spcPts val="0"/>
+              </a:spcBef>
+              <a:spcAft>
+                <a:spcPts val="0"/>
+              </a:spcAft>
+              <a:buNone/>
+            </a:pPr>
+            <a:r>
+              <a:rPr lang="en-US" dirty="0"/>
+              <a:t>D</a:t>
+            </a:r>
+            <a:r>
+              <a:rPr lang="en-ID" dirty="0"/>
+              <a:t>OM </a:t>
+            </a:r>
+            <a:r>
+              <a:rPr lang="en-ID" dirty="0">
+                <a:solidFill>
+                  <a:srgbClr val="FF0000"/>
+                </a:solidFill>
+              </a:rPr>
+              <a:t>&amp; </a:t>
+            </a:r>
+            <a:r>
+              <a:rPr lang="en-ID" dirty="0"/>
+              <a:t>Virtual DOM</a:t>
+            </a:r>
+            <a:endParaRPr dirty="0"/>
+          </a:p>
+        </p:txBody>
+      </p:sp>
+      <p:sp>
+        <p:nvSpPr>
+          <p:cNvPr id="23" name="Google Shape;9295;p35">
+            <a:extLst>
+              <a:ext uri="{FF2B5EF4-FFF2-40B4-BE49-F238E27FC236}">
+                <a16:creationId xmlns:a16="http://schemas.microsoft.com/office/drawing/2014/main" id="{2078C320-1FA4-450C-86F1-1107EB6F95F8}"/>
+              </a:ext>
+            </a:extLst>
+          </p:cNvPr>
+          <p:cNvSpPr txBox="1">
+            <a:spLocks/>
+          </p:cNvSpPr>
+          <p:nvPr/>
+        </p:nvSpPr>
+        <p:spPr>
+          <a:xfrm>
+            <a:off x="1050763" y="2404607"/>
+            <a:ext cx="3163800" cy="1331100"/>
+          </a:xfrm>
+          <a:prstGeom prst="rect">
+            <a:avLst/>
+          </a:prstGeom>
+        </p:spPr>
+        <p:txBody>
+          <a:bodyPr spcFirstLastPara="1" wrap="square" lIns="91425" tIns="91425" rIns="91425" bIns="91425" anchor="t" anchorCtr="0">
+            <a:noAutofit/>
+          </a:bodyPr>
+          <a:lstStyle>
+            <a:defPPr marR="0" lvl="0" algn="l" rtl="0">
+              <a:lnSpc>
+                <a:spcPct val="100000"/>
+              </a:lnSpc>
+              <a:spcBef>
+                <a:spcPts val="0"/>
+              </a:spcBef>
+              <a:spcAft>
+                <a:spcPts val="0"/>
+              </a:spcAft>
+            </a:defPPr>
+            <a:lvl1pPr marR="0" lvl="0" algn="l" rtl="0">
+              <a:lnSpc>
+                <a:spcPct val="100000"/>
+              </a:lnSpc>
+              <a:spcBef>
+                <a:spcPts val="0"/>
+              </a:spcBef>
+              <a:spcAft>
+                <a:spcPts val="0"/>
+              </a:spcAft>
+              <a:buClr>
+                <a:srgbClr val="000000"/>
+              </a:buClr>
+              <a:buFont typeface="Arial"/>
+              <a:defRPr sz="1400" b="0" i="0" u="none" strike="noStrike" cap="none">
+                <a:solidFill>
+                  <a:srgbClr val="000000"/>
+                </a:solidFill>
+                <a:latin typeface="Arial"/>
+                <a:ea typeface="Arial"/>
+                <a:cs typeface="Arial"/>
+                <a:sym typeface="Arial"/>
+              </a:defRPr>
+            </a:lvl1pPr>
+            <a:lvl2pPr marR="0" lvl="1" algn="l" rtl="0">
+              <a:lnSpc>
+                <a:spcPct val="100000"/>
+              </a:lnSpc>
+              <a:spcBef>
+                <a:spcPts val="0"/>
+              </a:spcBef>
+              <a:spcAft>
+                <a:spcPts val="0"/>
+              </a:spcAft>
+              <a:buClr>
+                <a:srgbClr val="000000"/>
+              </a:buClr>
+              <a:buFont typeface="Arial"/>
+              <a:defRPr sz="1400" b="0" i="0" u="none" strike="noStrike" cap="none">
+                <a:solidFill>
+                  <a:srgbClr val="000000"/>
+                </a:solidFill>
+                <a:latin typeface="Arial"/>
+                <a:ea typeface="Arial"/>
+                <a:cs typeface="Arial"/>
+                <a:sym typeface="Arial"/>
+              </a:defRPr>
+            </a:lvl2pPr>
+            <a:lvl3pPr marR="0" lvl="2" algn="l" rtl="0">
+              <a:lnSpc>
+                <a:spcPct val="100000"/>
+              </a:lnSpc>
+              <a:spcBef>
+                <a:spcPts val="0"/>
+              </a:spcBef>
+              <a:spcAft>
+                <a:spcPts val="0"/>
+              </a:spcAft>
+              <a:buClr>
+                <a:srgbClr val="000000"/>
+              </a:buClr>
+              <a:buFont typeface="Arial"/>
+              <a:defRPr sz="1400" b="0" i="0" u="none" strike="noStrike" cap="none">
+                <a:solidFill>
+                  <a:srgbClr val="000000"/>
+                </a:solidFill>
+                <a:latin typeface="Arial"/>
+                <a:ea typeface="Arial"/>
+                <a:cs typeface="Arial"/>
+                <a:sym typeface="Arial"/>
+              </a:defRPr>
+            </a:lvl3pPr>
+            <a:lvl4pPr marR="0" lvl="3" algn="l" rtl="0">
+              <a:lnSpc>
+                <a:spcPct val="100000"/>
+              </a:lnSpc>
+              <a:spcBef>
+                <a:spcPts val="0"/>
+              </a:spcBef>
+              <a:spcAft>
+                <a:spcPts val="0"/>
+              </a:spcAft>
+              <a:buClr>
+                <a:srgbClr val="000000"/>
+              </a:buClr>
+              <a:buFont typeface="Arial"/>
+              <a:defRPr sz="1400" b="0" i="0" u="none" strike="noStrike" cap="none">
+                <a:solidFill>
+                  <a:srgbClr val="000000"/>
+                </a:solidFill>
+                <a:latin typeface="Arial"/>
+                <a:ea typeface="Arial"/>
+                <a:cs typeface="Arial"/>
+                <a:sym typeface="Arial"/>
+              </a:defRPr>
+            </a:lvl4pPr>
+            <a:lvl5pPr marR="0" lvl="4" algn="l" rtl="0">
+              <a:lnSpc>
+                <a:spcPct val="100000"/>
+              </a:lnSpc>
+              <a:spcBef>
+                <a:spcPts val="0"/>
+              </a:spcBef>
+              <a:spcAft>
+                <a:spcPts val="0"/>
+              </a:spcAft>
+              <a:buClr>
+                <a:srgbClr val="000000"/>
+              </a:buClr>
+              <a:buFont typeface="Arial"/>
+              <a:defRPr sz="1400" b="0" i="0" u="none" strike="noStrike" cap="none">
+                <a:solidFill>
+                  <a:srgbClr val="000000"/>
+                </a:solidFill>
+                <a:latin typeface="Arial"/>
+                <a:ea typeface="Arial"/>
+                <a:cs typeface="Arial"/>
+                <a:sym typeface="Arial"/>
+              </a:defRPr>
+            </a:lvl5pPr>
+            <a:lvl6pPr marR="0" lvl="5" algn="l" rtl="0">
+              <a:lnSpc>
+                <a:spcPct val="100000"/>
+              </a:lnSpc>
+              <a:spcBef>
+                <a:spcPts val="0"/>
+              </a:spcBef>
+              <a:spcAft>
+                <a:spcPts val="0"/>
+              </a:spcAft>
+              <a:buClr>
+                <a:srgbClr val="000000"/>
+              </a:buClr>
+              <a:buFont typeface="Arial"/>
+              <a:defRPr sz="1400" b="0" i="0" u="none" strike="noStrike" cap="none">
+                <a:solidFill>
+                  <a:srgbClr val="000000"/>
+                </a:solidFill>
+                <a:latin typeface="Arial"/>
+                <a:ea typeface="Arial"/>
+                <a:cs typeface="Arial"/>
+                <a:sym typeface="Arial"/>
+              </a:defRPr>
+            </a:lvl6pPr>
+            <a:lvl7pPr marR="0" lvl="6" algn="l" rtl="0">
+              <a:lnSpc>
+                <a:spcPct val="100000"/>
+              </a:lnSpc>
+              <a:spcBef>
+                <a:spcPts val="0"/>
+              </a:spcBef>
+              <a:spcAft>
+                <a:spcPts val="0"/>
+              </a:spcAft>
+              <a:buClr>
+                <a:srgbClr val="000000"/>
+              </a:buClr>
+              <a:buFont typeface="Arial"/>
+              <a:defRPr sz="1400" b="0" i="0" u="none" strike="noStrike" cap="none">
+                <a:solidFill>
+                  <a:srgbClr val="000000"/>
+                </a:solidFill>
+                <a:latin typeface="Arial"/>
+                <a:ea typeface="Arial"/>
+                <a:cs typeface="Arial"/>
+                <a:sym typeface="Arial"/>
+              </a:defRPr>
+            </a:lvl7pPr>
+            <a:lvl8pPr marR="0" lvl="7" algn="l" rtl="0">
+              <a:lnSpc>
+                <a:spcPct val="100000"/>
+              </a:lnSpc>
+              <a:spcBef>
+                <a:spcPts val="0"/>
+              </a:spcBef>
+              <a:spcAft>
+                <a:spcPts val="0"/>
+              </a:spcAft>
+              <a:buClr>
+                <a:srgbClr val="000000"/>
+              </a:buClr>
+              <a:buFont typeface="Arial"/>
+              <a:defRPr sz="1400" b="0" i="0" u="none" strike="noStrike" cap="none">
+                <a:solidFill>
+                  <a:srgbClr val="000000"/>
+                </a:solidFill>
+                <a:latin typeface="Arial"/>
+                <a:ea typeface="Arial"/>
+                <a:cs typeface="Arial"/>
+                <a:sym typeface="Arial"/>
+              </a:defRPr>
+            </a:lvl8pPr>
+            <a:lvl9pPr marR="0" lvl="8" algn="l" rtl="0">
+              <a:lnSpc>
+                <a:spcPct val="100000"/>
+              </a:lnSpc>
+              <a:spcBef>
+                <a:spcPts val="0"/>
+              </a:spcBef>
+              <a:spcAft>
+                <a:spcPts val="0"/>
+              </a:spcAft>
+              <a:buClr>
+                <a:srgbClr val="000000"/>
+              </a:buClr>
+              <a:buFont typeface="Arial"/>
+              <a:defRPr sz="1400" b="0" i="0" u="none" strike="noStrike" cap="none">
+                <a:solidFill>
+                  <a:srgbClr val="000000"/>
+                </a:solidFill>
+                <a:latin typeface="Arial"/>
+                <a:ea typeface="Arial"/>
+                <a:cs typeface="Arial"/>
+                <a:sym typeface="Arial"/>
+              </a:defRPr>
+            </a:lvl9pPr>
+          </a:lstStyle>
+          <a:p>
+            <a:pPr algn="just"/>
+            <a:r>
+              <a:rPr lang="en-ID" dirty="0" err="1">
+                <a:solidFill>
+                  <a:schemeClr val="bg1"/>
+                </a:solidFill>
+              </a:rPr>
+              <a:t>Sebuah</a:t>
+            </a:r>
+            <a:r>
+              <a:rPr lang="en-ID" dirty="0">
+                <a:solidFill>
+                  <a:schemeClr val="bg1"/>
+                </a:solidFill>
+              </a:rPr>
+              <a:t> model </a:t>
+            </a:r>
+            <a:r>
+              <a:rPr lang="en-ID" dirty="0" err="1">
+                <a:solidFill>
+                  <a:schemeClr val="bg1"/>
+                </a:solidFill>
+              </a:rPr>
+              <a:t>objek</a:t>
+            </a:r>
+            <a:r>
+              <a:rPr lang="en-ID" dirty="0">
+                <a:solidFill>
+                  <a:schemeClr val="bg1"/>
+                </a:solidFill>
+              </a:rPr>
+              <a:t> </a:t>
+            </a:r>
+            <a:r>
+              <a:rPr lang="en-ID" dirty="0" err="1">
+                <a:solidFill>
+                  <a:schemeClr val="bg1"/>
+                </a:solidFill>
+              </a:rPr>
+              <a:t>dari</a:t>
+            </a:r>
+            <a:r>
+              <a:rPr lang="en-ID" dirty="0">
+                <a:solidFill>
+                  <a:schemeClr val="bg1"/>
+                </a:solidFill>
+              </a:rPr>
+              <a:t> </a:t>
+            </a:r>
+            <a:r>
+              <a:rPr lang="en-ID" dirty="0" err="1">
+                <a:solidFill>
+                  <a:schemeClr val="bg1"/>
+                </a:solidFill>
+              </a:rPr>
+              <a:t>dokumen</a:t>
+            </a:r>
+            <a:r>
+              <a:rPr lang="en-ID" dirty="0">
+                <a:solidFill>
+                  <a:schemeClr val="bg1"/>
+                </a:solidFill>
+              </a:rPr>
+              <a:t> yang </a:t>
+            </a:r>
+            <a:r>
+              <a:rPr lang="en-ID" dirty="0" err="1">
+                <a:solidFill>
+                  <a:schemeClr val="bg1"/>
+                </a:solidFill>
+              </a:rPr>
+              <a:t>menggambarkan</a:t>
+            </a:r>
+            <a:r>
+              <a:rPr lang="en-ID" dirty="0">
+                <a:solidFill>
+                  <a:schemeClr val="bg1"/>
+                </a:solidFill>
+              </a:rPr>
+              <a:t> </a:t>
+            </a:r>
+            <a:r>
+              <a:rPr lang="en-ID" dirty="0" err="1">
+                <a:solidFill>
+                  <a:schemeClr val="bg1"/>
+                </a:solidFill>
+              </a:rPr>
+              <a:t>struktur</a:t>
+            </a:r>
+            <a:r>
+              <a:rPr lang="en-ID" dirty="0">
+                <a:solidFill>
+                  <a:schemeClr val="bg1"/>
+                </a:solidFill>
+              </a:rPr>
+              <a:t> dan </a:t>
+            </a:r>
+            <a:r>
+              <a:rPr lang="en-ID" dirty="0" err="1">
+                <a:solidFill>
+                  <a:schemeClr val="bg1"/>
+                </a:solidFill>
+              </a:rPr>
+              <a:t>isi</a:t>
+            </a:r>
+            <a:r>
+              <a:rPr lang="en-ID" dirty="0">
+                <a:solidFill>
+                  <a:schemeClr val="bg1"/>
+                </a:solidFill>
+              </a:rPr>
+              <a:t> </a:t>
+            </a:r>
+            <a:r>
+              <a:rPr lang="en-ID" dirty="0" err="1">
+                <a:solidFill>
+                  <a:schemeClr val="bg1"/>
+                </a:solidFill>
+              </a:rPr>
+              <a:t>dari</a:t>
+            </a:r>
+            <a:r>
+              <a:rPr lang="en-ID" dirty="0">
+                <a:solidFill>
+                  <a:schemeClr val="bg1"/>
+                </a:solidFill>
+              </a:rPr>
+              <a:t> </a:t>
+            </a:r>
+            <a:r>
+              <a:rPr lang="en-ID" dirty="0" err="1">
+                <a:solidFill>
+                  <a:schemeClr val="bg1"/>
+                </a:solidFill>
+              </a:rPr>
+              <a:t>sebuah</a:t>
+            </a:r>
+            <a:r>
+              <a:rPr lang="en-ID" dirty="0">
+                <a:solidFill>
+                  <a:schemeClr val="bg1"/>
+                </a:solidFill>
+              </a:rPr>
+              <a:t> </a:t>
+            </a:r>
+            <a:r>
+              <a:rPr lang="en-ID" dirty="0" err="1">
+                <a:solidFill>
+                  <a:schemeClr val="bg1"/>
+                </a:solidFill>
+              </a:rPr>
+              <a:t>dokumen</a:t>
+            </a:r>
+            <a:r>
+              <a:rPr lang="en-ID" dirty="0">
+                <a:solidFill>
+                  <a:schemeClr val="bg1"/>
+                </a:solidFill>
+              </a:rPr>
+              <a:t>, dan </a:t>
+            </a:r>
+            <a:r>
+              <a:rPr lang="en-ID" dirty="0" err="1">
+                <a:solidFill>
+                  <a:schemeClr val="bg1"/>
+                </a:solidFill>
+              </a:rPr>
+              <a:t>menyediakan</a:t>
+            </a:r>
+            <a:r>
+              <a:rPr lang="en-ID" dirty="0">
+                <a:solidFill>
+                  <a:schemeClr val="bg1"/>
+                </a:solidFill>
+              </a:rPr>
+              <a:t> </a:t>
+            </a:r>
+            <a:r>
+              <a:rPr lang="en-ID" dirty="0" err="1">
+                <a:solidFill>
+                  <a:schemeClr val="bg1"/>
+                </a:solidFill>
+              </a:rPr>
+              <a:t>cara</a:t>
+            </a:r>
+            <a:r>
+              <a:rPr lang="en-ID" dirty="0">
+                <a:solidFill>
+                  <a:schemeClr val="bg1"/>
+                </a:solidFill>
+              </a:rPr>
+              <a:t> </a:t>
+            </a:r>
+            <a:r>
+              <a:rPr lang="en-ID" dirty="0" err="1">
+                <a:solidFill>
+                  <a:schemeClr val="bg1"/>
+                </a:solidFill>
+              </a:rPr>
+              <a:t>untuk</a:t>
+            </a:r>
+            <a:r>
+              <a:rPr lang="en-ID" dirty="0">
+                <a:solidFill>
+                  <a:schemeClr val="bg1"/>
+                </a:solidFill>
+              </a:rPr>
+              <a:t> </a:t>
+            </a:r>
+            <a:r>
+              <a:rPr lang="en-ID" dirty="0" err="1">
+                <a:solidFill>
+                  <a:schemeClr val="bg1"/>
+                </a:solidFill>
+              </a:rPr>
+              <a:t>mengakses</a:t>
+            </a:r>
+            <a:r>
+              <a:rPr lang="en-ID" dirty="0">
+                <a:solidFill>
+                  <a:schemeClr val="bg1"/>
+                </a:solidFill>
+              </a:rPr>
+              <a:t> dan </a:t>
+            </a:r>
+            <a:r>
+              <a:rPr lang="en-ID" dirty="0" err="1">
+                <a:solidFill>
+                  <a:schemeClr val="bg1"/>
+                </a:solidFill>
+              </a:rPr>
+              <a:t>memanipulasi</a:t>
+            </a:r>
+            <a:r>
+              <a:rPr lang="en-ID" dirty="0">
+                <a:solidFill>
+                  <a:schemeClr val="bg1"/>
+                </a:solidFill>
+              </a:rPr>
+              <a:t> </a:t>
+            </a:r>
+            <a:r>
+              <a:rPr lang="en-ID" dirty="0" err="1">
+                <a:solidFill>
+                  <a:schemeClr val="bg1"/>
+                </a:solidFill>
+              </a:rPr>
+              <a:t>dokumen</a:t>
+            </a:r>
+            <a:r>
+              <a:rPr lang="en-ID" dirty="0">
+                <a:solidFill>
+                  <a:schemeClr val="bg1"/>
+                </a:solidFill>
+              </a:rPr>
+              <a:t> yang </a:t>
+            </a:r>
+            <a:r>
+              <a:rPr lang="en-ID" dirty="0" err="1">
+                <a:solidFill>
+                  <a:schemeClr val="bg1"/>
+                </a:solidFill>
+              </a:rPr>
+              <a:t>berada</a:t>
+            </a:r>
+            <a:r>
+              <a:rPr lang="en-ID" dirty="0">
+                <a:solidFill>
+                  <a:schemeClr val="bg1"/>
+                </a:solidFill>
+              </a:rPr>
+              <a:t> di browser</a:t>
+            </a:r>
+          </a:p>
+        </p:txBody>
+      </p:sp>
+      <p:sp>
+        <p:nvSpPr>
+          <p:cNvPr id="24" name="Google Shape;9297;p35">
+            <a:extLst>
+              <a:ext uri="{FF2B5EF4-FFF2-40B4-BE49-F238E27FC236}">
+                <a16:creationId xmlns:a16="http://schemas.microsoft.com/office/drawing/2014/main" id="{6643EE7F-CD4A-45FB-A50A-CC82ECA41C5D}"/>
+              </a:ext>
+            </a:extLst>
+          </p:cNvPr>
+          <p:cNvSpPr/>
+          <p:nvPr/>
+        </p:nvSpPr>
+        <p:spPr>
+          <a:xfrm>
+            <a:off x="1058787" y="1593350"/>
+            <a:ext cx="3163786" cy="572701"/>
+          </a:xfrm>
+          <a:custGeom>
+            <a:avLst/>
+            <a:gdLst/>
+            <a:ahLst/>
+            <a:cxnLst/>
+            <a:rect l="l" t="t" r="r" b="b"/>
+            <a:pathLst>
+              <a:path w="12526" h="12516" extrusionOk="0">
+                <a:moveTo>
+                  <a:pt x="0" y="0"/>
+                </a:moveTo>
+                <a:lnTo>
+                  <a:pt x="0" y="12515"/>
+                </a:lnTo>
+                <a:lnTo>
+                  <a:pt x="12525" y="12515"/>
+                </a:lnTo>
+                <a:lnTo>
+                  <a:pt x="12525" y="0"/>
+                </a:lnTo>
+                <a:close/>
+              </a:path>
+            </a:pathLst>
+          </a:custGeom>
+          <a:solidFill>
+            <a:schemeClr val="accent2"/>
+          </a:solidFill>
+          <a:ln>
+            <a:noFill/>
+          </a:ln>
+        </p:spPr>
+        <p:txBody>
+          <a:bodyPr spcFirstLastPara="1" wrap="square" lIns="91425" tIns="91425" rIns="91425" bIns="91425" anchor="ctr" anchorCtr="0">
+            <a:noAutofit/>
+          </a:bodyPr>
+          <a:lstStyle/>
+          <a:p>
+            <a:pPr marL="0" lvl="0" indent="0" algn="l" rtl="0">
+              <a:spcBef>
+                <a:spcPts val="0"/>
+              </a:spcBef>
+              <a:spcAft>
+                <a:spcPts val="0"/>
+              </a:spcAft>
+              <a:buNone/>
+            </a:pPr>
+            <a:endParaRPr dirty="0"/>
+          </a:p>
+        </p:txBody>
+      </p:sp>
+      <p:sp>
+        <p:nvSpPr>
+          <p:cNvPr id="25" name="Google Shape;9298;p35">
+            <a:extLst>
+              <a:ext uri="{FF2B5EF4-FFF2-40B4-BE49-F238E27FC236}">
+                <a16:creationId xmlns:a16="http://schemas.microsoft.com/office/drawing/2014/main" id="{D701D796-9256-4C88-93AC-F8A5DD53F3BD}"/>
+              </a:ext>
+            </a:extLst>
+          </p:cNvPr>
+          <p:cNvSpPr/>
+          <p:nvPr/>
+        </p:nvSpPr>
+        <p:spPr>
+          <a:xfrm>
+            <a:off x="5015388" y="1593350"/>
+            <a:ext cx="3163786" cy="572701"/>
+          </a:xfrm>
+          <a:custGeom>
+            <a:avLst/>
+            <a:gdLst/>
+            <a:ahLst/>
+            <a:cxnLst/>
+            <a:rect l="l" t="t" r="r" b="b"/>
+            <a:pathLst>
+              <a:path w="12526" h="12516" extrusionOk="0">
+                <a:moveTo>
+                  <a:pt x="0" y="0"/>
+                </a:moveTo>
+                <a:lnTo>
+                  <a:pt x="0" y="12515"/>
+                </a:lnTo>
+                <a:lnTo>
+                  <a:pt x="12525" y="12515"/>
+                </a:lnTo>
+                <a:lnTo>
+                  <a:pt x="12525" y="0"/>
+                </a:lnTo>
+                <a:close/>
+              </a:path>
+            </a:pathLst>
+          </a:custGeom>
+          <a:solidFill>
+            <a:schemeClr val="accent2"/>
+          </a:solidFill>
+          <a:ln>
+            <a:noFill/>
+          </a:ln>
+        </p:spPr>
+        <p:txBody>
+          <a:bodyPr spcFirstLastPara="1" wrap="square" lIns="91425" tIns="91425" rIns="91425" bIns="91425" anchor="ctr" anchorCtr="0">
+            <a:noAutofit/>
+          </a:bodyPr>
+          <a:lstStyle/>
+          <a:p>
+            <a:pPr marL="0" lvl="0" indent="0" algn="l" rtl="0">
+              <a:spcBef>
+                <a:spcPts val="0"/>
+              </a:spcBef>
+              <a:spcAft>
+                <a:spcPts val="0"/>
+              </a:spcAft>
+              <a:buNone/>
+            </a:pPr>
+            <a:endParaRPr/>
+          </a:p>
+        </p:txBody>
+      </p:sp>
+      <p:sp>
+        <p:nvSpPr>
+          <p:cNvPr id="26" name="Google Shape;9296;p35">
+            <a:extLst>
+              <a:ext uri="{FF2B5EF4-FFF2-40B4-BE49-F238E27FC236}">
+                <a16:creationId xmlns:a16="http://schemas.microsoft.com/office/drawing/2014/main" id="{7161792D-B6F3-4536-8869-196F037451FD}"/>
+              </a:ext>
+            </a:extLst>
+          </p:cNvPr>
+          <p:cNvSpPr txBox="1">
+            <a:spLocks/>
+          </p:cNvSpPr>
+          <p:nvPr/>
+        </p:nvSpPr>
+        <p:spPr>
+          <a:xfrm>
+            <a:off x="2133840" y="1560410"/>
+            <a:ext cx="825769" cy="432043"/>
+          </a:xfrm>
+          <a:prstGeom prst="rect">
+            <a:avLst/>
+          </a:prstGeom>
+        </p:spPr>
+        <p:txBody>
+          <a:bodyPr spcFirstLastPara="1" wrap="square" lIns="91425" tIns="91425" rIns="91425" bIns="91425" anchor="b" anchorCtr="0">
+            <a:noAutofit/>
+          </a:bodyPr>
+          <a:lstStyle>
+            <a:defPPr marR="0" lvl="0" algn="l" rtl="0">
+              <a:lnSpc>
+                <a:spcPct val="100000"/>
+              </a:lnSpc>
+              <a:spcBef>
+                <a:spcPts val="0"/>
+              </a:spcBef>
+              <a:spcAft>
+                <a:spcPts val="0"/>
+              </a:spcAft>
+            </a:defPPr>
+            <a:lvl1pPr marR="0" lvl="0" algn="l" rtl="0">
+              <a:lnSpc>
+                <a:spcPct val="100000"/>
+              </a:lnSpc>
+              <a:spcBef>
+                <a:spcPts val="0"/>
+              </a:spcBef>
+              <a:spcAft>
+                <a:spcPts val="0"/>
+              </a:spcAft>
+              <a:buClr>
+                <a:srgbClr val="000000"/>
+              </a:buClr>
+              <a:buFont typeface="Arial"/>
+              <a:defRPr sz="1400" b="0" i="0" u="none" strike="noStrike" cap="none">
+                <a:solidFill>
+                  <a:srgbClr val="000000"/>
+                </a:solidFill>
+                <a:latin typeface="Arial"/>
+                <a:ea typeface="Arial"/>
+                <a:cs typeface="Arial"/>
+                <a:sym typeface="Arial"/>
+              </a:defRPr>
+            </a:lvl1pPr>
+            <a:lvl2pPr marR="0" lvl="1" algn="l" rtl="0">
+              <a:lnSpc>
+                <a:spcPct val="100000"/>
+              </a:lnSpc>
+              <a:spcBef>
+                <a:spcPts val="0"/>
+              </a:spcBef>
+              <a:spcAft>
+                <a:spcPts val="0"/>
+              </a:spcAft>
+              <a:buClr>
+                <a:srgbClr val="000000"/>
+              </a:buClr>
+              <a:buFont typeface="Arial"/>
+              <a:defRPr sz="1400" b="0" i="0" u="none" strike="noStrike" cap="none">
+                <a:solidFill>
+                  <a:srgbClr val="000000"/>
+                </a:solidFill>
+                <a:latin typeface="Arial"/>
+                <a:ea typeface="Arial"/>
+                <a:cs typeface="Arial"/>
+                <a:sym typeface="Arial"/>
+              </a:defRPr>
+            </a:lvl2pPr>
+            <a:lvl3pPr marR="0" lvl="2" algn="l" rtl="0">
+              <a:lnSpc>
+                <a:spcPct val="100000"/>
+              </a:lnSpc>
+              <a:spcBef>
+                <a:spcPts val="0"/>
+              </a:spcBef>
+              <a:spcAft>
+                <a:spcPts val="0"/>
+              </a:spcAft>
+              <a:buClr>
+                <a:srgbClr val="000000"/>
+              </a:buClr>
+              <a:buFont typeface="Arial"/>
+              <a:defRPr sz="1400" b="0" i="0" u="none" strike="noStrike" cap="none">
+                <a:solidFill>
+                  <a:srgbClr val="000000"/>
+                </a:solidFill>
+                <a:latin typeface="Arial"/>
+                <a:ea typeface="Arial"/>
+                <a:cs typeface="Arial"/>
+                <a:sym typeface="Arial"/>
+              </a:defRPr>
+            </a:lvl3pPr>
+            <a:lvl4pPr marR="0" lvl="3" algn="l" rtl="0">
+              <a:lnSpc>
+                <a:spcPct val="100000"/>
+              </a:lnSpc>
+              <a:spcBef>
+                <a:spcPts val="0"/>
+              </a:spcBef>
+              <a:spcAft>
+                <a:spcPts val="0"/>
+              </a:spcAft>
+              <a:buClr>
+                <a:srgbClr val="000000"/>
+              </a:buClr>
+              <a:buFont typeface="Arial"/>
+              <a:defRPr sz="1400" b="0" i="0" u="none" strike="noStrike" cap="none">
+                <a:solidFill>
+                  <a:srgbClr val="000000"/>
+                </a:solidFill>
+                <a:latin typeface="Arial"/>
+                <a:ea typeface="Arial"/>
+                <a:cs typeface="Arial"/>
+                <a:sym typeface="Arial"/>
+              </a:defRPr>
+            </a:lvl4pPr>
+            <a:lvl5pPr marR="0" lvl="4" algn="l" rtl="0">
+              <a:lnSpc>
+                <a:spcPct val="100000"/>
+              </a:lnSpc>
+              <a:spcBef>
+                <a:spcPts val="0"/>
+              </a:spcBef>
+              <a:spcAft>
+                <a:spcPts val="0"/>
+              </a:spcAft>
+              <a:buClr>
+                <a:srgbClr val="000000"/>
+              </a:buClr>
+              <a:buFont typeface="Arial"/>
+              <a:defRPr sz="1400" b="0" i="0" u="none" strike="noStrike" cap="none">
+                <a:solidFill>
+                  <a:srgbClr val="000000"/>
+                </a:solidFill>
+                <a:latin typeface="Arial"/>
+                <a:ea typeface="Arial"/>
+                <a:cs typeface="Arial"/>
+                <a:sym typeface="Arial"/>
+              </a:defRPr>
+            </a:lvl5pPr>
+            <a:lvl6pPr marR="0" lvl="5" algn="l" rtl="0">
+              <a:lnSpc>
+                <a:spcPct val="100000"/>
+              </a:lnSpc>
+              <a:spcBef>
+                <a:spcPts val="0"/>
+              </a:spcBef>
+              <a:spcAft>
+                <a:spcPts val="0"/>
+              </a:spcAft>
+              <a:buClr>
+                <a:srgbClr val="000000"/>
+              </a:buClr>
+              <a:buFont typeface="Arial"/>
+              <a:defRPr sz="1400" b="0" i="0" u="none" strike="noStrike" cap="none">
+                <a:solidFill>
+                  <a:srgbClr val="000000"/>
+                </a:solidFill>
+                <a:latin typeface="Arial"/>
+                <a:ea typeface="Arial"/>
+                <a:cs typeface="Arial"/>
+                <a:sym typeface="Arial"/>
+              </a:defRPr>
+            </a:lvl6pPr>
+            <a:lvl7pPr marR="0" lvl="6" algn="l" rtl="0">
+              <a:lnSpc>
+                <a:spcPct val="100000"/>
+              </a:lnSpc>
+              <a:spcBef>
+                <a:spcPts val="0"/>
+              </a:spcBef>
+              <a:spcAft>
+                <a:spcPts val="0"/>
+              </a:spcAft>
+              <a:buClr>
+                <a:srgbClr val="000000"/>
+              </a:buClr>
+              <a:buFont typeface="Arial"/>
+              <a:defRPr sz="1400" b="0" i="0" u="none" strike="noStrike" cap="none">
+                <a:solidFill>
+                  <a:srgbClr val="000000"/>
+                </a:solidFill>
+                <a:latin typeface="Arial"/>
+                <a:ea typeface="Arial"/>
+                <a:cs typeface="Arial"/>
+                <a:sym typeface="Arial"/>
+              </a:defRPr>
+            </a:lvl7pPr>
+            <a:lvl8pPr marR="0" lvl="7" algn="l" rtl="0">
+              <a:lnSpc>
+                <a:spcPct val="100000"/>
+              </a:lnSpc>
+              <a:spcBef>
+                <a:spcPts val="0"/>
+              </a:spcBef>
+              <a:spcAft>
+                <a:spcPts val="0"/>
+              </a:spcAft>
+              <a:buClr>
+                <a:srgbClr val="000000"/>
+              </a:buClr>
+              <a:buFont typeface="Arial"/>
+              <a:defRPr sz="1400" b="0" i="0" u="none" strike="noStrike" cap="none">
+                <a:solidFill>
+                  <a:srgbClr val="000000"/>
+                </a:solidFill>
+                <a:latin typeface="Arial"/>
+                <a:ea typeface="Arial"/>
+                <a:cs typeface="Arial"/>
+                <a:sym typeface="Arial"/>
+              </a:defRPr>
+            </a:lvl8pPr>
+            <a:lvl9pPr marR="0" lvl="8" algn="l" rtl="0">
+              <a:lnSpc>
+                <a:spcPct val="100000"/>
+              </a:lnSpc>
+              <a:spcBef>
+                <a:spcPts val="0"/>
+              </a:spcBef>
+              <a:spcAft>
+                <a:spcPts val="0"/>
+              </a:spcAft>
+              <a:buClr>
+                <a:srgbClr val="000000"/>
+              </a:buClr>
+              <a:buFont typeface="Arial"/>
+              <a:defRPr sz="1400" b="0" i="0" u="none" strike="noStrike" cap="none">
+                <a:solidFill>
+                  <a:srgbClr val="000000"/>
+                </a:solidFill>
+                <a:latin typeface="Arial"/>
+                <a:ea typeface="Arial"/>
+                <a:cs typeface="Arial"/>
+                <a:sym typeface="Arial"/>
+              </a:defRPr>
+            </a:lvl9pPr>
+          </a:lstStyle>
+          <a:p>
+            <a:r>
+              <a:rPr lang="en-ID" dirty="0">
+                <a:solidFill>
+                  <a:schemeClr val="bg1"/>
+                </a:solidFill>
+              </a:rPr>
+              <a:t>DOM</a:t>
+            </a:r>
+          </a:p>
+        </p:txBody>
+      </p:sp>
+      <p:sp>
+        <p:nvSpPr>
+          <p:cNvPr id="27" name="Google Shape;9296;p35">
+            <a:extLst>
+              <a:ext uri="{FF2B5EF4-FFF2-40B4-BE49-F238E27FC236}">
+                <a16:creationId xmlns:a16="http://schemas.microsoft.com/office/drawing/2014/main" id="{D8B4B371-EA11-4CC1-914A-67ED3F4C57AB}"/>
+              </a:ext>
+            </a:extLst>
+          </p:cNvPr>
+          <p:cNvSpPr txBox="1">
+            <a:spLocks/>
+          </p:cNvSpPr>
+          <p:nvPr/>
+        </p:nvSpPr>
+        <p:spPr>
+          <a:xfrm>
+            <a:off x="5808175" y="1564776"/>
+            <a:ext cx="3163800" cy="539400"/>
+          </a:xfrm>
+          <a:prstGeom prst="rect">
+            <a:avLst/>
+          </a:prstGeom>
+          <a:noFill/>
+          <a:ln>
+            <a:noFill/>
+          </a:ln>
+        </p:spPr>
+        <p:txBody>
+          <a:bodyPr spcFirstLastPara="1" wrap="square" lIns="91425" tIns="91425" rIns="91425" bIns="91425" anchor="b" anchorCtr="0">
+            <a:noAutofit/>
+          </a:bodyPr>
+          <a:lstStyle>
+            <a:defPPr marR="0" lvl="0" algn="l" rtl="0">
+              <a:lnSpc>
+                <a:spcPct val="100000"/>
+              </a:lnSpc>
+              <a:spcBef>
+                <a:spcPts val="0"/>
+              </a:spcBef>
+              <a:spcAft>
+                <a:spcPts val="0"/>
+              </a:spcAft>
+            </a:defPPr>
+            <a:lvl1pPr marL="457200" marR="0" lvl="0" indent="-304800" algn="l" rtl="0">
+              <a:lnSpc>
+                <a:spcPct val="100000"/>
+              </a:lnSpc>
+              <a:spcBef>
+                <a:spcPts val="0"/>
+              </a:spcBef>
+              <a:spcAft>
+                <a:spcPts val="0"/>
+              </a:spcAft>
+              <a:buClr>
+                <a:schemeClr val="dk1"/>
+              </a:buClr>
+              <a:buSzPts val="2400"/>
+              <a:buFont typeface="Bebas Neue"/>
+              <a:buNone/>
+              <a:defRPr sz="1800" b="0" i="0" u="none" strike="noStrike" cap="none">
+                <a:solidFill>
+                  <a:schemeClr val="dk1"/>
+                </a:solidFill>
+                <a:latin typeface="Audiowide"/>
+                <a:ea typeface="Audiowide"/>
+                <a:cs typeface="Audiowide"/>
+                <a:sym typeface="Audiowide"/>
+              </a:defRPr>
+            </a:lvl1pPr>
+            <a:lvl2pPr marL="914400" marR="0" lvl="1" indent="-304800" algn="ctr" rtl="0">
+              <a:lnSpc>
+                <a:spcPct val="100000"/>
+              </a:lnSpc>
+              <a:spcBef>
+                <a:spcPts val="0"/>
+              </a:spcBef>
+              <a:spcAft>
+                <a:spcPts val="0"/>
+              </a:spcAft>
+              <a:buClr>
+                <a:schemeClr val="dk1"/>
+              </a:buClr>
+              <a:buSzPts val="2400"/>
+              <a:buFont typeface="Bebas Neue"/>
+              <a:buNone/>
+              <a:defRPr sz="2400" b="0" i="0" u="none" strike="noStrike" cap="none">
+                <a:solidFill>
+                  <a:schemeClr val="dk1"/>
+                </a:solidFill>
+                <a:latin typeface="Bebas Neue"/>
+                <a:ea typeface="Bebas Neue"/>
+                <a:cs typeface="Bebas Neue"/>
+                <a:sym typeface="Bebas Neue"/>
+              </a:defRPr>
+            </a:lvl2pPr>
+            <a:lvl3pPr marL="1371600" marR="0" lvl="2" indent="-304800" algn="ctr" rtl="0">
+              <a:lnSpc>
+                <a:spcPct val="100000"/>
+              </a:lnSpc>
+              <a:spcBef>
+                <a:spcPts val="0"/>
+              </a:spcBef>
+              <a:spcAft>
+                <a:spcPts val="0"/>
+              </a:spcAft>
+              <a:buClr>
+                <a:schemeClr val="dk1"/>
+              </a:buClr>
+              <a:buSzPts val="2400"/>
+              <a:buFont typeface="Bebas Neue"/>
+              <a:buNone/>
+              <a:defRPr sz="2400" b="0" i="0" u="none" strike="noStrike" cap="none">
+                <a:solidFill>
+                  <a:schemeClr val="dk1"/>
+                </a:solidFill>
+                <a:latin typeface="Bebas Neue"/>
+                <a:ea typeface="Bebas Neue"/>
+                <a:cs typeface="Bebas Neue"/>
+                <a:sym typeface="Bebas Neue"/>
+              </a:defRPr>
+            </a:lvl3pPr>
+            <a:lvl4pPr marL="1828800" marR="0" lvl="3" indent="-304800" algn="ctr" rtl="0">
+              <a:lnSpc>
+                <a:spcPct val="100000"/>
+              </a:lnSpc>
+              <a:spcBef>
+                <a:spcPts val="0"/>
+              </a:spcBef>
+              <a:spcAft>
+                <a:spcPts val="0"/>
+              </a:spcAft>
+              <a:buClr>
+                <a:schemeClr val="dk1"/>
+              </a:buClr>
+              <a:buSzPts val="2400"/>
+              <a:buFont typeface="Bebas Neue"/>
+              <a:buNone/>
+              <a:defRPr sz="2400" b="0" i="0" u="none" strike="noStrike" cap="none">
+                <a:solidFill>
+                  <a:schemeClr val="dk1"/>
+                </a:solidFill>
+                <a:latin typeface="Bebas Neue"/>
+                <a:ea typeface="Bebas Neue"/>
+                <a:cs typeface="Bebas Neue"/>
+                <a:sym typeface="Bebas Neue"/>
+              </a:defRPr>
+            </a:lvl4pPr>
+            <a:lvl5pPr marL="2286000" marR="0" lvl="4" indent="-304800" algn="ctr" rtl="0">
+              <a:lnSpc>
+                <a:spcPct val="100000"/>
+              </a:lnSpc>
+              <a:spcBef>
+                <a:spcPts val="0"/>
+              </a:spcBef>
+              <a:spcAft>
+                <a:spcPts val="0"/>
+              </a:spcAft>
+              <a:buClr>
+                <a:schemeClr val="dk1"/>
+              </a:buClr>
+              <a:buSzPts val="2400"/>
+              <a:buFont typeface="Bebas Neue"/>
+              <a:buNone/>
+              <a:defRPr sz="2400" b="0" i="0" u="none" strike="noStrike" cap="none">
+                <a:solidFill>
+                  <a:schemeClr val="dk1"/>
+                </a:solidFill>
+                <a:latin typeface="Bebas Neue"/>
+                <a:ea typeface="Bebas Neue"/>
+                <a:cs typeface="Bebas Neue"/>
+                <a:sym typeface="Bebas Neue"/>
+              </a:defRPr>
+            </a:lvl5pPr>
+            <a:lvl6pPr marL="2743200" marR="0" lvl="5" indent="-304800" algn="ctr" rtl="0">
+              <a:lnSpc>
+                <a:spcPct val="100000"/>
+              </a:lnSpc>
+              <a:spcBef>
+                <a:spcPts val="0"/>
+              </a:spcBef>
+              <a:spcAft>
+                <a:spcPts val="0"/>
+              </a:spcAft>
+              <a:buClr>
+                <a:schemeClr val="dk1"/>
+              </a:buClr>
+              <a:buSzPts val="2400"/>
+              <a:buFont typeface="Bebas Neue"/>
+              <a:buNone/>
+              <a:defRPr sz="2400" b="0" i="0" u="none" strike="noStrike" cap="none">
+                <a:solidFill>
+                  <a:schemeClr val="dk1"/>
+                </a:solidFill>
+                <a:latin typeface="Bebas Neue"/>
+                <a:ea typeface="Bebas Neue"/>
+                <a:cs typeface="Bebas Neue"/>
+                <a:sym typeface="Bebas Neue"/>
+              </a:defRPr>
+            </a:lvl6pPr>
+            <a:lvl7pPr marL="3200400" marR="0" lvl="6" indent="-304800" algn="ctr" rtl="0">
+              <a:lnSpc>
+                <a:spcPct val="100000"/>
+              </a:lnSpc>
+              <a:spcBef>
+                <a:spcPts val="0"/>
+              </a:spcBef>
+              <a:spcAft>
+                <a:spcPts val="0"/>
+              </a:spcAft>
+              <a:buClr>
+                <a:schemeClr val="dk1"/>
+              </a:buClr>
+              <a:buSzPts val="2400"/>
+              <a:buFont typeface="Bebas Neue"/>
+              <a:buNone/>
+              <a:defRPr sz="2400" b="0" i="0" u="none" strike="noStrike" cap="none">
+                <a:solidFill>
+                  <a:schemeClr val="dk1"/>
+                </a:solidFill>
+                <a:latin typeface="Bebas Neue"/>
+                <a:ea typeface="Bebas Neue"/>
+                <a:cs typeface="Bebas Neue"/>
+                <a:sym typeface="Bebas Neue"/>
+              </a:defRPr>
+            </a:lvl7pPr>
+            <a:lvl8pPr marL="3657600" marR="0" lvl="7" indent="-304800" algn="ctr" rtl="0">
+              <a:lnSpc>
+                <a:spcPct val="100000"/>
+              </a:lnSpc>
+              <a:spcBef>
+                <a:spcPts val="0"/>
+              </a:spcBef>
+              <a:spcAft>
+                <a:spcPts val="0"/>
+              </a:spcAft>
+              <a:buClr>
+                <a:schemeClr val="dk1"/>
+              </a:buClr>
+              <a:buSzPts val="2400"/>
+              <a:buFont typeface="Bebas Neue"/>
+              <a:buNone/>
+              <a:defRPr sz="2400" b="0" i="0" u="none" strike="noStrike" cap="none">
+                <a:solidFill>
+                  <a:schemeClr val="dk1"/>
+                </a:solidFill>
+                <a:latin typeface="Bebas Neue"/>
+                <a:ea typeface="Bebas Neue"/>
+                <a:cs typeface="Bebas Neue"/>
+                <a:sym typeface="Bebas Neue"/>
+              </a:defRPr>
+            </a:lvl8pPr>
+            <a:lvl9pPr marL="4114800" marR="0" lvl="8" indent="-304800" algn="ctr" rtl="0">
+              <a:lnSpc>
+                <a:spcPct val="100000"/>
+              </a:lnSpc>
+              <a:spcBef>
+                <a:spcPts val="0"/>
+              </a:spcBef>
+              <a:spcAft>
+                <a:spcPts val="0"/>
+              </a:spcAft>
+              <a:buClr>
+                <a:schemeClr val="dk1"/>
+              </a:buClr>
+              <a:buSzPts val="2400"/>
+              <a:buFont typeface="Bebas Neue"/>
+              <a:buNone/>
+              <a:defRPr sz="2400" b="0" i="0" u="none" strike="noStrike" cap="none">
+                <a:solidFill>
+                  <a:schemeClr val="dk1"/>
+                </a:solidFill>
+                <a:latin typeface="Bebas Neue"/>
+                <a:ea typeface="Bebas Neue"/>
+                <a:cs typeface="Bebas Neue"/>
+                <a:sym typeface="Bebas Neue"/>
+              </a:defRPr>
+            </a:lvl9pPr>
+          </a:lstStyle>
+          <a:p>
+            <a:pPr marL="0" indent="0"/>
+            <a:r>
+              <a:rPr lang="en-ID" dirty="0">
+                <a:solidFill>
+                  <a:schemeClr val="bg1"/>
+                </a:solidFill>
+              </a:rPr>
+              <a:t>Virtual DOM</a:t>
+            </a:r>
+          </a:p>
+        </p:txBody>
+      </p:sp>
+      <p:sp>
+        <p:nvSpPr>
+          <p:cNvPr id="28" name="TextBox 27">
+            <a:extLst>
+              <a:ext uri="{FF2B5EF4-FFF2-40B4-BE49-F238E27FC236}">
+                <a16:creationId xmlns:a16="http://schemas.microsoft.com/office/drawing/2014/main" id="{5F134EFD-0619-4B04-8086-97B93FF6869F}"/>
+              </a:ext>
+            </a:extLst>
+          </p:cNvPr>
+          <p:cNvSpPr txBox="1"/>
+          <p:nvPr/>
+        </p:nvSpPr>
+        <p:spPr>
+          <a:xfrm>
+            <a:off x="1425629" y="1801765"/>
+            <a:ext cx="2702984" cy="307777"/>
+          </a:xfrm>
+          <a:prstGeom prst="rect">
+            <a:avLst/>
+          </a:prstGeom>
+          <a:noFill/>
+        </p:spPr>
+        <p:txBody>
+          <a:bodyPr wrap="none" rtlCol="0">
+            <a:spAutoFit/>
+          </a:bodyPr>
+          <a:lstStyle/>
+          <a:p>
+            <a:r>
+              <a:rPr lang="en-ID" dirty="0">
+                <a:latin typeface="Audiowide" panose="020B0604020202020204" charset="0"/>
+              </a:rPr>
+              <a:t>(Document Object Model)</a:t>
+            </a:r>
+          </a:p>
+        </p:txBody>
+      </p:sp>
+      <p:sp>
+        <p:nvSpPr>
+          <p:cNvPr id="29" name="Subtitle 3">
+            <a:extLst>
+              <a:ext uri="{FF2B5EF4-FFF2-40B4-BE49-F238E27FC236}">
+                <a16:creationId xmlns:a16="http://schemas.microsoft.com/office/drawing/2014/main" id="{51EB7E52-6A8F-4E8E-86D8-3A68A64B5098}"/>
+              </a:ext>
+            </a:extLst>
+          </p:cNvPr>
+          <p:cNvSpPr>
+            <a:spLocks noGrp="1"/>
+          </p:cNvSpPr>
+          <p:nvPr>
+            <p:ph type="subTitle" idx="1"/>
+          </p:nvPr>
+        </p:nvSpPr>
+        <p:spPr>
+          <a:xfrm>
+            <a:off x="4486063" y="2269275"/>
+            <a:ext cx="3607174" cy="1601764"/>
+          </a:xfrm>
+        </p:spPr>
+        <p:txBody>
+          <a:bodyPr/>
+          <a:lstStyle/>
+          <a:p>
+            <a:pPr algn="just"/>
+            <a:r>
+              <a:rPr lang="sv-SE" dirty="0"/>
+              <a:t>	Merupakan bentuk pohon DOM ringan yang dibangun di memori. </a:t>
+            </a:r>
+            <a:r>
+              <a:rPr lang="en-ID" dirty="0"/>
+              <a:t>React </a:t>
+            </a:r>
+            <a:r>
+              <a:rPr lang="en-ID" dirty="0" err="1"/>
+              <a:t>menghitung</a:t>
+            </a:r>
+            <a:r>
+              <a:rPr lang="en-ID" dirty="0"/>
+              <a:t> </a:t>
+            </a:r>
+            <a:r>
+              <a:rPr lang="en-ID" dirty="0" err="1"/>
+              <a:t>ulang</a:t>
+            </a:r>
+            <a:r>
+              <a:rPr lang="en-ID" dirty="0"/>
+              <a:t> DOM virtual dan </a:t>
+            </a:r>
+            <a:r>
+              <a:rPr lang="en-ID" dirty="0" err="1"/>
+              <a:t>membamndingkan</a:t>
+            </a:r>
+            <a:r>
+              <a:rPr lang="en-ID" dirty="0"/>
+              <a:t> DOM virtual yang </a:t>
+            </a:r>
+            <a:r>
+              <a:rPr lang="en-ID" dirty="0" err="1"/>
+              <a:t>dihitung</a:t>
+            </a:r>
+            <a:r>
+              <a:rPr lang="en-ID" dirty="0"/>
+              <a:t> </a:t>
+            </a:r>
+            <a:r>
+              <a:rPr lang="en-ID" dirty="0" err="1"/>
+              <a:t>sebelumnya</a:t>
+            </a:r>
+            <a:r>
+              <a:rPr lang="en-ID" dirty="0"/>
+              <a:t> </a:t>
+            </a:r>
+            <a:r>
+              <a:rPr lang="en-ID" dirty="0" err="1"/>
+              <a:t>untuk</a:t>
+            </a:r>
+            <a:r>
+              <a:rPr lang="en-ID" dirty="0"/>
+              <a:t> </a:t>
+            </a:r>
+            <a:r>
+              <a:rPr lang="en-ID" dirty="0" err="1"/>
+              <a:t>mengidentifikasi</a:t>
+            </a:r>
+            <a:r>
+              <a:rPr lang="en-ID" dirty="0"/>
+              <a:t> </a:t>
+            </a:r>
+            <a:r>
+              <a:rPr lang="en-ID" dirty="0" err="1"/>
+              <a:t>perubahan</a:t>
+            </a:r>
+            <a:r>
+              <a:rPr lang="en-ID" dirty="0"/>
+              <a:t>, dan </a:t>
+            </a:r>
+            <a:r>
+              <a:rPr lang="en-ID" dirty="0" err="1"/>
+              <a:t>kemudian</a:t>
+            </a:r>
+            <a:r>
+              <a:rPr lang="en-ID" dirty="0"/>
+              <a:t> </a:t>
+            </a:r>
+            <a:r>
+              <a:rPr lang="en-ID" dirty="0" err="1"/>
+              <a:t>hanya</a:t>
+            </a:r>
+            <a:r>
+              <a:rPr lang="en-ID" dirty="0"/>
+              <a:t> </a:t>
+            </a:r>
+            <a:r>
+              <a:rPr lang="en-ID" dirty="0" err="1"/>
+              <a:t>memperbarui</a:t>
+            </a:r>
+            <a:r>
+              <a:rPr lang="en-ID" dirty="0"/>
+              <a:t> </a:t>
+            </a:r>
+            <a:r>
+              <a:rPr lang="en-ID" dirty="0" err="1"/>
+              <a:t>bagian</a:t>
+            </a:r>
+            <a:r>
+              <a:rPr lang="en-ID" dirty="0"/>
+              <a:t> yang </a:t>
+            </a:r>
+            <a:r>
+              <a:rPr lang="en-ID" dirty="0" err="1"/>
+              <a:t>diubah</a:t>
+            </a:r>
+            <a:r>
+              <a:rPr lang="en-ID" dirty="0"/>
+              <a:t> pada DOM </a:t>
+            </a:r>
+            <a:r>
+              <a:rPr lang="en-ID" dirty="0" err="1"/>
+              <a:t>asli</a:t>
+            </a:r>
+            <a:r>
+              <a:rPr lang="en-ID" dirty="0"/>
+              <a:t>.</a:t>
+            </a:r>
+          </a:p>
+        </p:txBody>
+      </p:sp>
+    </p:spTree>
+  </p:cSld>
+  <p:clrMapOvr>
+    <a:masterClrMapping/>
+  </p:clrMapOvr>
+</p:sld>
+</file>
+
+<file path=ppt/slides/slide3.xml><?xml version="1.0" encoding="utf-8"?>
+<p:sld xmlns:a="http://schemas.openxmlformats.org/drawingml/2006/main" xmlns:r="http://schemas.openxmlformats.org/officeDocument/2006/relationships" xmlns:p="http://schemas.openxmlformats.org/presentationml/2006/main">
+  <p:cSld>
+    <p:spTree>
+      <p:nvGrpSpPr>
+        <p:cNvPr id="1" name="Shape 1360"/>
+        <p:cNvGrpSpPr/>
+        <p:nvPr/>
+      </p:nvGrpSpPr>
+      <p:grpSpPr>
+        <a:xfrm>
+          <a:off x="0" y="0"/>
+          <a:ext cx="0" cy="0"/>
+          <a:chOff x="0" y="0"/>
+          <a:chExt cx="0" cy="0"/>
+        </a:xfrm>
+      </p:grpSpPr>
+      <p:sp>
+        <p:nvSpPr>
+          <p:cNvPr id="1364" name="Google Shape;1364;p47"/>
+          <p:cNvSpPr/>
+          <p:nvPr/>
+        </p:nvSpPr>
+        <p:spPr>
+          <a:xfrm>
+            <a:off x="-65247" y="971445"/>
+            <a:ext cx="62397" cy="62143"/>
+          </a:xfrm>
+          <a:custGeom>
+            <a:avLst/>
+            <a:gdLst/>
+            <a:ahLst/>
+            <a:cxnLst/>
+            <a:rect l="l" t="t" r="r" b="b"/>
+            <a:pathLst>
+              <a:path w="2207" h="2198" fill="none" extrusionOk="0">
+                <a:moveTo>
+                  <a:pt x="0" y="0"/>
+                </a:moveTo>
+                <a:lnTo>
+                  <a:pt x="2207" y="0"/>
+                </a:lnTo>
+                <a:lnTo>
+                  <a:pt x="2207" y="2197"/>
+                </a:lnTo>
+                <a:lnTo>
+                  <a:pt x="0" y="2197"/>
+                </a:lnTo>
+                <a:close/>
+              </a:path>
+            </a:pathLst>
+          </a:custGeom>
+          <a:noFill/>
+          <a:ln w="2975" cap="flat" cmpd="sng">
+            <a:solidFill>
+              <a:srgbClr val="00CFCC"/>
+            </a:solidFill>
+            <a:prstDash val="solid"/>
+            <a:miter lim="9192"/>
+            <a:headEnd type="none" w="sm" len="sm"/>
+            <a:tailEnd type="none" w="sm" len="sm"/>
+          </a:ln>
+        </p:spPr>
+        <p:txBody>
+          <a:bodyPr spcFirstLastPara="1" wrap="square" lIns="91425" tIns="91425" rIns="91425" bIns="91425" anchor="ctr" anchorCtr="0">
+            <a:noAutofit/>
+          </a:bodyPr>
+          <a:lstStyle/>
+          <a:p>
+            <a:pPr marL="0" lvl="0" indent="0" algn="l" rtl="0">
+              <a:spcBef>
+                <a:spcPts val="0"/>
+              </a:spcBef>
+              <a:spcAft>
+                <a:spcPts val="0"/>
+              </a:spcAft>
+              <a:buNone/>
+            </a:pPr>
+            <a:endParaRPr/>
+          </a:p>
+        </p:txBody>
+      </p:sp>
+      <p:grpSp>
+        <p:nvGrpSpPr>
+          <p:cNvPr id="1365" name="Google Shape;1365;p47"/>
+          <p:cNvGrpSpPr/>
+          <p:nvPr/>
+        </p:nvGrpSpPr>
+        <p:grpSpPr>
+          <a:xfrm>
+            <a:off x="7981434" y="-1177061"/>
+            <a:ext cx="203789" cy="1274754"/>
+            <a:chOff x="2877432" y="975334"/>
+            <a:chExt cx="188886" cy="1181531"/>
+          </a:xfrm>
+        </p:grpSpPr>
+        <p:sp>
+          <p:nvSpPr>
+            <p:cNvPr id="1366" name="Google Shape;1366;p47"/>
+            <p:cNvSpPr/>
+            <p:nvPr/>
+          </p:nvSpPr>
+          <p:spPr>
+            <a:xfrm>
+              <a:off x="2877432" y="1968242"/>
+              <a:ext cx="188886" cy="188624"/>
+            </a:xfrm>
+            <a:custGeom>
+              <a:avLst/>
+              <a:gdLst/>
+              <a:ahLst/>
+              <a:cxnLst/>
+              <a:rect l="l" t="t" r="r" b="b"/>
+              <a:pathLst>
+                <a:path w="7208" h="7198" fill="none" extrusionOk="0">
+                  <a:moveTo>
+                    <a:pt x="1" y="0"/>
+                  </a:moveTo>
+                  <a:lnTo>
+                    <a:pt x="7208" y="0"/>
+                  </a:lnTo>
+                  <a:lnTo>
+                    <a:pt x="7208" y="7198"/>
+                  </a:lnTo>
+                  <a:lnTo>
+                    <a:pt x="1" y="7198"/>
+                  </a:lnTo>
+                  <a:close/>
+                </a:path>
+              </a:pathLst>
+            </a:custGeom>
+            <a:noFill/>
+            <a:ln w="5750" cap="flat" cmpd="sng">
+              <a:solidFill>
+                <a:srgbClr val="FF9973"/>
+              </a:solidFill>
+              <a:prstDash val="solid"/>
+              <a:miter lim="9192"/>
+              <a:headEnd type="none" w="sm" len="sm"/>
+              <a:tailEnd type="none" w="sm" len="sm"/>
+            </a:ln>
+          </p:spPr>
+          <p:txBody>
+            <a:bodyPr spcFirstLastPara="1" wrap="square" lIns="91425" tIns="91425" rIns="91425" bIns="91425" anchor="ctr" anchorCtr="0">
+              <a:noAutofit/>
+            </a:bodyPr>
+            <a:lstStyle/>
+            <a:p>
+              <a:pPr marL="0" lvl="0" indent="0" algn="l" rtl="0">
+                <a:spcBef>
+                  <a:spcPts val="0"/>
+                </a:spcBef>
+                <a:spcAft>
+                  <a:spcPts val="0"/>
+                </a:spcAft>
+                <a:buNone/>
+              </a:pPr>
+              <a:endParaRPr/>
+            </a:p>
+          </p:txBody>
+        </p:sp>
+        <p:sp>
+          <p:nvSpPr>
+            <p:cNvPr id="1367" name="Google Shape;1367;p47"/>
+            <p:cNvSpPr/>
+            <p:nvPr/>
+          </p:nvSpPr>
+          <p:spPr>
+            <a:xfrm>
+              <a:off x="2905393" y="1452501"/>
+              <a:ext cx="133226" cy="133252"/>
+            </a:xfrm>
+            <a:custGeom>
+              <a:avLst/>
+              <a:gdLst/>
+              <a:ahLst/>
+              <a:cxnLst/>
+              <a:rect l="l" t="t" r="r" b="b"/>
+              <a:pathLst>
+                <a:path w="5084" h="5085" fill="none" extrusionOk="0">
+                  <a:moveTo>
+                    <a:pt x="0" y="1"/>
+                  </a:moveTo>
+                  <a:lnTo>
+                    <a:pt x="5083" y="1"/>
+                  </a:lnTo>
+                  <a:lnTo>
+                    <a:pt x="5083" y="5084"/>
+                  </a:lnTo>
+                  <a:lnTo>
+                    <a:pt x="0" y="5084"/>
+                  </a:lnTo>
+                  <a:close/>
+                </a:path>
+              </a:pathLst>
+            </a:custGeom>
+            <a:noFill/>
+            <a:ln w="4125" cap="flat" cmpd="sng">
+              <a:solidFill>
+                <a:srgbClr val="FF9973"/>
+              </a:solidFill>
+              <a:prstDash val="solid"/>
+              <a:miter lim="9192"/>
+              <a:headEnd type="none" w="sm" len="sm"/>
+              <a:tailEnd type="none" w="sm" len="sm"/>
+            </a:ln>
+          </p:spPr>
+          <p:txBody>
+            <a:bodyPr spcFirstLastPara="1" wrap="square" lIns="91425" tIns="91425" rIns="91425" bIns="91425" anchor="ctr" anchorCtr="0">
+              <a:noAutofit/>
+            </a:bodyPr>
+            <a:lstStyle/>
+            <a:p>
+              <a:pPr marL="0" lvl="0" indent="0" algn="l" rtl="0">
+                <a:spcBef>
+                  <a:spcPts val="0"/>
+                </a:spcBef>
+                <a:spcAft>
+                  <a:spcPts val="0"/>
+                </a:spcAft>
+                <a:buNone/>
+              </a:pPr>
+              <a:endParaRPr/>
+            </a:p>
+          </p:txBody>
+        </p:sp>
+        <p:sp>
+          <p:nvSpPr>
+            <p:cNvPr id="1368" name="Google Shape;1368;p47"/>
+            <p:cNvSpPr/>
+            <p:nvPr/>
+          </p:nvSpPr>
+          <p:spPr>
+            <a:xfrm>
+              <a:off x="2931651" y="975334"/>
+              <a:ext cx="80476" cy="80711"/>
+            </a:xfrm>
+            <a:custGeom>
+              <a:avLst/>
+              <a:gdLst/>
+              <a:ahLst/>
+              <a:cxnLst/>
+              <a:rect l="l" t="t" r="r" b="b"/>
+              <a:pathLst>
+                <a:path w="3071" h="3080" fill="none" extrusionOk="0">
+                  <a:moveTo>
+                    <a:pt x="0" y="0"/>
+                  </a:moveTo>
+                  <a:lnTo>
+                    <a:pt x="3070" y="0"/>
+                  </a:lnTo>
+                  <a:lnTo>
+                    <a:pt x="3070" y="3080"/>
+                  </a:lnTo>
+                  <a:lnTo>
+                    <a:pt x="0" y="3080"/>
+                  </a:lnTo>
+                  <a:close/>
+                </a:path>
+              </a:pathLst>
+            </a:custGeom>
+            <a:noFill/>
+            <a:ln w="2525" cap="flat" cmpd="sng">
+              <a:solidFill>
+                <a:srgbClr val="FF9973"/>
+              </a:solidFill>
+              <a:prstDash val="solid"/>
+              <a:miter lim="9192"/>
+              <a:headEnd type="none" w="sm" len="sm"/>
+              <a:tailEnd type="none" w="sm" len="sm"/>
+            </a:ln>
+          </p:spPr>
+          <p:txBody>
+            <a:bodyPr spcFirstLastPara="1" wrap="square" lIns="91425" tIns="91425" rIns="91425" bIns="91425" anchor="ctr" anchorCtr="0">
+              <a:noAutofit/>
+            </a:bodyPr>
+            <a:lstStyle/>
+            <a:p>
+              <a:pPr marL="0" lvl="0" indent="0" algn="l" rtl="0">
+                <a:spcBef>
+                  <a:spcPts val="0"/>
+                </a:spcBef>
+                <a:spcAft>
+                  <a:spcPts val="0"/>
+                </a:spcAft>
+                <a:buNone/>
+              </a:pPr>
+              <a:endParaRPr/>
+            </a:p>
+          </p:txBody>
+        </p:sp>
+      </p:grpSp>
+      <p:sp>
+        <p:nvSpPr>
+          <p:cNvPr id="1369" name="Google Shape;1369;p47"/>
+          <p:cNvSpPr/>
+          <p:nvPr/>
+        </p:nvSpPr>
+        <p:spPr>
+          <a:xfrm>
+            <a:off x="9277943" y="-708433"/>
+            <a:ext cx="9132" cy="2718429"/>
+          </a:xfrm>
+          <a:custGeom>
+            <a:avLst/>
+            <a:gdLst/>
+            <a:ahLst/>
+            <a:cxnLst/>
+            <a:rect l="l" t="t" r="r" b="b"/>
+            <a:pathLst>
+              <a:path w="323" h="96151" extrusionOk="0">
+                <a:moveTo>
+                  <a:pt x="166" y="0"/>
+                </a:moveTo>
+                <a:lnTo>
+                  <a:pt x="1" y="96150"/>
+                </a:lnTo>
+                <a:lnTo>
+                  <a:pt x="323" y="96150"/>
+                </a:lnTo>
+                <a:lnTo>
+                  <a:pt x="166" y="0"/>
+                </a:lnTo>
+                <a:close/>
+              </a:path>
+            </a:pathLst>
+          </a:custGeom>
+          <a:solidFill>
+            <a:srgbClr val="FFD6E1"/>
+          </a:solidFill>
+          <a:ln>
+            <a:noFill/>
+          </a:ln>
+        </p:spPr>
+        <p:txBody>
+          <a:bodyPr spcFirstLastPara="1" wrap="square" lIns="91425" tIns="91425" rIns="91425" bIns="91425" anchor="ctr" anchorCtr="0">
+            <a:noAutofit/>
+          </a:bodyPr>
+          <a:lstStyle/>
+          <a:p>
+            <a:pPr marL="0" lvl="0" indent="0" algn="l" rtl="0">
+              <a:spcBef>
+                <a:spcPts val="0"/>
+              </a:spcBef>
+              <a:spcAft>
+                <a:spcPts val="0"/>
+              </a:spcAft>
+              <a:buNone/>
+            </a:pPr>
+            <a:endParaRPr/>
+          </a:p>
+        </p:txBody>
+      </p:sp>
+      <p:sp>
+        <p:nvSpPr>
+          <p:cNvPr id="1370" name="Google Shape;1370;p47"/>
+          <p:cNvSpPr/>
+          <p:nvPr/>
+        </p:nvSpPr>
+        <p:spPr>
+          <a:xfrm>
+            <a:off x="335228" y="-685306"/>
+            <a:ext cx="9132" cy="1822332"/>
+          </a:xfrm>
+          <a:custGeom>
+            <a:avLst/>
+            <a:gdLst/>
+            <a:ahLst/>
+            <a:cxnLst/>
+            <a:rect l="l" t="t" r="r" b="b"/>
+            <a:pathLst>
+              <a:path w="323" h="64456" extrusionOk="0">
+                <a:moveTo>
+                  <a:pt x="166" y="0"/>
+                </a:moveTo>
+                <a:lnTo>
+                  <a:pt x="1" y="64456"/>
+                </a:lnTo>
+                <a:lnTo>
+                  <a:pt x="322" y="64456"/>
+                </a:lnTo>
+                <a:lnTo>
+                  <a:pt x="166" y="0"/>
+                </a:lnTo>
+                <a:close/>
+              </a:path>
+            </a:pathLst>
+          </a:custGeom>
+          <a:solidFill>
+            <a:srgbClr val="FFD6E1"/>
+          </a:solidFill>
+          <a:ln>
+            <a:noFill/>
+          </a:ln>
+        </p:spPr>
+        <p:txBody>
+          <a:bodyPr spcFirstLastPara="1" wrap="square" lIns="91425" tIns="91425" rIns="91425" bIns="91425" anchor="ctr" anchorCtr="0">
+            <a:noAutofit/>
+          </a:bodyPr>
+          <a:lstStyle/>
+          <a:p>
+            <a:pPr marL="0" lvl="0" indent="0" algn="l" rtl="0">
+              <a:spcBef>
+                <a:spcPts val="0"/>
+              </a:spcBef>
+              <a:spcAft>
+                <a:spcPts val="0"/>
+              </a:spcAft>
+              <a:buNone/>
+            </a:pPr>
+            <a:endParaRPr/>
+          </a:p>
+        </p:txBody>
+      </p:sp>
+      <p:sp>
+        <p:nvSpPr>
+          <p:cNvPr id="3" name="Rectangle 2">
+            <a:extLst>
+              <a:ext uri="{FF2B5EF4-FFF2-40B4-BE49-F238E27FC236}">
+                <a16:creationId xmlns:a16="http://schemas.microsoft.com/office/drawing/2014/main" id="{45E372ED-6E6D-4C44-A49C-EA2C29C33E24}"/>
+              </a:ext>
+            </a:extLst>
+          </p:cNvPr>
+          <p:cNvSpPr/>
+          <p:nvPr/>
+        </p:nvSpPr>
+        <p:spPr>
+          <a:xfrm>
+            <a:off x="2100649" y="3842951"/>
+            <a:ext cx="4572000" cy="766119"/>
+          </a:xfrm>
+          <a:prstGeom prst="rect">
+            <a:avLst/>
+          </a:prstGeom>
+          <a:solidFill>
+            <a:srgbClr val="002845"/>
+          </a:solidFill>
+          <a:ln>
+            <a:noFill/>
+          </a:ln>
+        </p:spPr>
+        <p:style>
+          <a:lnRef idx="2">
+            <a:schemeClr val="dk1">
+              <a:shade val="50000"/>
+            </a:schemeClr>
+          </a:lnRef>
+          <a:fillRef idx="1">
+            <a:schemeClr val="dk1"/>
+          </a:fillRef>
+          <a:effectRef idx="0">
+            <a:schemeClr val="dk1"/>
+          </a:effectRef>
+          <a:fontRef idx="minor">
+            <a:schemeClr val="lt1"/>
+          </a:fontRef>
+        </p:style>
+        <p:txBody>
+          <a:bodyPr rtlCol="0" anchor="ctr"/>
+          <a:lstStyle/>
+          <a:p>
+            <a:pPr algn="ctr"/>
+            <a:endParaRPr lang="en-ID"/>
+          </a:p>
+        </p:txBody>
+      </p:sp>
+      <p:sp>
+        <p:nvSpPr>
+          <p:cNvPr id="20" name="Google Shape;9320;p36">
+            <a:extLst>
+              <a:ext uri="{FF2B5EF4-FFF2-40B4-BE49-F238E27FC236}">
+                <a16:creationId xmlns:a16="http://schemas.microsoft.com/office/drawing/2014/main" id="{8A923A9F-0033-4C3F-9C86-D251E21B8F7E}"/>
+              </a:ext>
+            </a:extLst>
+          </p:cNvPr>
+          <p:cNvSpPr txBox="1">
+            <a:spLocks noGrp="1"/>
+          </p:cNvSpPr>
+          <p:nvPr>
+            <p:ph type="title"/>
+          </p:nvPr>
+        </p:nvSpPr>
+        <p:spPr>
+          <a:xfrm>
+            <a:off x="720000" y="324518"/>
+            <a:ext cx="7704000" cy="572700"/>
+          </a:xfrm>
+          <a:prstGeom prst="rect">
+            <a:avLst/>
+          </a:prstGeom>
+        </p:spPr>
+        <p:txBody>
+          <a:bodyPr spcFirstLastPara="1" wrap="square" lIns="91425" tIns="91425" rIns="91425" bIns="91425" anchor="t" anchorCtr="0">
+            <a:noAutofit/>
+          </a:bodyPr>
+          <a:lstStyle/>
+          <a:p>
+            <a:pPr marL="0" lvl="0" indent="0" algn="l" rtl="0">
+              <a:spcBef>
+                <a:spcPts val="0"/>
+              </a:spcBef>
+              <a:spcAft>
+                <a:spcPts val="0"/>
+              </a:spcAft>
+              <a:buNone/>
+            </a:pPr>
+            <a:r>
+              <a:rPr lang="en-ID" dirty="0"/>
+              <a:t>React, </a:t>
+            </a:r>
+            <a:r>
+              <a:rPr lang="en-ID" dirty="0" err="1"/>
+              <a:t>Apa</a:t>
+            </a:r>
+            <a:r>
+              <a:rPr lang="en-ID" dirty="0"/>
+              <a:t> </a:t>
+            </a:r>
+            <a:r>
+              <a:rPr lang="en-ID" dirty="0" err="1"/>
+              <a:t>itu</a:t>
+            </a:r>
+            <a:r>
+              <a:rPr lang="en-ID" dirty="0"/>
+              <a:t> React?</a:t>
+            </a:r>
+            <a:endParaRPr dirty="0"/>
+          </a:p>
+        </p:txBody>
+      </p:sp>
+      <p:sp>
+        <p:nvSpPr>
+          <p:cNvPr id="21" name="Google Shape;9325;p36">
+            <a:extLst>
+              <a:ext uri="{FF2B5EF4-FFF2-40B4-BE49-F238E27FC236}">
+                <a16:creationId xmlns:a16="http://schemas.microsoft.com/office/drawing/2014/main" id="{817D2F80-6952-47D7-9350-74CA003C2153}"/>
+              </a:ext>
+            </a:extLst>
+          </p:cNvPr>
+          <p:cNvSpPr txBox="1">
+            <a:spLocks/>
+          </p:cNvSpPr>
+          <p:nvPr/>
+        </p:nvSpPr>
+        <p:spPr>
+          <a:xfrm>
+            <a:off x="1830280" y="1512431"/>
+            <a:ext cx="4680461" cy="2767460"/>
+          </a:xfrm>
+          <a:prstGeom prst="rect">
+            <a:avLst/>
+          </a:prstGeom>
+        </p:spPr>
+        <p:txBody>
+          <a:bodyPr spcFirstLastPara="1" wrap="square" lIns="91425" tIns="91425" rIns="91425" bIns="91425" anchor="t" anchorCtr="0">
+            <a:noAutofit/>
+          </a:bodyPr>
+          <a:lstStyle>
+            <a:defPPr marR="0" lvl="0" algn="l" rtl="0">
+              <a:lnSpc>
+                <a:spcPct val="100000"/>
+              </a:lnSpc>
+              <a:spcBef>
+                <a:spcPts val="0"/>
+              </a:spcBef>
+              <a:spcAft>
+                <a:spcPts val="0"/>
+              </a:spcAft>
+            </a:defPPr>
+            <a:lvl1pPr marR="0" lvl="0" algn="l" rtl="0">
+              <a:lnSpc>
+                <a:spcPct val="100000"/>
+              </a:lnSpc>
+              <a:spcBef>
+                <a:spcPts val="0"/>
+              </a:spcBef>
+              <a:spcAft>
+                <a:spcPts val="0"/>
+              </a:spcAft>
+              <a:buClr>
+                <a:srgbClr val="000000"/>
+              </a:buClr>
+              <a:buFont typeface="Arial"/>
+              <a:defRPr sz="1400" b="0" i="0" u="none" strike="noStrike" cap="none">
+                <a:solidFill>
+                  <a:srgbClr val="000000"/>
+                </a:solidFill>
+                <a:latin typeface="Arial"/>
+                <a:ea typeface="Arial"/>
+                <a:cs typeface="Arial"/>
+                <a:sym typeface="Arial"/>
+              </a:defRPr>
+            </a:lvl1pPr>
+            <a:lvl2pPr marR="0" lvl="1" algn="l" rtl="0">
+              <a:lnSpc>
+                <a:spcPct val="100000"/>
+              </a:lnSpc>
+              <a:spcBef>
+                <a:spcPts val="0"/>
+              </a:spcBef>
+              <a:spcAft>
+                <a:spcPts val="0"/>
+              </a:spcAft>
+              <a:buClr>
+                <a:srgbClr val="000000"/>
+              </a:buClr>
+              <a:buFont typeface="Arial"/>
+              <a:defRPr sz="1400" b="0" i="0" u="none" strike="noStrike" cap="none">
+                <a:solidFill>
+                  <a:srgbClr val="000000"/>
+                </a:solidFill>
+                <a:latin typeface="Arial"/>
+                <a:ea typeface="Arial"/>
+                <a:cs typeface="Arial"/>
+                <a:sym typeface="Arial"/>
+              </a:defRPr>
+            </a:lvl2pPr>
+            <a:lvl3pPr marR="0" lvl="2" algn="l" rtl="0">
+              <a:lnSpc>
+                <a:spcPct val="100000"/>
+              </a:lnSpc>
+              <a:spcBef>
+                <a:spcPts val="0"/>
+              </a:spcBef>
+              <a:spcAft>
+                <a:spcPts val="0"/>
+              </a:spcAft>
+              <a:buClr>
+                <a:srgbClr val="000000"/>
+              </a:buClr>
+              <a:buFont typeface="Arial"/>
+              <a:defRPr sz="1400" b="0" i="0" u="none" strike="noStrike" cap="none">
+                <a:solidFill>
+                  <a:srgbClr val="000000"/>
+                </a:solidFill>
+                <a:latin typeface="Arial"/>
+                <a:ea typeface="Arial"/>
+                <a:cs typeface="Arial"/>
+                <a:sym typeface="Arial"/>
+              </a:defRPr>
+            </a:lvl3pPr>
+            <a:lvl4pPr marR="0" lvl="3" algn="l" rtl="0">
+              <a:lnSpc>
+                <a:spcPct val="100000"/>
+              </a:lnSpc>
+              <a:spcBef>
+                <a:spcPts val="0"/>
+              </a:spcBef>
+              <a:spcAft>
+                <a:spcPts val="0"/>
+              </a:spcAft>
+              <a:buClr>
+                <a:srgbClr val="000000"/>
+              </a:buClr>
+              <a:buFont typeface="Arial"/>
+              <a:defRPr sz="1400" b="0" i="0" u="none" strike="noStrike" cap="none">
+                <a:solidFill>
+                  <a:srgbClr val="000000"/>
+                </a:solidFill>
+                <a:latin typeface="Arial"/>
+                <a:ea typeface="Arial"/>
+                <a:cs typeface="Arial"/>
+                <a:sym typeface="Arial"/>
+              </a:defRPr>
+            </a:lvl4pPr>
+            <a:lvl5pPr marR="0" lvl="4" algn="l" rtl="0">
+              <a:lnSpc>
+                <a:spcPct val="100000"/>
+              </a:lnSpc>
+              <a:spcBef>
+                <a:spcPts val="0"/>
+              </a:spcBef>
+              <a:spcAft>
+                <a:spcPts val="0"/>
+              </a:spcAft>
+              <a:buClr>
+                <a:srgbClr val="000000"/>
+              </a:buClr>
+              <a:buFont typeface="Arial"/>
+              <a:defRPr sz="1400" b="0" i="0" u="none" strike="noStrike" cap="none">
+                <a:solidFill>
+                  <a:srgbClr val="000000"/>
+                </a:solidFill>
+                <a:latin typeface="Arial"/>
+                <a:ea typeface="Arial"/>
+                <a:cs typeface="Arial"/>
+                <a:sym typeface="Arial"/>
+              </a:defRPr>
+            </a:lvl5pPr>
+            <a:lvl6pPr marR="0" lvl="5" algn="l" rtl="0">
+              <a:lnSpc>
+                <a:spcPct val="100000"/>
+              </a:lnSpc>
+              <a:spcBef>
+                <a:spcPts val="0"/>
+              </a:spcBef>
+              <a:spcAft>
+                <a:spcPts val="0"/>
+              </a:spcAft>
+              <a:buClr>
+                <a:srgbClr val="000000"/>
+              </a:buClr>
+              <a:buFont typeface="Arial"/>
+              <a:defRPr sz="1400" b="0" i="0" u="none" strike="noStrike" cap="none">
+                <a:solidFill>
+                  <a:srgbClr val="000000"/>
+                </a:solidFill>
+                <a:latin typeface="Arial"/>
+                <a:ea typeface="Arial"/>
+                <a:cs typeface="Arial"/>
+                <a:sym typeface="Arial"/>
+              </a:defRPr>
+            </a:lvl6pPr>
+            <a:lvl7pPr marR="0" lvl="6" algn="l" rtl="0">
+              <a:lnSpc>
+                <a:spcPct val="100000"/>
+              </a:lnSpc>
+              <a:spcBef>
+                <a:spcPts val="0"/>
+              </a:spcBef>
+              <a:spcAft>
+                <a:spcPts val="0"/>
+              </a:spcAft>
+              <a:buClr>
+                <a:srgbClr val="000000"/>
+              </a:buClr>
+              <a:buFont typeface="Arial"/>
+              <a:defRPr sz="1400" b="0" i="0" u="none" strike="noStrike" cap="none">
+                <a:solidFill>
+                  <a:srgbClr val="000000"/>
+                </a:solidFill>
+                <a:latin typeface="Arial"/>
+                <a:ea typeface="Arial"/>
+                <a:cs typeface="Arial"/>
+                <a:sym typeface="Arial"/>
+              </a:defRPr>
+            </a:lvl7pPr>
+            <a:lvl8pPr marR="0" lvl="7" algn="l" rtl="0">
+              <a:lnSpc>
+                <a:spcPct val="100000"/>
+              </a:lnSpc>
+              <a:spcBef>
+                <a:spcPts val="0"/>
+              </a:spcBef>
+              <a:spcAft>
+                <a:spcPts val="0"/>
+              </a:spcAft>
+              <a:buClr>
+                <a:srgbClr val="000000"/>
+              </a:buClr>
+              <a:buFont typeface="Arial"/>
+              <a:defRPr sz="1400" b="0" i="0" u="none" strike="noStrike" cap="none">
+                <a:solidFill>
+                  <a:srgbClr val="000000"/>
+                </a:solidFill>
+                <a:latin typeface="Arial"/>
+                <a:ea typeface="Arial"/>
+                <a:cs typeface="Arial"/>
+                <a:sym typeface="Arial"/>
+              </a:defRPr>
+            </a:lvl8pPr>
+            <a:lvl9pPr marR="0" lvl="8" algn="l" rtl="0">
+              <a:lnSpc>
+                <a:spcPct val="100000"/>
+              </a:lnSpc>
+              <a:spcBef>
+                <a:spcPts val="0"/>
+              </a:spcBef>
+              <a:spcAft>
+                <a:spcPts val="0"/>
+              </a:spcAft>
+              <a:buClr>
+                <a:srgbClr val="000000"/>
+              </a:buClr>
+              <a:buFont typeface="Arial"/>
+              <a:defRPr sz="1400" b="0" i="0" u="none" strike="noStrike" cap="none">
+                <a:solidFill>
+                  <a:srgbClr val="000000"/>
+                </a:solidFill>
+                <a:latin typeface="Arial"/>
+                <a:ea typeface="Arial"/>
+                <a:cs typeface="Arial"/>
+                <a:sym typeface="Arial"/>
+              </a:defRPr>
+            </a:lvl9pPr>
+          </a:lstStyle>
+          <a:p>
+            <a:pPr algn="just"/>
+            <a:r>
+              <a:rPr lang="en-ID" dirty="0">
+                <a:solidFill>
+                  <a:schemeClr val="bg1"/>
+                </a:solidFill>
+              </a:rPr>
+              <a:t>React </a:t>
+            </a:r>
+            <a:r>
+              <a:rPr lang="en-ID" dirty="0" err="1">
+                <a:solidFill>
+                  <a:schemeClr val="bg1"/>
+                </a:solidFill>
+              </a:rPr>
+              <a:t>adalah</a:t>
+            </a:r>
+            <a:r>
+              <a:rPr lang="en-ID" dirty="0">
+                <a:solidFill>
+                  <a:schemeClr val="bg1"/>
+                </a:solidFill>
+              </a:rPr>
+              <a:t>  library </a:t>
+            </a:r>
+            <a:r>
+              <a:rPr lang="en-ID" dirty="0" err="1">
+                <a:solidFill>
+                  <a:schemeClr val="bg1"/>
+                </a:solidFill>
+              </a:rPr>
+              <a:t>dari</a:t>
+            </a:r>
+            <a:r>
+              <a:rPr lang="en-ID" dirty="0">
+                <a:solidFill>
+                  <a:schemeClr val="bg1"/>
+                </a:solidFill>
+              </a:rPr>
+              <a:t> JavaScript yang </a:t>
+            </a:r>
+            <a:r>
+              <a:rPr lang="en-ID" dirty="0" err="1">
+                <a:solidFill>
+                  <a:schemeClr val="bg1"/>
+                </a:solidFill>
+              </a:rPr>
+              <a:t>digunakan</a:t>
+            </a:r>
+            <a:r>
+              <a:rPr lang="en-ID" dirty="0">
+                <a:solidFill>
+                  <a:schemeClr val="bg1"/>
+                </a:solidFill>
+              </a:rPr>
+              <a:t> </a:t>
+            </a:r>
+            <a:r>
+              <a:rPr lang="en-ID" dirty="0" err="1">
+                <a:solidFill>
+                  <a:schemeClr val="bg1"/>
+                </a:solidFill>
+              </a:rPr>
+              <a:t>untuk</a:t>
+            </a:r>
+            <a:r>
+              <a:rPr lang="en-ID" dirty="0">
+                <a:solidFill>
+                  <a:schemeClr val="bg1"/>
+                </a:solidFill>
+              </a:rPr>
+              <a:t> </a:t>
+            </a:r>
+            <a:r>
+              <a:rPr lang="en-ID" dirty="0" err="1">
+                <a:solidFill>
+                  <a:schemeClr val="bg1"/>
+                </a:solidFill>
+              </a:rPr>
+              <a:t>membangun</a:t>
+            </a:r>
+            <a:r>
+              <a:rPr lang="en-ID" dirty="0">
+                <a:solidFill>
+                  <a:schemeClr val="bg1"/>
+                </a:solidFill>
+              </a:rPr>
+              <a:t> </a:t>
+            </a:r>
+            <a:r>
+              <a:rPr lang="en-ID" i="1" dirty="0">
+                <a:solidFill>
+                  <a:schemeClr val="bg1"/>
+                </a:solidFill>
+              </a:rPr>
+              <a:t>user interface</a:t>
+            </a:r>
+            <a:r>
+              <a:rPr lang="en-ID" dirty="0">
+                <a:solidFill>
+                  <a:schemeClr val="bg1"/>
+                </a:solidFill>
+              </a:rPr>
+              <a:t> / </a:t>
+            </a:r>
+            <a:r>
+              <a:rPr lang="en-ID" dirty="0" err="1">
+                <a:solidFill>
+                  <a:schemeClr val="bg1"/>
+                </a:solidFill>
+              </a:rPr>
+              <a:t>halaman</a:t>
+            </a:r>
+            <a:r>
+              <a:rPr lang="en-ID" dirty="0">
+                <a:solidFill>
+                  <a:schemeClr val="bg1"/>
+                </a:solidFill>
+              </a:rPr>
+              <a:t> </a:t>
+            </a:r>
+            <a:r>
+              <a:rPr lang="en-ID" dirty="0" err="1">
+                <a:solidFill>
+                  <a:schemeClr val="bg1"/>
+                </a:solidFill>
+              </a:rPr>
+              <a:t>sebuah</a:t>
+            </a:r>
+            <a:r>
+              <a:rPr lang="en-ID" dirty="0">
+                <a:solidFill>
+                  <a:schemeClr val="bg1"/>
+                </a:solidFill>
+              </a:rPr>
+              <a:t> website yang </a:t>
+            </a:r>
+            <a:r>
+              <a:rPr lang="en-ID" dirty="0" err="1">
+                <a:solidFill>
+                  <a:schemeClr val="bg1"/>
+                </a:solidFill>
+              </a:rPr>
+              <a:t>interaktif</a:t>
+            </a:r>
+            <a:r>
+              <a:rPr lang="en-ID" dirty="0">
+                <a:solidFill>
+                  <a:schemeClr val="bg1"/>
+                </a:solidFill>
+              </a:rPr>
+              <a:t>. React </a:t>
+            </a:r>
+            <a:r>
+              <a:rPr lang="en-ID" dirty="0" err="1">
+                <a:solidFill>
+                  <a:schemeClr val="bg1"/>
+                </a:solidFill>
+              </a:rPr>
+              <a:t>diciptakan</a:t>
+            </a:r>
+            <a:r>
+              <a:rPr lang="en-ID" dirty="0">
+                <a:solidFill>
+                  <a:schemeClr val="bg1"/>
+                </a:solidFill>
+              </a:rPr>
+              <a:t> oleh Facebook dan React </a:t>
+            </a:r>
+            <a:r>
+              <a:rPr lang="en-ID" dirty="0" err="1">
+                <a:solidFill>
+                  <a:schemeClr val="bg1"/>
+                </a:solidFill>
+              </a:rPr>
+              <a:t>sendiri</a:t>
+            </a:r>
+            <a:r>
+              <a:rPr lang="en-ID" dirty="0">
+                <a:solidFill>
+                  <a:schemeClr val="bg1"/>
+                </a:solidFill>
+              </a:rPr>
+              <a:t> </a:t>
+            </a:r>
+            <a:r>
+              <a:rPr lang="en-ID" i="1" dirty="0">
+                <a:solidFill>
+                  <a:schemeClr val="bg1"/>
+                </a:solidFill>
+              </a:rPr>
+              <a:t>open source.</a:t>
+            </a:r>
+            <a:r>
+              <a:rPr lang="en-ID" dirty="0">
+                <a:solidFill>
+                  <a:schemeClr val="bg1"/>
+                </a:solidFill>
+              </a:rPr>
+              <a:t> </a:t>
+            </a:r>
+            <a:r>
+              <a:rPr lang="en-ID" dirty="0" err="1">
+                <a:solidFill>
+                  <a:schemeClr val="bg1"/>
+                </a:solidFill>
+              </a:rPr>
+              <a:t>Fitur</a:t>
+            </a:r>
+            <a:r>
+              <a:rPr lang="en-ID" dirty="0">
+                <a:solidFill>
+                  <a:schemeClr val="bg1"/>
+                </a:solidFill>
+              </a:rPr>
+              <a:t> React:</a:t>
+            </a:r>
+          </a:p>
+          <a:p>
+            <a:pPr marL="228600" indent="-228600" algn="just">
+              <a:buFont typeface="Arial"/>
+              <a:buAutoNum type="arabicPeriod"/>
+            </a:pPr>
+            <a:r>
+              <a:rPr lang="en-ID" dirty="0">
+                <a:solidFill>
+                  <a:schemeClr val="bg1"/>
+                </a:solidFill>
+              </a:rPr>
+              <a:t>JSX</a:t>
+            </a:r>
+          </a:p>
+          <a:p>
+            <a:pPr marL="228600" indent="-228600" algn="just">
+              <a:buFont typeface="Arial"/>
+              <a:buAutoNum type="arabicPeriod"/>
+            </a:pPr>
+            <a:r>
+              <a:rPr lang="en-ID" dirty="0">
+                <a:solidFill>
+                  <a:schemeClr val="bg1"/>
+                </a:solidFill>
+              </a:rPr>
+              <a:t>DOM Virtual</a:t>
+            </a:r>
+          </a:p>
+          <a:p>
+            <a:pPr marL="228600" indent="-228600" algn="just">
+              <a:buFont typeface="Arial"/>
+              <a:buAutoNum type="arabicPeriod"/>
+            </a:pPr>
+            <a:r>
+              <a:rPr lang="en-ID" dirty="0" err="1">
+                <a:solidFill>
+                  <a:schemeClr val="bg1"/>
+                </a:solidFill>
+              </a:rPr>
+              <a:t>Komponen</a:t>
+            </a:r>
+            <a:r>
+              <a:rPr lang="en-ID" dirty="0">
+                <a:solidFill>
+                  <a:schemeClr val="bg1"/>
+                </a:solidFill>
+              </a:rPr>
+              <a:t> dan </a:t>
+            </a:r>
+            <a:r>
+              <a:rPr lang="en-ID" dirty="0" err="1">
+                <a:solidFill>
+                  <a:schemeClr val="bg1"/>
+                </a:solidFill>
+              </a:rPr>
+              <a:t>Properti</a:t>
+            </a:r>
+            <a:r>
+              <a:rPr lang="en-ID" dirty="0">
+                <a:solidFill>
+                  <a:schemeClr val="bg1"/>
+                </a:solidFill>
+              </a:rPr>
+              <a:t> React (props)</a:t>
+            </a:r>
+          </a:p>
+          <a:p>
+            <a:pPr marL="228600" indent="-228600" algn="just">
+              <a:buFont typeface="Arial"/>
+              <a:buAutoNum type="arabicPeriod"/>
+            </a:pPr>
+            <a:r>
+              <a:rPr lang="en-ID" dirty="0" err="1">
+                <a:solidFill>
+                  <a:schemeClr val="bg1"/>
+                </a:solidFill>
+              </a:rPr>
+              <a:t>Manajemen</a:t>
+            </a:r>
+            <a:r>
+              <a:rPr lang="en-ID" dirty="0">
+                <a:solidFill>
+                  <a:schemeClr val="bg1"/>
+                </a:solidFill>
+              </a:rPr>
+              <a:t> State</a:t>
+            </a:r>
+          </a:p>
+          <a:p>
+            <a:pPr algn="just"/>
+            <a:r>
+              <a:rPr lang="en-ID" dirty="0">
+                <a:solidFill>
+                  <a:schemeClr val="bg1"/>
+                </a:solidFill>
+              </a:rPr>
+              <a:t>     - State</a:t>
+            </a:r>
+          </a:p>
+          <a:p>
+            <a:pPr algn="just"/>
+            <a:r>
+              <a:rPr lang="en-ID" dirty="0">
+                <a:solidFill>
+                  <a:schemeClr val="bg1"/>
+                </a:solidFill>
+              </a:rPr>
+              <a:t>     - Redux</a:t>
+            </a:r>
+          </a:p>
+          <a:p>
+            <a:pPr algn="just"/>
+            <a:r>
+              <a:rPr lang="en-ID" dirty="0">
+                <a:solidFill>
+                  <a:schemeClr val="bg1"/>
+                </a:solidFill>
+              </a:rPr>
+              <a:t>     - Recoil</a:t>
+            </a:r>
+          </a:p>
+          <a:p>
+            <a:pPr algn="just"/>
+            <a:r>
+              <a:rPr lang="en-ID" dirty="0">
+                <a:solidFill>
+                  <a:schemeClr val="bg1"/>
+                </a:solidFill>
+              </a:rPr>
+              <a:t>5. </a:t>
+            </a:r>
+            <a:r>
+              <a:rPr lang="en-ID" dirty="0" err="1">
+                <a:solidFill>
+                  <a:schemeClr val="bg1"/>
+                </a:solidFill>
+              </a:rPr>
+              <a:t>Navigasi</a:t>
+            </a:r>
+            <a:r>
+              <a:rPr lang="en-ID" dirty="0">
+                <a:solidFill>
+                  <a:schemeClr val="bg1"/>
+                </a:solidFill>
+              </a:rPr>
+              <a:t> </a:t>
+            </a:r>
+            <a:r>
+              <a:rPr lang="en-ID" dirty="0" err="1">
+                <a:solidFill>
+                  <a:schemeClr val="bg1"/>
+                </a:solidFill>
+              </a:rPr>
+              <a:t>Terprogram</a:t>
+            </a:r>
+            <a:endParaRPr lang="en-ID" dirty="0">
+              <a:solidFill>
+                <a:schemeClr val="bg1"/>
+              </a:solidFill>
+            </a:endParaRPr>
+          </a:p>
+          <a:p>
+            <a:pPr algn="just"/>
+            <a:r>
+              <a:rPr lang="en-ID" dirty="0">
+                <a:solidFill>
+                  <a:schemeClr val="bg1"/>
+                </a:solidFill>
+              </a:rPr>
+              <a:t>      - React Router</a:t>
+            </a:r>
+          </a:p>
+          <a:p>
+            <a:pPr algn="just"/>
+            <a:endParaRPr lang="en-ID" dirty="0">
+              <a:solidFill>
+                <a:schemeClr val="bg1"/>
+              </a:solidFill>
+            </a:endParaRPr>
+          </a:p>
+        </p:txBody>
+      </p:sp>
+      <p:pic>
+        <p:nvPicPr>
+          <p:cNvPr id="22" name="Picture 2" descr="React.js - Wikipedia bahasa Indonesia, ensiklopedia bebas">
+            <a:extLst>
+              <a:ext uri="{FF2B5EF4-FFF2-40B4-BE49-F238E27FC236}">
+                <a16:creationId xmlns:a16="http://schemas.microsoft.com/office/drawing/2014/main" id="{F107E30B-3F41-47C9-B44B-BB3BE11CFA7A}"/>
+              </a:ext>
+            </a:extLst>
+          </p:cNvPr>
+          <p:cNvPicPr>
+            <a:picLocks noChangeAspect="1" noChangeArrowheads="1"/>
+          </p:cNvPicPr>
+          <p:nvPr/>
+        </p:nvPicPr>
+        <p:blipFill>
+          <a:blip r:embed="rId3">
+            <a:extLst>
+              <a:ext uri="{28A0092B-C50C-407E-A947-70E740481C1C}">
+                <a14:useLocalDpi xmlns:a14="http://schemas.microsoft.com/office/drawing/2010/main" val="0"/>
+              </a:ext>
+            </a:extLst>
+          </a:blip>
+          <a:srcRect/>
+          <a:stretch>
+            <a:fillRect/>
+          </a:stretch>
+        </p:blipFill>
+        <p:spPr bwMode="auto">
+          <a:xfrm>
+            <a:off x="6078344" y="2621255"/>
+            <a:ext cx="2095500" cy="1819275"/>
+          </a:xfrm>
+          <a:prstGeom prst="rect">
+            <a:avLst/>
+          </a:prstGeom>
+          <a:noFill/>
+          <a:extLst>
+            <a:ext uri="{909E8E84-426E-40DD-AFC4-6F175D3DCCD1}">
+              <a14:hiddenFill xmlns:a14="http://schemas.microsoft.com/office/drawing/2010/main">
+                <a:solidFill>
+                  <a:srgbClr val="FFFFFF"/>
+                </a:solidFill>
+              </a14:hiddenFill>
+            </a:ext>
+          </a:extLst>
+        </p:spPr>
+      </p:pic>
+    </p:spTree>
+    <p:extLst>
+      <p:ext uri="{BB962C8B-B14F-4D97-AF65-F5344CB8AC3E}">
+        <p14:creationId xmlns:p14="http://schemas.microsoft.com/office/powerpoint/2010/main" val="35741478"/>
+      </p:ext>
+    </p:extLst>
+  </p:cSld>
+  <p:clrMapOvr>
+    <a:masterClrMapping/>
+  </p:clrMapOvr>
+</p:sld>
+</file>
+
+<file path=ppt/slides/slide4.xml><?xml version="1.0" encoding="utf-8"?>
+<p:sld xmlns:a="http://schemas.openxmlformats.org/drawingml/2006/main" xmlns:r="http://schemas.openxmlformats.org/officeDocument/2006/relationships" xmlns:p="http://schemas.openxmlformats.org/presentationml/2006/main">
+  <p:cSld>
+    <p:spTree>
+      <p:nvGrpSpPr>
+        <p:cNvPr id="1" name="Shape 1360"/>
+        <p:cNvGrpSpPr/>
+        <p:nvPr/>
+      </p:nvGrpSpPr>
+      <p:grpSpPr>
+        <a:xfrm>
+          <a:off x="0" y="0"/>
+          <a:ext cx="0" cy="0"/>
+          <a:chOff x="0" y="0"/>
+          <a:chExt cx="0" cy="0"/>
+        </a:xfrm>
+      </p:grpSpPr>
+      <p:sp>
+        <p:nvSpPr>
+          <p:cNvPr id="1364" name="Google Shape;1364;p47"/>
+          <p:cNvSpPr/>
+          <p:nvPr/>
+        </p:nvSpPr>
+        <p:spPr>
+          <a:xfrm>
+            <a:off x="-65247" y="971445"/>
+            <a:ext cx="62397" cy="62143"/>
+          </a:xfrm>
+          <a:custGeom>
+            <a:avLst/>
+            <a:gdLst/>
+            <a:ahLst/>
+            <a:cxnLst/>
+            <a:rect l="l" t="t" r="r" b="b"/>
+            <a:pathLst>
+              <a:path w="2207" h="2198" fill="none" extrusionOk="0">
+                <a:moveTo>
+                  <a:pt x="0" y="0"/>
+                </a:moveTo>
+                <a:lnTo>
+                  <a:pt x="2207" y="0"/>
+                </a:lnTo>
+                <a:lnTo>
+                  <a:pt x="2207" y="2197"/>
+                </a:lnTo>
+                <a:lnTo>
+                  <a:pt x="0" y="2197"/>
+                </a:lnTo>
+                <a:close/>
+              </a:path>
+            </a:pathLst>
+          </a:custGeom>
+          <a:noFill/>
+          <a:ln w="2975" cap="flat" cmpd="sng">
+            <a:solidFill>
+              <a:srgbClr val="00CFCC"/>
+            </a:solidFill>
+            <a:prstDash val="solid"/>
+            <a:miter lim="9192"/>
+            <a:headEnd type="none" w="sm" len="sm"/>
+            <a:tailEnd type="none" w="sm" len="sm"/>
+          </a:ln>
+        </p:spPr>
+        <p:txBody>
+          <a:bodyPr spcFirstLastPara="1" wrap="square" lIns="91425" tIns="91425" rIns="91425" bIns="91425" anchor="ctr" anchorCtr="0">
+            <a:noAutofit/>
+          </a:bodyPr>
+          <a:lstStyle/>
+          <a:p>
+            <a:pPr marL="0" lvl="0" indent="0" algn="l" rtl="0">
+              <a:spcBef>
+                <a:spcPts val="0"/>
+              </a:spcBef>
+              <a:spcAft>
+                <a:spcPts val="0"/>
+              </a:spcAft>
+              <a:buNone/>
+            </a:pPr>
+            <a:endParaRPr/>
+          </a:p>
+        </p:txBody>
+      </p:sp>
+      <p:grpSp>
+        <p:nvGrpSpPr>
+          <p:cNvPr id="1365" name="Google Shape;1365;p47"/>
+          <p:cNvGrpSpPr/>
+          <p:nvPr/>
+        </p:nvGrpSpPr>
+        <p:grpSpPr>
+          <a:xfrm>
+            <a:off x="7981434" y="-1177061"/>
+            <a:ext cx="203789" cy="1274754"/>
+            <a:chOff x="2877432" y="975334"/>
+            <a:chExt cx="188886" cy="1181531"/>
+          </a:xfrm>
+        </p:grpSpPr>
+        <p:sp>
+          <p:nvSpPr>
+            <p:cNvPr id="1366" name="Google Shape;1366;p47"/>
+            <p:cNvSpPr/>
+            <p:nvPr/>
+          </p:nvSpPr>
+          <p:spPr>
+            <a:xfrm>
+              <a:off x="2877432" y="1968242"/>
+              <a:ext cx="188886" cy="188624"/>
+            </a:xfrm>
+            <a:custGeom>
+              <a:avLst/>
+              <a:gdLst/>
+              <a:ahLst/>
+              <a:cxnLst/>
+              <a:rect l="l" t="t" r="r" b="b"/>
+              <a:pathLst>
+                <a:path w="7208" h="7198" fill="none" extrusionOk="0">
+                  <a:moveTo>
+                    <a:pt x="1" y="0"/>
+                  </a:moveTo>
+                  <a:lnTo>
+                    <a:pt x="7208" y="0"/>
+                  </a:lnTo>
+                  <a:lnTo>
+                    <a:pt x="7208" y="7198"/>
+                  </a:lnTo>
+                  <a:lnTo>
+                    <a:pt x="1" y="7198"/>
+                  </a:lnTo>
+                  <a:close/>
+                </a:path>
+              </a:pathLst>
+            </a:custGeom>
+            <a:noFill/>
+            <a:ln w="5750" cap="flat" cmpd="sng">
+              <a:solidFill>
+                <a:srgbClr val="FF9973"/>
+              </a:solidFill>
+              <a:prstDash val="solid"/>
+              <a:miter lim="9192"/>
+              <a:headEnd type="none" w="sm" len="sm"/>
+              <a:tailEnd type="none" w="sm" len="sm"/>
+            </a:ln>
+          </p:spPr>
+          <p:txBody>
+            <a:bodyPr spcFirstLastPara="1" wrap="square" lIns="91425" tIns="91425" rIns="91425" bIns="91425" anchor="ctr" anchorCtr="0">
+              <a:noAutofit/>
+            </a:bodyPr>
+            <a:lstStyle/>
+            <a:p>
+              <a:pPr marL="0" lvl="0" indent="0" algn="l" rtl="0">
+                <a:spcBef>
+                  <a:spcPts val="0"/>
+                </a:spcBef>
+                <a:spcAft>
+                  <a:spcPts val="0"/>
+                </a:spcAft>
+                <a:buNone/>
+              </a:pPr>
+              <a:endParaRPr/>
+            </a:p>
+          </p:txBody>
+        </p:sp>
+        <p:sp>
+          <p:nvSpPr>
+            <p:cNvPr id="1367" name="Google Shape;1367;p47"/>
+            <p:cNvSpPr/>
+            <p:nvPr/>
+          </p:nvSpPr>
+          <p:spPr>
+            <a:xfrm>
+              <a:off x="2905393" y="1452501"/>
+              <a:ext cx="133226" cy="133252"/>
+            </a:xfrm>
+            <a:custGeom>
+              <a:avLst/>
+              <a:gdLst/>
+              <a:ahLst/>
+              <a:cxnLst/>
+              <a:rect l="l" t="t" r="r" b="b"/>
+              <a:pathLst>
+                <a:path w="5084" h="5085" fill="none" extrusionOk="0">
+                  <a:moveTo>
+                    <a:pt x="0" y="1"/>
+                  </a:moveTo>
+                  <a:lnTo>
+                    <a:pt x="5083" y="1"/>
+                  </a:lnTo>
+                  <a:lnTo>
+                    <a:pt x="5083" y="5084"/>
+                  </a:lnTo>
+                  <a:lnTo>
+                    <a:pt x="0" y="5084"/>
+                  </a:lnTo>
+                  <a:close/>
+                </a:path>
+              </a:pathLst>
+            </a:custGeom>
+            <a:noFill/>
+            <a:ln w="4125" cap="flat" cmpd="sng">
+              <a:solidFill>
+                <a:srgbClr val="FF9973"/>
+              </a:solidFill>
+              <a:prstDash val="solid"/>
+              <a:miter lim="9192"/>
+              <a:headEnd type="none" w="sm" len="sm"/>
+              <a:tailEnd type="none" w="sm" len="sm"/>
+            </a:ln>
+          </p:spPr>
+          <p:txBody>
+            <a:bodyPr spcFirstLastPara="1" wrap="square" lIns="91425" tIns="91425" rIns="91425" bIns="91425" anchor="ctr" anchorCtr="0">
+              <a:noAutofit/>
+            </a:bodyPr>
+            <a:lstStyle/>
+            <a:p>
+              <a:pPr marL="0" lvl="0" indent="0" algn="l" rtl="0">
+                <a:spcBef>
+                  <a:spcPts val="0"/>
+                </a:spcBef>
+                <a:spcAft>
+                  <a:spcPts val="0"/>
+                </a:spcAft>
+                <a:buNone/>
+              </a:pPr>
+              <a:endParaRPr/>
+            </a:p>
+          </p:txBody>
+        </p:sp>
+        <p:sp>
+          <p:nvSpPr>
+            <p:cNvPr id="1368" name="Google Shape;1368;p47"/>
+            <p:cNvSpPr/>
+            <p:nvPr/>
+          </p:nvSpPr>
+          <p:spPr>
+            <a:xfrm>
+              <a:off x="2931651" y="975334"/>
+              <a:ext cx="80476" cy="80711"/>
+            </a:xfrm>
+            <a:custGeom>
+              <a:avLst/>
+              <a:gdLst/>
+              <a:ahLst/>
+              <a:cxnLst/>
+              <a:rect l="l" t="t" r="r" b="b"/>
+              <a:pathLst>
+                <a:path w="3071" h="3080" fill="none" extrusionOk="0">
+                  <a:moveTo>
+                    <a:pt x="0" y="0"/>
+                  </a:moveTo>
+                  <a:lnTo>
+                    <a:pt x="3070" y="0"/>
+                  </a:lnTo>
+                  <a:lnTo>
+                    <a:pt x="3070" y="3080"/>
+                  </a:lnTo>
+                  <a:lnTo>
+                    <a:pt x="0" y="3080"/>
+                  </a:lnTo>
+                  <a:close/>
+                </a:path>
+              </a:pathLst>
+            </a:custGeom>
+            <a:noFill/>
+            <a:ln w="2525" cap="flat" cmpd="sng">
+              <a:solidFill>
+                <a:srgbClr val="FF9973"/>
+              </a:solidFill>
+              <a:prstDash val="solid"/>
+              <a:miter lim="9192"/>
+              <a:headEnd type="none" w="sm" len="sm"/>
+              <a:tailEnd type="none" w="sm" len="sm"/>
+            </a:ln>
+          </p:spPr>
+          <p:txBody>
+            <a:bodyPr spcFirstLastPara="1" wrap="square" lIns="91425" tIns="91425" rIns="91425" bIns="91425" anchor="ctr" anchorCtr="0">
+              <a:noAutofit/>
+            </a:bodyPr>
+            <a:lstStyle/>
+            <a:p>
+              <a:pPr marL="0" lvl="0" indent="0" algn="l" rtl="0">
+                <a:spcBef>
+                  <a:spcPts val="0"/>
+                </a:spcBef>
+                <a:spcAft>
+                  <a:spcPts val="0"/>
+                </a:spcAft>
+                <a:buNone/>
+              </a:pPr>
+              <a:endParaRPr/>
+            </a:p>
+          </p:txBody>
+        </p:sp>
+      </p:grpSp>
+      <p:sp>
+        <p:nvSpPr>
+          <p:cNvPr id="1369" name="Google Shape;1369;p47"/>
+          <p:cNvSpPr/>
+          <p:nvPr/>
+        </p:nvSpPr>
+        <p:spPr>
+          <a:xfrm>
+            <a:off x="9277943" y="-708433"/>
+            <a:ext cx="9132" cy="2718429"/>
+          </a:xfrm>
+          <a:custGeom>
+            <a:avLst/>
+            <a:gdLst/>
+            <a:ahLst/>
+            <a:cxnLst/>
+            <a:rect l="l" t="t" r="r" b="b"/>
+            <a:pathLst>
+              <a:path w="323" h="96151" extrusionOk="0">
+                <a:moveTo>
+                  <a:pt x="166" y="0"/>
+                </a:moveTo>
+                <a:lnTo>
+                  <a:pt x="1" y="96150"/>
+                </a:lnTo>
+                <a:lnTo>
+                  <a:pt x="323" y="96150"/>
+                </a:lnTo>
+                <a:lnTo>
+                  <a:pt x="166" y="0"/>
+                </a:lnTo>
+                <a:close/>
+              </a:path>
+            </a:pathLst>
+          </a:custGeom>
+          <a:solidFill>
+            <a:srgbClr val="FFD6E1"/>
+          </a:solidFill>
+          <a:ln>
+            <a:noFill/>
+          </a:ln>
+        </p:spPr>
+        <p:txBody>
+          <a:bodyPr spcFirstLastPara="1" wrap="square" lIns="91425" tIns="91425" rIns="91425" bIns="91425" anchor="ctr" anchorCtr="0">
+            <a:noAutofit/>
+          </a:bodyPr>
+          <a:lstStyle/>
+          <a:p>
+            <a:pPr marL="0" lvl="0" indent="0" algn="l" rtl="0">
+              <a:spcBef>
+                <a:spcPts val="0"/>
+              </a:spcBef>
+              <a:spcAft>
+                <a:spcPts val="0"/>
+              </a:spcAft>
+              <a:buNone/>
+            </a:pPr>
+            <a:endParaRPr/>
+          </a:p>
+        </p:txBody>
+      </p:sp>
+      <p:sp>
+        <p:nvSpPr>
+          <p:cNvPr id="1370" name="Google Shape;1370;p47"/>
+          <p:cNvSpPr/>
+          <p:nvPr/>
+        </p:nvSpPr>
+        <p:spPr>
+          <a:xfrm>
+            <a:off x="335228" y="-685306"/>
+            <a:ext cx="9132" cy="1822332"/>
+          </a:xfrm>
+          <a:custGeom>
+            <a:avLst/>
+            <a:gdLst/>
+            <a:ahLst/>
+            <a:cxnLst/>
+            <a:rect l="l" t="t" r="r" b="b"/>
+            <a:pathLst>
+              <a:path w="323" h="64456" extrusionOk="0">
+                <a:moveTo>
+                  <a:pt x="166" y="0"/>
+                </a:moveTo>
+                <a:lnTo>
+                  <a:pt x="1" y="64456"/>
+                </a:lnTo>
+                <a:lnTo>
+                  <a:pt x="322" y="64456"/>
+                </a:lnTo>
+                <a:lnTo>
+                  <a:pt x="166" y="0"/>
+                </a:lnTo>
+                <a:close/>
+              </a:path>
+            </a:pathLst>
+          </a:custGeom>
+          <a:solidFill>
+            <a:srgbClr val="FFD6E1"/>
+          </a:solidFill>
+          <a:ln>
+            <a:noFill/>
+          </a:ln>
+        </p:spPr>
+        <p:txBody>
+          <a:bodyPr spcFirstLastPara="1" wrap="square" lIns="91425" tIns="91425" rIns="91425" bIns="91425" anchor="ctr" anchorCtr="0">
+            <a:noAutofit/>
+          </a:bodyPr>
+          <a:lstStyle/>
+          <a:p>
+            <a:pPr marL="0" lvl="0" indent="0" algn="l" rtl="0">
+              <a:spcBef>
+                <a:spcPts val="0"/>
+              </a:spcBef>
+              <a:spcAft>
+                <a:spcPts val="0"/>
+              </a:spcAft>
+              <a:buNone/>
+            </a:pPr>
+            <a:endParaRPr/>
+          </a:p>
+        </p:txBody>
+      </p:sp>
+      <p:sp>
+        <p:nvSpPr>
+          <p:cNvPr id="3" name="Rectangle 2">
+            <a:extLst>
+              <a:ext uri="{FF2B5EF4-FFF2-40B4-BE49-F238E27FC236}">
+                <a16:creationId xmlns:a16="http://schemas.microsoft.com/office/drawing/2014/main" id="{45E372ED-6E6D-4C44-A49C-EA2C29C33E24}"/>
+              </a:ext>
+            </a:extLst>
+          </p:cNvPr>
+          <p:cNvSpPr/>
+          <p:nvPr/>
+        </p:nvSpPr>
+        <p:spPr>
+          <a:xfrm>
+            <a:off x="2100649" y="3842951"/>
+            <a:ext cx="4572000" cy="766119"/>
+          </a:xfrm>
+          <a:prstGeom prst="rect">
+            <a:avLst/>
+          </a:prstGeom>
+          <a:solidFill>
+            <a:srgbClr val="002845"/>
+          </a:solidFill>
+          <a:ln>
+            <a:noFill/>
+          </a:ln>
+        </p:spPr>
+        <p:style>
+          <a:lnRef idx="2">
+            <a:schemeClr val="dk1">
+              <a:shade val="50000"/>
+            </a:schemeClr>
+          </a:lnRef>
+          <a:fillRef idx="1">
+            <a:schemeClr val="dk1"/>
+          </a:fillRef>
+          <a:effectRef idx="0">
+            <a:schemeClr val="dk1"/>
+          </a:effectRef>
+          <a:fontRef idx="minor">
+            <a:schemeClr val="lt1"/>
+          </a:fontRef>
+        </p:style>
+        <p:txBody>
+          <a:bodyPr rtlCol="0" anchor="ctr"/>
+          <a:lstStyle/>
+          <a:p>
+            <a:pPr algn="ctr"/>
+            <a:endParaRPr lang="en-ID"/>
+          </a:p>
+        </p:txBody>
+      </p:sp>
+      <p:sp>
+        <p:nvSpPr>
+          <p:cNvPr id="22" name="Google Shape;9344;p37">
+            <a:extLst>
+              <a:ext uri="{FF2B5EF4-FFF2-40B4-BE49-F238E27FC236}">
+                <a16:creationId xmlns:a16="http://schemas.microsoft.com/office/drawing/2014/main" id="{2B0EB2D4-1070-46B2-85C4-8E8D23438114}"/>
+              </a:ext>
+            </a:extLst>
+          </p:cNvPr>
+          <p:cNvSpPr txBox="1">
+            <a:spLocks noGrp="1"/>
+          </p:cNvSpPr>
+          <p:nvPr>
+            <p:ph type="title"/>
+          </p:nvPr>
+        </p:nvSpPr>
+        <p:spPr>
+          <a:xfrm>
+            <a:off x="156631" y="-51279"/>
+            <a:ext cx="7704000" cy="572700"/>
+          </a:xfrm>
+          <a:prstGeom prst="rect">
+            <a:avLst/>
+          </a:prstGeom>
+        </p:spPr>
+        <p:txBody>
+          <a:bodyPr spcFirstLastPara="1" wrap="square" lIns="91425" tIns="91425" rIns="91425" bIns="91425" anchor="t" anchorCtr="0">
+            <a:noAutofit/>
+          </a:bodyPr>
+          <a:lstStyle/>
+          <a:p>
+            <a:pPr lvl="0"/>
+            <a:r>
+              <a:rPr lang="en-ID" sz="3200" b="0" i="0" dirty="0"/>
+              <a:t>Class &amp; Functional Component</a:t>
+            </a:r>
+            <a:endParaRPr sz="3200" dirty="0"/>
+          </a:p>
+        </p:txBody>
+      </p:sp>
+      <p:sp>
+        <p:nvSpPr>
+          <p:cNvPr id="23" name="Google Shape;9348;p37">
+            <a:extLst>
+              <a:ext uri="{FF2B5EF4-FFF2-40B4-BE49-F238E27FC236}">
+                <a16:creationId xmlns:a16="http://schemas.microsoft.com/office/drawing/2014/main" id="{995EFB1C-545B-4382-A207-CA7F0CC8928B}"/>
+              </a:ext>
+            </a:extLst>
+          </p:cNvPr>
+          <p:cNvSpPr txBox="1">
+            <a:spLocks/>
+          </p:cNvSpPr>
+          <p:nvPr/>
+        </p:nvSpPr>
+        <p:spPr>
+          <a:xfrm>
+            <a:off x="4789818" y="1044686"/>
+            <a:ext cx="2853600" cy="1030200"/>
+          </a:xfrm>
+          <a:prstGeom prst="rect">
+            <a:avLst/>
+          </a:prstGeom>
+        </p:spPr>
+        <p:txBody>
+          <a:bodyPr spcFirstLastPara="1" wrap="square" lIns="91425" tIns="91425" rIns="91425" bIns="91425" anchor="t" anchorCtr="0">
+            <a:noAutofit/>
+          </a:bodyPr>
+          <a:lstStyle>
+            <a:defPPr marR="0" lvl="0" algn="l" rtl="0">
+              <a:lnSpc>
+                <a:spcPct val="100000"/>
+              </a:lnSpc>
+              <a:spcBef>
+                <a:spcPts val="0"/>
+              </a:spcBef>
+              <a:spcAft>
+                <a:spcPts val="0"/>
+              </a:spcAft>
+            </a:defPPr>
+            <a:lvl1pPr marR="0" lvl="0" algn="l" rtl="0">
+              <a:lnSpc>
+                <a:spcPct val="100000"/>
+              </a:lnSpc>
+              <a:spcBef>
+                <a:spcPts val="0"/>
+              </a:spcBef>
+              <a:spcAft>
+                <a:spcPts val="0"/>
+              </a:spcAft>
+              <a:buClr>
+                <a:srgbClr val="000000"/>
+              </a:buClr>
+              <a:buFont typeface="Arial"/>
+              <a:defRPr sz="1400" b="0" i="0" u="none" strike="noStrike" cap="none">
+                <a:solidFill>
+                  <a:srgbClr val="000000"/>
+                </a:solidFill>
+                <a:latin typeface="Arial"/>
+                <a:ea typeface="Arial"/>
+                <a:cs typeface="Arial"/>
+                <a:sym typeface="Arial"/>
+              </a:defRPr>
+            </a:lvl1pPr>
+            <a:lvl2pPr marR="0" lvl="1" algn="l" rtl="0">
+              <a:lnSpc>
+                <a:spcPct val="100000"/>
+              </a:lnSpc>
+              <a:spcBef>
+                <a:spcPts val="0"/>
+              </a:spcBef>
+              <a:spcAft>
+                <a:spcPts val="0"/>
+              </a:spcAft>
+              <a:buClr>
+                <a:srgbClr val="000000"/>
+              </a:buClr>
+              <a:buFont typeface="Arial"/>
+              <a:defRPr sz="1400" b="0" i="0" u="none" strike="noStrike" cap="none">
+                <a:solidFill>
+                  <a:srgbClr val="000000"/>
+                </a:solidFill>
+                <a:latin typeface="Arial"/>
+                <a:ea typeface="Arial"/>
+                <a:cs typeface="Arial"/>
+                <a:sym typeface="Arial"/>
+              </a:defRPr>
+            </a:lvl2pPr>
+            <a:lvl3pPr marR="0" lvl="2" algn="l" rtl="0">
+              <a:lnSpc>
+                <a:spcPct val="100000"/>
+              </a:lnSpc>
+              <a:spcBef>
+                <a:spcPts val="0"/>
+              </a:spcBef>
+              <a:spcAft>
+                <a:spcPts val="0"/>
+              </a:spcAft>
+              <a:buClr>
+                <a:srgbClr val="000000"/>
+              </a:buClr>
+              <a:buFont typeface="Arial"/>
+              <a:defRPr sz="1400" b="0" i="0" u="none" strike="noStrike" cap="none">
+                <a:solidFill>
+                  <a:srgbClr val="000000"/>
+                </a:solidFill>
+                <a:latin typeface="Arial"/>
+                <a:ea typeface="Arial"/>
+                <a:cs typeface="Arial"/>
+                <a:sym typeface="Arial"/>
+              </a:defRPr>
+            </a:lvl3pPr>
+            <a:lvl4pPr marR="0" lvl="3" algn="l" rtl="0">
+              <a:lnSpc>
+                <a:spcPct val="100000"/>
+              </a:lnSpc>
+              <a:spcBef>
+                <a:spcPts val="0"/>
+              </a:spcBef>
+              <a:spcAft>
+                <a:spcPts val="0"/>
+              </a:spcAft>
+              <a:buClr>
+                <a:srgbClr val="000000"/>
+              </a:buClr>
+              <a:buFont typeface="Arial"/>
+              <a:defRPr sz="1400" b="0" i="0" u="none" strike="noStrike" cap="none">
+                <a:solidFill>
+                  <a:srgbClr val="000000"/>
+                </a:solidFill>
+                <a:latin typeface="Arial"/>
+                <a:ea typeface="Arial"/>
+                <a:cs typeface="Arial"/>
+                <a:sym typeface="Arial"/>
+              </a:defRPr>
+            </a:lvl4pPr>
+            <a:lvl5pPr marR="0" lvl="4" algn="l" rtl="0">
+              <a:lnSpc>
+                <a:spcPct val="100000"/>
+              </a:lnSpc>
+              <a:spcBef>
+                <a:spcPts val="0"/>
+              </a:spcBef>
+              <a:spcAft>
+                <a:spcPts val="0"/>
+              </a:spcAft>
+              <a:buClr>
+                <a:srgbClr val="000000"/>
+              </a:buClr>
+              <a:buFont typeface="Arial"/>
+              <a:defRPr sz="1400" b="0" i="0" u="none" strike="noStrike" cap="none">
+                <a:solidFill>
+                  <a:srgbClr val="000000"/>
+                </a:solidFill>
+                <a:latin typeface="Arial"/>
+                <a:ea typeface="Arial"/>
+                <a:cs typeface="Arial"/>
+                <a:sym typeface="Arial"/>
+              </a:defRPr>
+            </a:lvl5pPr>
+            <a:lvl6pPr marR="0" lvl="5" algn="l" rtl="0">
+              <a:lnSpc>
+                <a:spcPct val="100000"/>
+              </a:lnSpc>
+              <a:spcBef>
+                <a:spcPts val="0"/>
+              </a:spcBef>
+              <a:spcAft>
+                <a:spcPts val="0"/>
+              </a:spcAft>
+              <a:buClr>
+                <a:srgbClr val="000000"/>
+              </a:buClr>
+              <a:buFont typeface="Arial"/>
+              <a:defRPr sz="1400" b="0" i="0" u="none" strike="noStrike" cap="none">
+                <a:solidFill>
+                  <a:srgbClr val="000000"/>
+                </a:solidFill>
+                <a:latin typeface="Arial"/>
+                <a:ea typeface="Arial"/>
+                <a:cs typeface="Arial"/>
+                <a:sym typeface="Arial"/>
+              </a:defRPr>
+            </a:lvl6pPr>
+            <a:lvl7pPr marR="0" lvl="6" algn="l" rtl="0">
+              <a:lnSpc>
+                <a:spcPct val="100000"/>
+              </a:lnSpc>
+              <a:spcBef>
+                <a:spcPts val="0"/>
+              </a:spcBef>
+              <a:spcAft>
+                <a:spcPts val="0"/>
+              </a:spcAft>
+              <a:buClr>
+                <a:srgbClr val="000000"/>
+              </a:buClr>
+              <a:buFont typeface="Arial"/>
+              <a:defRPr sz="1400" b="0" i="0" u="none" strike="noStrike" cap="none">
+                <a:solidFill>
+                  <a:srgbClr val="000000"/>
+                </a:solidFill>
+                <a:latin typeface="Arial"/>
+                <a:ea typeface="Arial"/>
+                <a:cs typeface="Arial"/>
+                <a:sym typeface="Arial"/>
+              </a:defRPr>
+            </a:lvl7pPr>
+            <a:lvl8pPr marR="0" lvl="7" algn="l" rtl="0">
+              <a:lnSpc>
+                <a:spcPct val="100000"/>
+              </a:lnSpc>
+              <a:spcBef>
+                <a:spcPts val="0"/>
+              </a:spcBef>
+              <a:spcAft>
+                <a:spcPts val="0"/>
+              </a:spcAft>
+              <a:buClr>
+                <a:srgbClr val="000000"/>
+              </a:buClr>
+              <a:buFont typeface="Arial"/>
+              <a:defRPr sz="1400" b="0" i="0" u="none" strike="noStrike" cap="none">
+                <a:solidFill>
+                  <a:srgbClr val="000000"/>
+                </a:solidFill>
+                <a:latin typeface="Arial"/>
+                <a:ea typeface="Arial"/>
+                <a:cs typeface="Arial"/>
+                <a:sym typeface="Arial"/>
+              </a:defRPr>
+            </a:lvl8pPr>
+            <a:lvl9pPr marR="0" lvl="8" algn="l" rtl="0">
+              <a:lnSpc>
+                <a:spcPct val="100000"/>
+              </a:lnSpc>
+              <a:spcBef>
+                <a:spcPts val="0"/>
+              </a:spcBef>
+              <a:spcAft>
+                <a:spcPts val="0"/>
+              </a:spcAft>
+              <a:buClr>
+                <a:srgbClr val="000000"/>
+              </a:buClr>
+              <a:buFont typeface="Arial"/>
+              <a:defRPr sz="1400" b="0" i="0" u="none" strike="noStrike" cap="none">
+                <a:solidFill>
+                  <a:srgbClr val="000000"/>
+                </a:solidFill>
+                <a:latin typeface="Arial"/>
+                <a:ea typeface="Arial"/>
+                <a:cs typeface="Arial"/>
+                <a:sym typeface="Arial"/>
+              </a:defRPr>
+            </a:lvl9pPr>
+          </a:lstStyle>
+          <a:p>
+            <a:pPr marL="171450" indent="-171450">
+              <a:buFontTx/>
+              <a:buChar char="-"/>
+            </a:pPr>
+            <a:r>
+              <a:rPr lang="en-US" dirty="0" err="1">
+                <a:solidFill>
+                  <a:schemeClr val="bg1"/>
+                </a:solidFill>
+              </a:rPr>
+              <a:t>Tidak</a:t>
+            </a:r>
+            <a:r>
+              <a:rPr lang="en-US" dirty="0">
+                <a:solidFill>
+                  <a:schemeClr val="bg1"/>
+                </a:solidFill>
+              </a:rPr>
+              <a:t> </a:t>
+            </a:r>
+            <a:r>
+              <a:rPr lang="en-US" dirty="0" err="1">
+                <a:solidFill>
+                  <a:schemeClr val="bg1"/>
+                </a:solidFill>
+              </a:rPr>
+              <a:t>menerapkan</a:t>
+            </a:r>
+            <a:r>
+              <a:rPr lang="en-US" dirty="0">
+                <a:solidFill>
+                  <a:schemeClr val="bg1"/>
+                </a:solidFill>
+              </a:rPr>
+              <a:t> </a:t>
+            </a:r>
+            <a:r>
+              <a:rPr lang="en-US" dirty="0" err="1">
+                <a:solidFill>
+                  <a:schemeClr val="bg1"/>
+                </a:solidFill>
+              </a:rPr>
+              <a:t>siklus</a:t>
+            </a:r>
+            <a:r>
+              <a:rPr lang="en-US" dirty="0">
+                <a:solidFill>
+                  <a:schemeClr val="bg1"/>
+                </a:solidFill>
+              </a:rPr>
+              <a:t> react</a:t>
+            </a:r>
+          </a:p>
+          <a:p>
+            <a:pPr marL="171450" indent="-171450">
+              <a:buFontTx/>
+              <a:buChar char="-"/>
+            </a:pPr>
+            <a:r>
+              <a:rPr lang="en-US" dirty="0" err="1">
+                <a:solidFill>
+                  <a:schemeClr val="bg1"/>
+                </a:solidFill>
+              </a:rPr>
+              <a:t>Komponen</a:t>
+            </a:r>
+            <a:r>
+              <a:rPr lang="en-US" dirty="0">
+                <a:solidFill>
+                  <a:schemeClr val="bg1"/>
+                </a:solidFill>
+              </a:rPr>
+              <a:t> </a:t>
+            </a:r>
+            <a:r>
+              <a:rPr lang="en-US" dirty="0" err="1">
+                <a:solidFill>
+                  <a:schemeClr val="bg1"/>
+                </a:solidFill>
+              </a:rPr>
+              <a:t>fungsional</a:t>
+            </a:r>
+            <a:r>
+              <a:rPr lang="en-US" dirty="0">
+                <a:solidFill>
+                  <a:schemeClr val="bg1"/>
+                </a:solidFill>
+              </a:rPr>
+              <a:t> </a:t>
+            </a:r>
+            <a:r>
+              <a:rPr lang="en-US" dirty="0" err="1">
+                <a:solidFill>
+                  <a:schemeClr val="bg1"/>
+                </a:solidFill>
+              </a:rPr>
+              <a:t>dijalankan</a:t>
+            </a:r>
+            <a:r>
+              <a:rPr lang="en-US" dirty="0">
+                <a:solidFill>
+                  <a:schemeClr val="bg1"/>
+                </a:solidFill>
+              </a:rPr>
+              <a:t> </a:t>
+            </a:r>
+            <a:r>
+              <a:rPr lang="en-US" dirty="0" err="1">
+                <a:solidFill>
+                  <a:schemeClr val="bg1"/>
+                </a:solidFill>
+              </a:rPr>
+              <a:t>dari</a:t>
+            </a:r>
+            <a:r>
+              <a:rPr lang="en-US" dirty="0">
+                <a:solidFill>
+                  <a:schemeClr val="bg1"/>
+                </a:solidFill>
+              </a:rPr>
+              <a:t> </a:t>
+            </a:r>
+            <a:r>
+              <a:rPr lang="en-US" dirty="0" err="1">
+                <a:solidFill>
+                  <a:schemeClr val="bg1"/>
+                </a:solidFill>
+              </a:rPr>
+              <a:t>atas</a:t>
+            </a:r>
+            <a:r>
+              <a:rPr lang="en-US" dirty="0">
+                <a:solidFill>
+                  <a:schemeClr val="bg1"/>
+                </a:solidFill>
+              </a:rPr>
+              <a:t> </a:t>
+            </a:r>
+            <a:r>
+              <a:rPr lang="en-US" dirty="0" err="1">
+                <a:solidFill>
+                  <a:schemeClr val="bg1"/>
+                </a:solidFill>
+              </a:rPr>
+              <a:t>ke</a:t>
+            </a:r>
+            <a:r>
+              <a:rPr lang="en-US" dirty="0">
+                <a:solidFill>
+                  <a:schemeClr val="bg1"/>
+                </a:solidFill>
+              </a:rPr>
+              <a:t> </a:t>
+            </a:r>
+            <a:r>
+              <a:rPr lang="en-US" dirty="0" err="1">
+                <a:solidFill>
+                  <a:schemeClr val="bg1"/>
+                </a:solidFill>
+              </a:rPr>
+              <a:t>bawah</a:t>
+            </a:r>
+            <a:r>
+              <a:rPr lang="en-US" dirty="0">
+                <a:solidFill>
+                  <a:schemeClr val="bg1"/>
+                </a:solidFill>
+              </a:rPr>
+              <a:t> dan </a:t>
+            </a:r>
+            <a:r>
+              <a:rPr lang="en-US" dirty="0" err="1">
+                <a:solidFill>
+                  <a:schemeClr val="bg1"/>
+                </a:solidFill>
+              </a:rPr>
+              <a:t>setelah</a:t>
+            </a:r>
+            <a:r>
+              <a:rPr lang="en-US" dirty="0">
+                <a:solidFill>
+                  <a:schemeClr val="bg1"/>
+                </a:solidFill>
+              </a:rPr>
+              <a:t> return data</a:t>
+            </a:r>
+          </a:p>
+        </p:txBody>
+      </p:sp>
+      <p:sp>
+        <p:nvSpPr>
+          <p:cNvPr id="24" name="Google Shape;9350;p37">
+            <a:extLst>
+              <a:ext uri="{FF2B5EF4-FFF2-40B4-BE49-F238E27FC236}">
+                <a16:creationId xmlns:a16="http://schemas.microsoft.com/office/drawing/2014/main" id="{0717F171-8B03-430B-8501-1E0811A45CAC}"/>
+              </a:ext>
+            </a:extLst>
+          </p:cNvPr>
+          <p:cNvSpPr txBox="1">
+            <a:spLocks/>
+          </p:cNvSpPr>
+          <p:nvPr/>
+        </p:nvSpPr>
+        <p:spPr>
+          <a:xfrm>
+            <a:off x="189571" y="578411"/>
+            <a:ext cx="3339047" cy="581325"/>
+          </a:xfrm>
+          <a:prstGeom prst="rect">
+            <a:avLst/>
+          </a:prstGeom>
+        </p:spPr>
+        <p:txBody>
+          <a:bodyPr spcFirstLastPara="1" wrap="square" lIns="91425" tIns="91425" rIns="91425" bIns="91425" anchor="b" anchorCtr="0">
+            <a:noAutofit/>
+          </a:bodyPr>
+          <a:lstStyle>
+            <a:defPPr marR="0" lvl="0" algn="l" rtl="0">
+              <a:lnSpc>
+                <a:spcPct val="100000"/>
+              </a:lnSpc>
+              <a:spcBef>
+                <a:spcPts val="0"/>
+              </a:spcBef>
+              <a:spcAft>
+                <a:spcPts val="0"/>
+              </a:spcAft>
+            </a:defPPr>
+            <a:lvl1pPr marR="0" lvl="0" algn="l" rtl="0">
+              <a:lnSpc>
+                <a:spcPct val="100000"/>
+              </a:lnSpc>
+              <a:spcBef>
+                <a:spcPts val="0"/>
+              </a:spcBef>
+              <a:spcAft>
+                <a:spcPts val="0"/>
+              </a:spcAft>
+              <a:buClr>
+                <a:srgbClr val="000000"/>
+              </a:buClr>
+              <a:buFont typeface="Arial"/>
+              <a:defRPr sz="1400" b="0" i="0" u="none" strike="noStrike" cap="none">
+                <a:solidFill>
+                  <a:srgbClr val="000000"/>
+                </a:solidFill>
+                <a:latin typeface="Arial"/>
+                <a:ea typeface="Arial"/>
+                <a:cs typeface="Arial"/>
+                <a:sym typeface="Arial"/>
+              </a:defRPr>
+            </a:lvl1pPr>
+            <a:lvl2pPr marR="0" lvl="1" algn="l" rtl="0">
+              <a:lnSpc>
+                <a:spcPct val="100000"/>
+              </a:lnSpc>
+              <a:spcBef>
+                <a:spcPts val="0"/>
+              </a:spcBef>
+              <a:spcAft>
+                <a:spcPts val="0"/>
+              </a:spcAft>
+              <a:buClr>
+                <a:srgbClr val="000000"/>
+              </a:buClr>
+              <a:buFont typeface="Arial"/>
+              <a:defRPr sz="1400" b="0" i="0" u="none" strike="noStrike" cap="none">
+                <a:solidFill>
+                  <a:srgbClr val="000000"/>
+                </a:solidFill>
+                <a:latin typeface="Arial"/>
+                <a:ea typeface="Arial"/>
+                <a:cs typeface="Arial"/>
+                <a:sym typeface="Arial"/>
+              </a:defRPr>
+            </a:lvl2pPr>
+            <a:lvl3pPr marR="0" lvl="2" algn="l" rtl="0">
+              <a:lnSpc>
+                <a:spcPct val="100000"/>
+              </a:lnSpc>
+              <a:spcBef>
+                <a:spcPts val="0"/>
+              </a:spcBef>
+              <a:spcAft>
+                <a:spcPts val="0"/>
+              </a:spcAft>
+              <a:buClr>
+                <a:srgbClr val="000000"/>
+              </a:buClr>
+              <a:buFont typeface="Arial"/>
+              <a:defRPr sz="1400" b="0" i="0" u="none" strike="noStrike" cap="none">
+                <a:solidFill>
+                  <a:srgbClr val="000000"/>
+                </a:solidFill>
+                <a:latin typeface="Arial"/>
+                <a:ea typeface="Arial"/>
+                <a:cs typeface="Arial"/>
+                <a:sym typeface="Arial"/>
+              </a:defRPr>
+            </a:lvl3pPr>
+            <a:lvl4pPr marR="0" lvl="3" algn="l" rtl="0">
+              <a:lnSpc>
+                <a:spcPct val="100000"/>
+              </a:lnSpc>
+              <a:spcBef>
+                <a:spcPts val="0"/>
+              </a:spcBef>
+              <a:spcAft>
+                <a:spcPts val="0"/>
+              </a:spcAft>
+              <a:buClr>
+                <a:srgbClr val="000000"/>
+              </a:buClr>
+              <a:buFont typeface="Arial"/>
+              <a:defRPr sz="1400" b="0" i="0" u="none" strike="noStrike" cap="none">
+                <a:solidFill>
+                  <a:srgbClr val="000000"/>
+                </a:solidFill>
+                <a:latin typeface="Arial"/>
+                <a:ea typeface="Arial"/>
+                <a:cs typeface="Arial"/>
+                <a:sym typeface="Arial"/>
+              </a:defRPr>
+            </a:lvl4pPr>
+            <a:lvl5pPr marR="0" lvl="4" algn="l" rtl="0">
+              <a:lnSpc>
+                <a:spcPct val="100000"/>
+              </a:lnSpc>
+              <a:spcBef>
+                <a:spcPts val="0"/>
+              </a:spcBef>
+              <a:spcAft>
+                <a:spcPts val="0"/>
+              </a:spcAft>
+              <a:buClr>
+                <a:srgbClr val="000000"/>
+              </a:buClr>
+              <a:buFont typeface="Arial"/>
+              <a:defRPr sz="1400" b="0" i="0" u="none" strike="noStrike" cap="none">
+                <a:solidFill>
+                  <a:srgbClr val="000000"/>
+                </a:solidFill>
+                <a:latin typeface="Arial"/>
+                <a:ea typeface="Arial"/>
+                <a:cs typeface="Arial"/>
+                <a:sym typeface="Arial"/>
+              </a:defRPr>
+            </a:lvl5pPr>
+            <a:lvl6pPr marR="0" lvl="5" algn="l" rtl="0">
+              <a:lnSpc>
+                <a:spcPct val="100000"/>
+              </a:lnSpc>
+              <a:spcBef>
+                <a:spcPts val="0"/>
+              </a:spcBef>
+              <a:spcAft>
+                <a:spcPts val="0"/>
+              </a:spcAft>
+              <a:buClr>
+                <a:srgbClr val="000000"/>
+              </a:buClr>
+              <a:buFont typeface="Arial"/>
+              <a:defRPr sz="1400" b="0" i="0" u="none" strike="noStrike" cap="none">
+                <a:solidFill>
+                  <a:srgbClr val="000000"/>
+                </a:solidFill>
+                <a:latin typeface="Arial"/>
+                <a:ea typeface="Arial"/>
+                <a:cs typeface="Arial"/>
+                <a:sym typeface="Arial"/>
+              </a:defRPr>
+            </a:lvl6pPr>
+            <a:lvl7pPr marR="0" lvl="6" algn="l" rtl="0">
+              <a:lnSpc>
+                <a:spcPct val="100000"/>
+              </a:lnSpc>
+              <a:spcBef>
+                <a:spcPts val="0"/>
+              </a:spcBef>
+              <a:spcAft>
+                <a:spcPts val="0"/>
+              </a:spcAft>
+              <a:buClr>
+                <a:srgbClr val="000000"/>
+              </a:buClr>
+              <a:buFont typeface="Arial"/>
+              <a:defRPr sz="1400" b="0" i="0" u="none" strike="noStrike" cap="none">
+                <a:solidFill>
+                  <a:srgbClr val="000000"/>
+                </a:solidFill>
+                <a:latin typeface="Arial"/>
+                <a:ea typeface="Arial"/>
+                <a:cs typeface="Arial"/>
+                <a:sym typeface="Arial"/>
+              </a:defRPr>
+            </a:lvl7pPr>
+            <a:lvl8pPr marR="0" lvl="7" algn="l" rtl="0">
+              <a:lnSpc>
+                <a:spcPct val="100000"/>
+              </a:lnSpc>
+              <a:spcBef>
+                <a:spcPts val="0"/>
+              </a:spcBef>
+              <a:spcAft>
+                <a:spcPts val="0"/>
+              </a:spcAft>
+              <a:buClr>
+                <a:srgbClr val="000000"/>
+              </a:buClr>
+              <a:buFont typeface="Arial"/>
+              <a:defRPr sz="1400" b="0" i="0" u="none" strike="noStrike" cap="none">
+                <a:solidFill>
+                  <a:srgbClr val="000000"/>
+                </a:solidFill>
+                <a:latin typeface="Arial"/>
+                <a:ea typeface="Arial"/>
+                <a:cs typeface="Arial"/>
+                <a:sym typeface="Arial"/>
+              </a:defRPr>
+            </a:lvl8pPr>
+            <a:lvl9pPr marR="0" lvl="8" algn="l" rtl="0">
+              <a:lnSpc>
+                <a:spcPct val="100000"/>
+              </a:lnSpc>
+              <a:spcBef>
+                <a:spcPts val="0"/>
+              </a:spcBef>
+              <a:spcAft>
+                <a:spcPts val="0"/>
+              </a:spcAft>
+              <a:buClr>
+                <a:srgbClr val="000000"/>
+              </a:buClr>
+              <a:buFont typeface="Arial"/>
+              <a:defRPr sz="1400" b="0" i="0" u="none" strike="noStrike" cap="none">
+                <a:solidFill>
+                  <a:srgbClr val="000000"/>
+                </a:solidFill>
+                <a:latin typeface="Arial"/>
+                <a:ea typeface="Arial"/>
+                <a:cs typeface="Arial"/>
+                <a:sym typeface="Arial"/>
+              </a:defRPr>
+            </a:lvl9pPr>
+          </a:lstStyle>
+          <a:p>
+            <a:r>
+              <a:rPr lang="en-ID" sz="1800" dirty="0">
+                <a:solidFill>
+                  <a:schemeClr val="bg1"/>
+                </a:solidFill>
+              </a:rPr>
+              <a:t>Functional</a:t>
+            </a:r>
+            <a:r>
+              <a:rPr lang="en-ID" sz="1800" dirty="0"/>
+              <a:t> </a:t>
+            </a:r>
+            <a:r>
+              <a:rPr lang="en-ID" sz="1800" dirty="0">
+                <a:solidFill>
+                  <a:schemeClr val="bg1"/>
+                </a:solidFill>
+              </a:rPr>
+              <a:t>Component</a:t>
+            </a:r>
+          </a:p>
+        </p:txBody>
+      </p:sp>
+      <p:sp>
+        <p:nvSpPr>
+          <p:cNvPr id="25" name="Google Shape;9351;p37">
+            <a:extLst>
+              <a:ext uri="{FF2B5EF4-FFF2-40B4-BE49-F238E27FC236}">
+                <a16:creationId xmlns:a16="http://schemas.microsoft.com/office/drawing/2014/main" id="{D8480C52-CA04-4F7F-8915-FE542B6210F8}"/>
+              </a:ext>
+            </a:extLst>
+          </p:cNvPr>
+          <p:cNvSpPr txBox="1">
+            <a:spLocks/>
+          </p:cNvSpPr>
+          <p:nvPr/>
+        </p:nvSpPr>
+        <p:spPr>
+          <a:xfrm>
+            <a:off x="189571" y="2189936"/>
+            <a:ext cx="2853600" cy="665100"/>
+          </a:xfrm>
+          <a:prstGeom prst="rect">
+            <a:avLst/>
+          </a:prstGeom>
+        </p:spPr>
+        <p:txBody>
+          <a:bodyPr spcFirstLastPara="1" wrap="square" lIns="91425" tIns="91425" rIns="91425" bIns="91425" anchor="b" anchorCtr="0">
+            <a:noAutofit/>
+          </a:bodyPr>
+          <a:lstStyle>
+            <a:defPPr marR="0" lvl="0" algn="l" rtl="0">
+              <a:lnSpc>
+                <a:spcPct val="100000"/>
+              </a:lnSpc>
+              <a:spcBef>
+                <a:spcPts val="0"/>
+              </a:spcBef>
+              <a:spcAft>
+                <a:spcPts val="0"/>
+              </a:spcAft>
+            </a:defPPr>
+            <a:lvl1pPr marR="0" lvl="0" algn="l" rtl="0">
+              <a:lnSpc>
+                <a:spcPct val="100000"/>
+              </a:lnSpc>
+              <a:spcBef>
+                <a:spcPts val="0"/>
+              </a:spcBef>
+              <a:spcAft>
+                <a:spcPts val="0"/>
+              </a:spcAft>
+              <a:buClr>
+                <a:srgbClr val="000000"/>
+              </a:buClr>
+              <a:buFont typeface="Arial"/>
+              <a:defRPr sz="1400" b="0" i="0" u="none" strike="noStrike" cap="none">
+                <a:solidFill>
+                  <a:srgbClr val="000000"/>
+                </a:solidFill>
+                <a:latin typeface="Arial"/>
+                <a:ea typeface="Arial"/>
+                <a:cs typeface="Arial"/>
+                <a:sym typeface="Arial"/>
+              </a:defRPr>
+            </a:lvl1pPr>
+            <a:lvl2pPr marR="0" lvl="1" algn="l" rtl="0">
+              <a:lnSpc>
+                <a:spcPct val="100000"/>
+              </a:lnSpc>
+              <a:spcBef>
+                <a:spcPts val="0"/>
+              </a:spcBef>
+              <a:spcAft>
+                <a:spcPts val="0"/>
+              </a:spcAft>
+              <a:buClr>
+                <a:srgbClr val="000000"/>
+              </a:buClr>
+              <a:buFont typeface="Arial"/>
+              <a:defRPr sz="1400" b="0" i="0" u="none" strike="noStrike" cap="none">
+                <a:solidFill>
+                  <a:srgbClr val="000000"/>
+                </a:solidFill>
+                <a:latin typeface="Arial"/>
+                <a:ea typeface="Arial"/>
+                <a:cs typeface="Arial"/>
+                <a:sym typeface="Arial"/>
+              </a:defRPr>
+            </a:lvl2pPr>
+            <a:lvl3pPr marR="0" lvl="2" algn="l" rtl="0">
+              <a:lnSpc>
+                <a:spcPct val="100000"/>
+              </a:lnSpc>
+              <a:spcBef>
+                <a:spcPts val="0"/>
+              </a:spcBef>
+              <a:spcAft>
+                <a:spcPts val="0"/>
+              </a:spcAft>
+              <a:buClr>
+                <a:srgbClr val="000000"/>
+              </a:buClr>
+              <a:buFont typeface="Arial"/>
+              <a:defRPr sz="1400" b="0" i="0" u="none" strike="noStrike" cap="none">
+                <a:solidFill>
+                  <a:srgbClr val="000000"/>
+                </a:solidFill>
+                <a:latin typeface="Arial"/>
+                <a:ea typeface="Arial"/>
+                <a:cs typeface="Arial"/>
+                <a:sym typeface="Arial"/>
+              </a:defRPr>
+            </a:lvl3pPr>
+            <a:lvl4pPr marR="0" lvl="3" algn="l" rtl="0">
+              <a:lnSpc>
+                <a:spcPct val="100000"/>
+              </a:lnSpc>
+              <a:spcBef>
+                <a:spcPts val="0"/>
+              </a:spcBef>
+              <a:spcAft>
+                <a:spcPts val="0"/>
+              </a:spcAft>
+              <a:buClr>
+                <a:srgbClr val="000000"/>
+              </a:buClr>
+              <a:buFont typeface="Arial"/>
+              <a:defRPr sz="1400" b="0" i="0" u="none" strike="noStrike" cap="none">
+                <a:solidFill>
+                  <a:srgbClr val="000000"/>
+                </a:solidFill>
+                <a:latin typeface="Arial"/>
+                <a:ea typeface="Arial"/>
+                <a:cs typeface="Arial"/>
+                <a:sym typeface="Arial"/>
+              </a:defRPr>
+            </a:lvl4pPr>
+            <a:lvl5pPr marR="0" lvl="4" algn="l" rtl="0">
+              <a:lnSpc>
+                <a:spcPct val="100000"/>
+              </a:lnSpc>
+              <a:spcBef>
+                <a:spcPts val="0"/>
+              </a:spcBef>
+              <a:spcAft>
+                <a:spcPts val="0"/>
+              </a:spcAft>
+              <a:buClr>
+                <a:srgbClr val="000000"/>
+              </a:buClr>
+              <a:buFont typeface="Arial"/>
+              <a:defRPr sz="1400" b="0" i="0" u="none" strike="noStrike" cap="none">
+                <a:solidFill>
+                  <a:srgbClr val="000000"/>
+                </a:solidFill>
+                <a:latin typeface="Arial"/>
+                <a:ea typeface="Arial"/>
+                <a:cs typeface="Arial"/>
+                <a:sym typeface="Arial"/>
+              </a:defRPr>
+            </a:lvl5pPr>
+            <a:lvl6pPr marR="0" lvl="5" algn="l" rtl="0">
+              <a:lnSpc>
+                <a:spcPct val="100000"/>
+              </a:lnSpc>
+              <a:spcBef>
+                <a:spcPts val="0"/>
+              </a:spcBef>
+              <a:spcAft>
+                <a:spcPts val="0"/>
+              </a:spcAft>
+              <a:buClr>
+                <a:srgbClr val="000000"/>
+              </a:buClr>
+              <a:buFont typeface="Arial"/>
+              <a:defRPr sz="1400" b="0" i="0" u="none" strike="noStrike" cap="none">
+                <a:solidFill>
+                  <a:srgbClr val="000000"/>
+                </a:solidFill>
+                <a:latin typeface="Arial"/>
+                <a:ea typeface="Arial"/>
+                <a:cs typeface="Arial"/>
+                <a:sym typeface="Arial"/>
+              </a:defRPr>
+            </a:lvl6pPr>
+            <a:lvl7pPr marR="0" lvl="6" algn="l" rtl="0">
+              <a:lnSpc>
+                <a:spcPct val="100000"/>
+              </a:lnSpc>
+              <a:spcBef>
+                <a:spcPts val="0"/>
+              </a:spcBef>
+              <a:spcAft>
+                <a:spcPts val="0"/>
+              </a:spcAft>
+              <a:buClr>
+                <a:srgbClr val="000000"/>
+              </a:buClr>
+              <a:buFont typeface="Arial"/>
+              <a:defRPr sz="1400" b="0" i="0" u="none" strike="noStrike" cap="none">
+                <a:solidFill>
+                  <a:srgbClr val="000000"/>
+                </a:solidFill>
+                <a:latin typeface="Arial"/>
+                <a:ea typeface="Arial"/>
+                <a:cs typeface="Arial"/>
+                <a:sym typeface="Arial"/>
+              </a:defRPr>
+            </a:lvl7pPr>
+            <a:lvl8pPr marR="0" lvl="7" algn="l" rtl="0">
+              <a:lnSpc>
+                <a:spcPct val="100000"/>
+              </a:lnSpc>
+              <a:spcBef>
+                <a:spcPts val="0"/>
+              </a:spcBef>
+              <a:spcAft>
+                <a:spcPts val="0"/>
+              </a:spcAft>
+              <a:buClr>
+                <a:srgbClr val="000000"/>
+              </a:buClr>
+              <a:buFont typeface="Arial"/>
+              <a:defRPr sz="1400" b="0" i="0" u="none" strike="noStrike" cap="none">
+                <a:solidFill>
+                  <a:srgbClr val="000000"/>
+                </a:solidFill>
+                <a:latin typeface="Arial"/>
+                <a:ea typeface="Arial"/>
+                <a:cs typeface="Arial"/>
+                <a:sym typeface="Arial"/>
+              </a:defRPr>
+            </a:lvl8pPr>
+            <a:lvl9pPr marR="0" lvl="8" algn="l" rtl="0">
+              <a:lnSpc>
+                <a:spcPct val="100000"/>
+              </a:lnSpc>
+              <a:spcBef>
+                <a:spcPts val="0"/>
+              </a:spcBef>
+              <a:spcAft>
+                <a:spcPts val="0"/>
+              </a:spcAft>
+              <a:buClr>
+                <a:srgbClr val="000000"/>
+              </a:buClr>
+              <a:buFont typeface="Arial"/>
+              <a:defRPr sz="1400" b="0" i="0" u="none" strike="noStrike" cap="none">
+                <a:solidFill>
+                  <a:srgbClr val="000000"/>
+                </a:solidFill>
+                <a:latin typeface="Arial"/>
+                <a:ea typeface="Arial"/>
+                <a:cs typeface="Arial"/>
+                <a:sym typeface="Arial"/>
+              </a:defRPr>
+            </a:lvl9pPr>
+          </a:lstStyle>
+          <a:p>
+            <a:r>
+              <a:rPr lang="en-ID" sz="2000" dirty="0">
+                <a:solidFill>
+                  <a:schemeClr val="bg1"/>
+                </a:solidFill>
+              </a:rPr>
+              <a:t>Class Component</a:t>
+            </a:r>
+          </a:p>
+        </p:txBody>
+      </p:sp>
+      <p:pic>
+        <p:nvPicPr>
+          <p:cNvPr id="26" name="Picture 25">
+            <a:extLst>
+              <a:ext uri="{FF2B5EF4-FFF2-40B4-BE49-F238E27FC236}">
+                <a16:creationId xmlns:a16="http://schemas.microsoft.com/office/drawing/2014/main" id="{DE761728-B758-4A53-993E-43C2EA50310B}"/>
+              </a:ext>
+            </a:extLst>
+          </p:cNvPr>
+          <p:cNvPicPr>
+            <a:picLocks noChangeAspect="1"/>
+          </p:cNvPicPr>
+          <p:nvPr/>
+        </p:nvPicPr>
+        <p:blipFill>
+          <a:blip r:embed="rId3"/>
+          <a:stretch>
+            <a:fillRect/>
+          </a:stretch>
+        </p:blipFill>
+        <p:spPr>
+          <a:xfrm>
+            <a:off x="241400" y="2855036"/>
+            <a:ext cx="4229100" cy="1171575"/>
+          </a:xfrm>
+          <a:prstGeom prst="rect">
+            <a:avLst/>
+          </a:prstGeom>
+        </p:spPr>
+      </p:pic>
+      <p:pic>
+        <p:nvPicPr>
+          <p:cNvPr id="27" name="Picture 26">
+            <a:extLst>
+              <a:ext uri="{FF2B5EF4-FFF2-40B4-BE49-F238E27FC236}">
+                <a16:creationId xmlns:a16="http://schemas.microsoft.com/office/drawing/2014/main" id="{FDC8DDB8-276E-48EA-8FCC-5CB4DAF1CF67}"/>
+              </a:ext>
+            </a:extLst>
+          </p:cNvPr>
+          <p:cNvPicPr>
+            <a:picLocks noChangeAspect="1"/>
+          </p:cNvPicPr>
+          <p:nvPr/>
+        </p:nvPicPr>
+        <p:blipFill>
+          <a:blip r:embed="rId4"/>
+          <a:stretch>
+            <a:fillRect/>
+          </a:stretch>
+        </p:blipFill>
+        <p:spPr>
+          <a:xfrm>
+            <a:off x="241400" y="1159736"/>
+            <a:ext cx="4229100" cy="800100"/>
+          </a:xfrm>
+          <a:prstGeom prst="rect">
+            <a:avLst/>
+          </a:prstGeom>
+        </p:spPr>
+      </p:pic>
+      <p:sp>
+        <p:nvSpPr>
+          <p:cNvPr id="28" name="Google Shape;9348;p37">
+            <a:extLst>
+              <a:ext uri="{FF2B5EF4-FFF2-40B4-BE49-F238E27FC236}">
+                <a16:creationId xmlns:a16="http://schemas.microsoft.com/office/drawing/2014/main" id="{240AC806-8865-4F8A-A934-DF3A3B9C27D8}"/>
+              </a:ext>
+            </a:extLst>
+          </p:cNvPr>
+          <p:cNvSpPr txBox="1">
+            <a:spLocks/>
+          </p:cNvSpPr>
+          <p:nvPr/>
+        </p:nvSpPr>
+        <p:spPr>
+          <a:xfrm>
+            <a:off x="4789818" y="2705588"/>
+            <a:ext cx="2853600" cy="1030200"/>
+          </a:xfrm>
+          <a:prstGeom prst="rect">
+            <a:avLst/>
+          </a:prstGeom>
+          <a:noFill/>
+          <a:ln>
+            <a:noFill/>
+          </a:ln>
+        </p:spPr>
+        <p:txBody>
+          <a:bodyPr spcFirstLastPara="1" wrap="square" lIns="91425" tIns="91425" rIns="91425" bIns="91425" anchor="t" anchorCtr="0">
+            <a:noAutofit/>
+          </a:bodyPr>
+          <a:lstStyle>
+            <a:defPPr marR="0" lvl="0" algn="l" rtl="0">
+              <a:lnSpc>
+                <a:spcPct val="100000"/>
+              </a:lnSpc>
+              <a:spcBef>
+                <a:spcPts val="0"/>
+              </a:spcBef>
+              <a:spcAft>
+                <a:spcPts val="0"/>
+              </a:spcAft>
+            </a:defPPr>
+            <a:lvl1pPr marL="457200" marR="0" lvl="0" indent="-304800" algn="l" rtl="0">
+              <a:lnSpc>
+                <a:spcPct val="100000"/>
+              </a:lnSpc>
+              <a:spcBef>
+                <a:spcPts val="0"/>
+              </a:spcBef>
+              <a:spcAft>
+                <a:spcPts val="0"/>
+              </a:spcAft>
+              <a:buClr>
+                <a:schemeClr val="dk1"/>
+              </a:buClr>
+              <a:buSzPts val="1200"/>
+              <a:buFont typeface="Albert Sans"/>
+              <a:buNone/>
+              <a:defRPr sz="1200" b="0" i="0" u="none" strike="noStrike" cap="none">
+                <a:solidFill>
+                  <a:schemeClr val="dk1"/>
+                </a:solidFill>
+                <a:latin typeface="Albert Sans"/>
+                <a:ea typeface="Albert Sans"/>
+                <a:cs typeface="Albert Sans"/>
+                <a:sym typeface="Albert Sans"/>
+              </a:defRPr>
+            </a:lvl1pPr>
+            <a:lvl2pPr marL="914400" marR="0" lvl="1" indent="-304800" algn="ctr" rtl="0">
+              <a:lnSpc>
+                <a:spcPct val="100000"/>
+              </a:lnSpc>
+              <a:spcBef>
+                <a:spcPts val="0"/>
+              </a:spcBef>
+              <a:spcAft>
+                <a:spcPts val="0"/>
+              </a:spcAft>
+              <a:buClr>
+                <a:schemeClr val="dk1"/>
+              </a:buClr>
+              <a:buSzPts val="1200"/>
+              <a:buFont typeface="Albert Sans"/>
+              <a:buNone/>
+              <a:defRPr sz="1200" b="0" i="0" u="none" strike="noStrike" cap="none">
+                <a:solidFill>
+                  <a:schemeClr val="dk1"/>
+                </a:solidFill>
+                <a:latin typeface="Albert Sans"/>
+                <a:ea typeface="Albert Sans"/>
+                <a:cs typeface="Albert Sans"/>
+                <a:sym typeface="Albert Sans"/>
+              </a:defRPr>
+            </a:lvl2pPr>
+            <a:lvl3pPr marL="1371600" marR="0" lvl="2" indent="-304800" algn="ctr" rtl="0">
+              <a:lnSpc>
+                <a:spcPct val="100000"/>
+              </a:lnSpc>
+              <a:spcBef>
+                <a:spcPts val="0"/>
+              </a:spcBef>
+              <a:spcAft>
+                <a:spcPts val="0"/>
+              </a:spcAft>
+              <a:buClr>
+                <a:schemeClr val="dk1"/>
+              </a:buClr>
+              <a:buSzPts val="1200"/>
+              <a:buFont typeface="Albert Sans"/>
+              <a:buNone/>
+              <a:defRPr sz="1200" b="0" i="0" u="none" strike="noStrike" cap="none">
+                <a:solidFill>
+                  <a:schemeClr val="dk1"/>
+                </a:solidFill>
+                <a:latin typeface="Albert Sans"/>
+                <a:ea typeface="Albert Sans"/>
+                <a:cs typeface="Albert Sans"/>
+                <a:sym typeface="Albert Sans"/>
+              </a:defRPr>
+            </a:lvl3pPr>
+            <a:lvl4pPr marL="1828800" marR="0" lvl="3" indent="-304800" algn="ctr" rtl="0">
+              <a:lnSpc>
+                <a:spcPct val="100000"/>
+              </a:lnSpc>
+              <a:spcBef>
+                <a:spcPts val="0"/>
+              </a:spcBef>
+              <a:spcAft>
+                <a:spcPts val="0"/>
+              </a:spcAft>
+              <a:buClr>
+                <a:schemeClr val="dk1"/>
+              </a:buClr>
+              <a:buSzPts val="1200"/>
+              <a:buFont typeface="Albert Sans"/>
+              <a:buNone/>
+              <a:defRPr sz="1200" b="0" i="0" u="none" strike="noStrike" cap="none">
+                <a:solidFill>
+                  <a:schemeClr val="dk1"/>
+                </a:solidFill>
+                <a:latin typeface="Albert Sans"/>
+                <a:ea typeface="Albert Sans"/>
+                <a:cs typeface="Albert Sans"/>
+                <a:sym typeface="Albert Sans"/>
+              </a:defRPr>
+            </a:lvl4pPr>
+            <a:lvl5pPr marL="2286000" marR="0" lvl="4" indent="-304800" algn="ctr" rtl="0">
+              <a:lnSpc>
+                <a:spcPct val="100000"/>
+              </a:lnSpc>
+              <a:spcBef>
+                <a:spcPts val="0"/>
+              </a:spcBef>
+              <a:spcAft>
+                <a:spcPts val="0"/>
+              </a:spcAft>
+              <a:buClr>
+                <a:schemeClr val="dk1"/>
+              </a:buClr>
+              <a:buSzPts val="1200"/>
+              <a:buFont typeface="Albert Sans"/>
+              <a:buNone/>
+              <a:defRPr sz="1200" b="0" i="0" u="none" strike="noStrike" cap="none">
+                <a:solidFill>
+                  <a:schemeClr val="dk1"/>
+                </a:solidFill>
+                <a:latin typeface="Albert Sans"/>
+                <a:ea typeface="Albert Sans"/>
+                <a:cs typeface="Albert Sans"/>
+                <a:sym typeface="Albert Sans"/>
+              </a:defRPr>
+            </a:lvl5pPr>
+            <a:lvl6pPr marL="2743200" marR="0" lvl="5" indent="-304800" algn="ctr" rtl="0">
+              <a:lnSpc>
+                <a:spcPct val="100000"/>
+              </a:lnSpc>
+              <a:spcBef>
+                <a:spcPts val="0"/>
+              </a:spcBef>
+              <a:spcAft>
+                <a:spcPts val="0"/>
+              </a:spcAft>
+              <a:buClr>
+                <a:schemeClr val="dk1"/>
+              </a:buClr>
+              <a:buSzPts val="1200"/>
+              <a:buFont typeface="Albert Sans"/>
+              <a:buNone/>
+              <a:defRPr sz="1200" b="0" i="0" u="none" strike="noStrike" cap="none">
+                <a:solidFill>
+                  <a:schemeClr val="dk1"/>
+                </a:solidFill>
+                <a:latin typeface="Albert Sans"/>
+                <a:ea typeface="Albert Sans"/>
+                <a:cs typeface="Albert Sans"/>
+                <a:sym typeface="Albert Sans"/>
+              </a:defRPr>
+            </a:lvl6pPr>
+            <a:lvl7pPr marL="3200400" marR="0" lvl="6" indent="-304800" algn="ctr" rtl="0">
+              <a:lnSpc>
+                <a:spcPct val="100000"/>
+              </a:lnSpc>
+              <a:spcBef>
+                <a:spcPts val="0"/>
+              </a:spcBef>
+              <a:spcAft>
+                <a:spcPts val="0"/>
+              </a:spcAft>
+              <a:buClr>
+                <a:schemeClr val="dk1"/>
+              </a:buClr>
+              <a:buSzPts val="1200"/>
+              <a:buFont typeface="Albert Sans"/>
+              <a:buNone/>
+              <a:defRPr sz="1200" b="0" i="0" u="none" strike="noStrike" cap="none">
+                <a:solidFill>
+                  <a:schemeClr val="dk1"/>
+                </a:solidFill>
+                <a:latin typeface="Albert Sans"/>
+                <a:ea typeface="Albert Sans"/>
+                <a:cs typeface="Albert Sans"/>
+                <a:sym typeface="Albert Sans"/>
+              </a:defRPr>
+            </a:lvl7pPr>
+            <a:lvl8pPr marL="3657600" marR="0" lvl="7" indent="-304800" algn="ctr" rtl="0">
+              <a:lnSpc>
+                <a:spcPct val="100000"/>
+              </a:lnSpc>
+              <a:spcBef>
+                <a:spcPts val="0"/>
+              </a:spcBef>
+              <a:spcAft>
+                <a:spcPts val="0"/>
+              </a:spcAft>
+              <a:buClr>
+                <a:schemeClr val="dk1"/>
+              </a:buClr>
+              <a:buSzPts val="1200"/>
+              <a:buFont typeface="Albert Sans"/>
+              <a:buNone/>
+              <a:defRPr sz="1200" b="0" i="0" u="none" strike="noStrike" cap="none">
+                <a:solidFill>
+                  <a:schemeClr val="dk1"/>
+                </a:solidFill>
+                <a:latin typeface="Albert Sans"/>
+                <a:ea typeface="Albert Sans"/>
+                <a:cs typeface="Albert Sans"/>
+                <a:sym typeface="Albert Sans"/>
+              </a:defRPr>
+            </a:lvl8pPr>
+            <a:lvl9pPr marL="4114800" marR="0" lvl="8" indent="-304800" algn="ctr" rtl="0">
+              <a:lnSpc>
+                <a:spcPct val="100000"/>
+              </a:lnSpc>
+              <a:spcBef>
+                <a:spcPts val="0"/>
+              </a:spcBef>
+              <a:spcAft>
+                <a:spcPts val="0"/>
+              </a:spcAft>
+              <a:buClr>
+                <a:schemeClr val="dk1"/>
+              </a:buClr>
+              <a:buSzPts val="1200"/>
+              <a:buFont typeface="Albert Sans"/>
+              <a:buNone/>
+              <a:defRPr sz="1200" b="0" i="0" u="none" strike="noStrike" cap="none">
+                <a:solidFill>
+                  <a:schemeClr val="dk1"/>
+                </a:solidFill>
+                <a:latin typeface="Albert Sans"/>
+                <a:ea typeface="Albert Sans"/>
+                <a:cs typeface="Albert Sans"/>
+                <a:sym typeface="Albert Sans"/>
+              </a:defRPr>
+            </a:lvl9pPr>
+          </a:lstStyle>
+          <a:p>
+            <a:pPr marL="171450" indent="-171450">
+              <a:buFontTx/>
+              <a:buChar char="-"/>
+            </a:pPr>
+            <a:r>
+              <a:rPr lang="en-US" dirty="0" err="1">
+                <a:solidFill>
+                  <a:schemeClr val="bg1"/>
+                </a:solidFill>
+              </a:rPr>
+              <a:t>Menerapkan</a:t>
+            </a:r>
+            <a:r>
+              <a:rPr lang="en-US" dirty="0">
+                <a:solidFill>
+                  <a:schemeClr val="bg1"/>
+                </a:solidFill>
+              </a:rPr>
+              <a:t> </a:t>
+            </a:r>
+            <a:r>
+              <a:rPr lang="en-US" dirty="0" err="1">
+                <a:solidFill>
+                  <a:schemeClr val="bg1"/>
+                </a:solidFill>
+              </a:rPr>
+              <a:t>siklus</a:t>
+            </a:r>
+            <a:r>
+              <a:rPr lang="en-US" dirty="0">
+                <a:solidFill>
+                  <a:schemeClr val="bg1"/>
+                </a:solidFill>
+              </a:rPr>
+              <a:t> react</a:t>
+            </a:r>
+          </a:p>
+          <a:p>
+            <a:pPr marL="171450" indent="-171450" algn="just">
+              <a:buFontTx/>
+              <a:buChar char="-"/>
+            </a:pPr>
+            <a:r>
+              <a:rPr lang="en-ID" dirty="0" err="1">
+                <a:solidFill>
+                  <a:schemeClr val="bg1"/>
+                </a:solidFill>
+              </a:rPr>
+              <a:t>Komponen</a:t>
+            </a:r>
+            <a:r>
+              <a:rPr lang="en-ID" dirty="0">
+                <a:solidFill>
+                  <a:schemeClr val="bg1"/>
+                </a:solidFill>
+              </a:rPr>
+              <a:t> </a:t>
+            </a:r>
+            <a:r>
+              <a:rPr lang="en-ID" dirty="0" err="1">
+                <a:solidFill>
+                  <a:schemeClr val="bg1"/>
+                </a:solidFill>
+              </a:rPr>
+              <a:t>kelas</a:t>
+            </a:r>
+            <a:r>
+              <a:rPr lang="en-ID" dirty="0">
+                <a:solidFill>
+                  <a:schemeClr val="bg1"/>
+                </a:solidFill>
+              </a:rPr>
+              <a:t> </a:t>
+            </a:r>
+            <a:r>
+              <a:rPr lang="en-ID" dirty="0" err="1">
+                <a:solidFill>
+                  <a:schemeClr val="bg1"/>
+                </a:solidFill>
+              </a:rPr>
+              <a:t>dipakai</a:t>
+            </a:r>
+            <a:r>
+              <a:rPr lang="en-ID" dirty="0">
+                <a:solidFill>
+                  <a:schemeClr val="bg1"/>
+                </a:solidFill>
+              </a:rPr>
+              <a:t> dan method </a:t>
+            </a:r>
+            <a:r>
+              <a:rPr lang="en-ID" dirty="0" err="1">
+                <a:solidFill>
+                  <a:schemeClr val="bg1"/>
+                </a:solidFill>
+              </a:rPr>
+              <a:t>siklus</a:t>
+            </a:r>
+            <a:r>
+              <a:rPr lang="en-ID" dirty="0">
+                <a:solidFill>
+                  <a:schemeClr val="bg1"/>
+                </a:solidFill>
+              </a:rPr>
+              <a:t> react yang </a:t>
+            </a:r>
+            <a:r>
+              <a:rPr lang="en-ID" dirty="0" err="1">
+                <a:solidFill>
+                  <a:schemeClr val="bg1"/>
+                </a:solidFill>
+              </a:rPr>
+              <a:t>berbeda</a:t>
+            </a:r>
+            <a:r>
+              <a:rPr lang="en-ID" dirty="0">
+                <a:solidFill>
+                  <a:schemeClr val="bg1"/>
+                </a:solidFill>
+              </a:rPr>
+              <a:t> </a:t>
+            </a:r>
+            <a:r>
+              <a:rPr lang="en-ID" dirty="0" err="1">
+                <a:solidFill>
+                  <a:schemeClr val="bg1"/>
+                </a:solidFill>
+              </a:rPr>
+              <a:t>dijalankan</a:t>
+            </a:r>
+            <a:r>
+              <a:rPr lang="en-ID" dirty="0">
+                <a:solidFill>
+                  <a:schemeClr val="bg1"/>
+                </a:solidFill>
+              </a:rPr>
+              <a:t> dan </a:t>
+            </a:r>
+            <a:r>
+              <a:rPr lang="en-ID" dirty="0" err="1">
+                <a:solidFill>
+                  <a:schemeClr val="bg1"/>
+                </a:solidFill>
+              </a:rPr>
+              <a:t>dipanggil</a:t>
+            </a:r>
+            <a:r>
+              <a:rPr lang="en-ID" dirty="0">
+                <a:solidFill>
+                  <a:schemeClr val="bg1"/>
+                </a:solidFill>
+              </a:rPr>
+              <a:t> </a:t>
+            </a:r>
+            <a:r>
+              <a:rPr lang="en-ID" dirty="0" err="1">
+                <a:solidFill>
+                  <a:schemeClr val="bg1"/>
+                </a:solidFill>
+              </a:rPr>
+              <a:t>tergantung</a:t>
+            </a:r>
+            <a:r>
+              <a:rPr lang="en-ID" dirty="0">
+                <a:solidFill>
+                  <a:schemeClr val="bg1"/>
+                </a:solidFill>
+              </a:rPr>
+              <a:t> pada </a:t>
+            </a:r>
+            <a:r>
+              <a:rPr lang="en-ID" dirty="0" err="1">
+                <a:solidFill>
+                  <a:schemeClr val="bg1"/>
+                </a:solidFill>
+              </a:rPr>
+              <a:t>fase</a:t>
+            </a:r>
+            <a:r>
+              <a:rPr lang="en-ID" dirty="0">
+                <a:solidFill>
+                  <a:schemeClr val="bg1"/>
+                </a:solidFill>
+              </a:rPr>
+              <a:t> </a:t>
+            </a:r>
+            <a:r>
+              <a:rPr lang="en-ID" dirty="0" err="1">
+                <a:solidFill>
+                  <a:schemeClr val="bg1"/>
+                </a:solidFill>
+              </a:rPr>
+              <a:t>komponen</a:t>
+            </a:r>
+            <a:r>
+              <a:rPr lang="en-ID" dirty="0">
+                <a:solidFill>
+                  <a:schemeClr val="bg1"/>
+                </a:solidFill>
+              </a:rPr>
+              <a:t> </a:t>
+            </a:r>
+            <a:r>
+              <a:rPr lang="en-ID" dirty="0" err="1">
+                <a:solidFill>
+                  <a:schemeClr val="bg1"/>
+                </a:solidFill>
+              </a:rPr>
+              <a:t>kelas</a:t>
+            </a:r>
+            <a:r>
+              <a:rPr lang="en-ID" dirty="0">
+                <a:solidFill>
+                  <a:schemeClr val="bg1"/>
+                </a:solidFill>
+              </a:rPr>
+              <a:t>.</a:t>
+            </a:r>
+            <a:endParaRPr lang="en-US" dirty="0">
+              <a:solidFill>
+                <a:schemeClr val="bg1"/>
+              </a:solidFill>
+            </a:endParaRPr>
+          </a:p>
+        </p:txBody>
+      </p:sp>
+    </p:spTree>
+    <p:extLst>
+      <p:ext uri="{BB962C8B-B14F-4D97-AF65-F5344CB8AC3E}">
+        <p14:creationId xmlns:p14="http://schemas.microsoft.com/office/powerpoint/2010/main" val="552074867"/>
+      </p:ext>
+    </p:extLst>
+  </p:cSld>
+  <p:clrMapOvr>
+    <a:masterClrMapping/>
+  </p:clrMapOvr>
+</p:sld>
+</file>
+
+<file path=ppt/slides/slide5.xml><?xml version="1.0" encoding="utf-8"?>
 <p:sld xmlns:a="http://schemas.openxmlformats.org/drawingml/2006/main" xmlns:r="http://schemas.openxmlformats.org/officeDocument/2006/relationships" xmlns:p="http://schemas.openxmlformats.org/presentationml/2006/main">
   <p:cSld>
     <p:spTree>
@@ -11771,7 +17392,7 @@
 </p:sld>
 </file>
 
-<file path=ppt/slides/slide3.xml><?xml version="1.0" encoding="utf-8"?>
+<file path=ppt/slides/slide6.xml><?xml version="1.0" encoding="utf-8"?>
 <p:sld xmlns:a="http://schemas.openxmlformats.org/drawingml/2006/main" xmlns:r="http://schemas.openxmlformats.org/officeDocument/2006/relationships" xmlns:p="http://schemas.openxmlformats.org/presentationml/2006/main">
   <p:cSld>
     <p:spTree>
@@ -16721,7 +22342,7 @@
 </p:sld>
 </file>
 
-<file path=ppt/slides/slide4.xml><?xml version="1.0" encoding="utf-8"?>
+<file path=ppt/slides/slide7.xml><?xml version="1.0" encoding="utf-8"?>
 <p:sld xmlns:a="http://schemas.openxmlformats.org/drawingml/2006/main" xmlns:r="http://schemas.openxmlformats.org/officeDocument/2006/relationships" xmlns:p="http://schemas.openxmlformats.org/presentationml/2006/main">
   <p:cSld>
     <p:spTree>
@@ -18417,6 +24038,11 @@
         </p:txBody>
       </p:sp>
     </p:spTree>
+    <p:extLst>
+      <p:ext uri="{BB962C8B-B14F-4D97-AF65-F5344CB8AC3E}">
+        <p14:creationId xmlns:p14="http://schemas.microsoft.com/office/powerpoint/2010/main" val="3062249845"/>
+      </p:ext>
+    </p:extLst>
   </p:cSld>
   <p:clrMapOvr>
     <a:masterClrMapping/>
